--- a/lectures/architecture.pptx
+++ b/lectures/architecture.pptx
@@ -5,7 +5,7 @@
     <p:sldMasterId id="2147483660" r:id="rId1"/>
   </p:sldMasterIdLst>
   <p:notesMasterIdLst>
-    <p:notesMasterId r:id="rId34"/>
+    <p:notesMasterId r:id="rId36"/>
   </p:notesMasterIdLst>
   <p:sldIdLst>
     <p:sldId id="256" r:id="rId2"/>
@@ -26,20 +26,22 @@
     <p:sldId id="271" r:id="rId17"/>
     <p:sldId id="272" r:id="rId18"/>
     <p:sldId id="273" r:id="rId19"/>
-    <p:sldId id="274" r:id="rId20"/>
-    <p:sldId id="275" r:id="rId21"/>
-    <p:sldId id="276" r:id="rId22"/>
-    <p:sldId id="277" r:id="rId23"/>
-    <p:sldId id="279" r:id="rId24"/>
-    <p:sldId id="280" r:id="rId25"/>
-    <p:sldId id="281" r:id="rId26"/>
-    <p:sldId id="282" r:id="rId27"/>
-    <p:sldId id="283" r:id="rId28"/>
-    <p:sldId id="284" r:id="rId29"/>
-    <p:sldId id="285" r:id="rId30"/>
-    <p:sldId id="286" r:id="rId31"/>
-    <p:sldId id="287" r:id="rId32"/>
-    <p:sldId id="288" r:id="rId33"/>
+    <p:sldId id="289" r:id="rId20"/>
+    <p:sldId id="274" r:id="rId21"/>
+    <p:sldId id="275" r:id="rId22"/>
+    <p:sldId id="276" r:id="rId23"/>
+    <p:sldId id="277" r:id="rId24"/>
+    <p:sldId id="279" r:id="rId25"/>
+    <p:sldId id="280" r:id="rId26"/>
+    <p:sldId id="281" r:id="rId27"/>
+    <p:sldId id="282" r:id="rId28"/>
+    <p:sldId id="283" r:id="rId29"/>
+    <p:sldId id="284" r:id="rId30"/>
+    <p:sldId id="285" r:id="rId31"/>
+    <p:sldId id="290" r:id="rId32"/>
+    <p:sldId id="286" r:id="rId33"/>
+    <p:sldId id="287" r:id="rId34"/>
+    <p:sldId id="288" r:id="rId35"/>
   </p:sldIdLst>
   <p:sldSz cx="9144000" cy="6858000" type="screen4x3"/>
   <p:notesSz cx="6858000" cy="9144000"/>
@@ -223,7 +225,7 @@
           <a:p>
             <a:fld id="{E9C7438F-E6B2-0141-B34C-29FE4CEF604C}" type="datetimeFigureOut">
               <a:rPr lang="en-US" smtClean="0"/>
-              <a:t>7/22/17</a:t>
+              <a:t>7/26/17</a:t>
             </a:fld>
             <a:endParaRPr lang="en-US"/>
           </a:p>
@@ -706,7 +708,7 @@
           <a:p>
             <a:fld id="{569DD0F9-79D7-7041-9FCD-6B61FEBE4817}" type="datetimeFigureOut">
               <a:rPr lang="en-US" smtClean="0"/>
-              <a:t>7/22/17</a:t>
+              <a:t>7/26/17</a:t>
             </a:fld>
             <a:endParaRPr lang="en-US"/>
           </a:p>
@@ -871,7 +873,7 @@
           <a:p>
             <a:fld id="{569DD0F9-79D7-7041-9FCD-6B61FEBE4817}" type="datetimeFigureOut">
               <a:rPr lang="en-US" smtClean="0"/>
-              <a:t>7/22/17</a:t>
+              <a:t>7/26/17</a:t>
             </a:fld>
             <a:endParaRPr lang="en-US"/>
           </a:p>
@@ -1046,7 +1048,7 @@
           <a:p>
             <a:fld id="{569DD0F9-79D7-7041-9FCD-6B61FEBE4817}" type="datetimeFigureOut">
               <a:rPr lang="en-US" smtClean="0"/>
-              <a:t>7/22/17</a:t>
+              <a:t>7/26/17</a:t>
             </a:fld>
             <a:endParaRPr lang="en-US"/>
           </a:p>
@@ -1211,7 +1213,7 @@
           <a:p>
             <a:fld id="{569DD0F9-79D7-7041-9FCD-6B61FEBE4817}" type="datetimeFigureOut">
               <a:rPr lang="en-US" smtClean="0"/>
-              <a:t>7/22/17</a:t>
+              <a:t>7/26/17</a:t>
             </a:fld>
             <a:endParaRPr lang="en-US"/>
           </a:p>
@@ -1450,7 +1452,7 @@
           <a:p>
             <a:fld id="{569DD0F9-79D7-7041-9FCD-6B61FEBE4817}" type="datetimeFigureOut">
               <a:rPr lang="en-US" smtClean="0"/>
-              <a:t>7/22/17</a:t>
+              <a:t>7/26/17</a:t>
             </a:fld>
             <a:endParaRPr lang="en-US"/>
           </a:p>
@@ -1677,7 +1679,7 @@
           <a:p>
             <a:fld id="{569DD0F9-79D7-7041-9FCD-6B61FEBE4817}" type="datetimeFigureOut">
               <a:rPr lang="en-US" smtClean="0"/>
-              <a:t>7/22/17</a:t>
+              <a:t>7/26/17</a:t>
             </a:fld>
             <a:endParaRPr lang="en-US"/>
           </a:p>
@@ -2039,7 +2041,7 @@
           <a:p>
             <a:fld id="{569DD0F9-79D7-7041-9FCD-6B61FEBE4817}" type="datetimeFigureOut">
               <a:rPr lang="en-US" smtClean="0"/>
-              <a:t>7/22/17</a:t>
+              <a:t>7/26/17</a:t>
             </a:fld>
             <a:endParaRPr lang="en-US"/>
           </a:p>
@@ -2152,7 +2154,7 @@
           <a:p>
             <a:fld id="{569DD0F9-79D7-7041-9FCD-6B61FEBE4817}" type="datetimeFigureOut">
               <a:rPr lang="en-US" smtClean="0"/>
-              <a:t>7/22/17</a:t>
+              <a:t>7/26/17</a:t>
             </a:fld>
             <a:endParaRPr lang="en-US"/>
           </a:p>
@@ -2242,7 +2244,7 @@
           <a:p>
             <a:fld id="{569DD0F9-79D7-7041-9FCD-6B61FEBE4817}" type="datetimeFigureOut">
               <a:rPr lang="en-US" smtClean="0"/>
-              <a:t>7/22/17</a:t>
+              <a:t>7/26/17</a:t>
             </a:fld>
             <a:endParaRPr lang="en-US"/>
           </a:p>
@@ -2514,7 +2516,7 @@
           <a:p>
             <a:fld id="{569DD0F9-79D7-7041-9FCD-6B61FEBE4817}" type="datetimeFigureOut">
               <a:rPr lang="en-US" smtClean="0"/>
-              <a:t>7/22/17</a:t>
+              <a:t>7/26/17</a:t>
             </a:fld>
             <a:endParaRPr lang="en-US"/>
           </a:p>
@@ -2766,7 +2768,7 @@
           <a:p>
             <a:fld id="{569DD0F9-79D7-7041-9FCD-6B61FEBE4817}" type="datetimeFigureOut">
               <a:rPr lang="en-US" smtClean="0"/>
-              <a:t>7/22/17</a:t>
+              <a:t>7/26/17</a:t>
             </a:fld>
             <a:endParaRPr lang="en-US"/>
           </a:p>
@@ -2974,7 +2976,7 @@
           <a:p>
             <a:fld id="{569DD0F9-79D7-7041-9FCD-6B61FEBE4817}" type="datetimeFigureOut">
               <a:rPr lang="en-US" smtClean="0"/>
-              <a:t>7/22/17</a:t>
+              <a:t>7/26/17</a:t>
             </a:fld>
             <a:endParaRPr lang="en-US"/>
           </a:p>
@@ -4267,15 +4269,7 @@
             </a:r>
             <a:r>
               <a:rPr lang="en-US" sz="1800" dirty="0" smtClean="0"/>
-              <a:t> </a:t>
-            </a:r>
-            <a:r>
-              <a:rPr lang="en-US" sz="1800" dirty="0" smtClean="0"/>
-              <a:t>execution </a:t>
-            </a:r>
-            <a:r>
-              <a:rPr lang="en-US" sz="1800" dirty="0" smtClean="0"/>
-              <a:t>units, the </a:t>
+              <a:t> execution units, the </a:t>
             </a:r>
             <a:r>
               <a:rPr lang="en-US" sz="1800" i="1" dirty="0" smtClean="0"/>
@@ -6109,11 +6103,7 @@
           <a:p>
             <a:r>
               <a:rPr lang="en-US" dirty="0" smtClean="0"/>
-              <a:t>Most kinds </a:t>
-            </a:r>
-            <a:r>
-              <a:rPr lang="en-US" dirty="0" smtClean="0"/>
-              <a:t>of flow control get converted into </a:t>
+              <a:t>Most kinds of flow control get converted into </a:t>
             </a:r>
             <a:r>
               <a:rPr lang="en-US" b="1" dirty="0" smtClean="0">
@@ -6145,11 +6135,7 @@
             </a:r>
             <a:r>
               <a:rPr lang="en-US" dirty="0" smtClean="0"/>
-              <a:t> instructions and execute out-of-</a:t>
-            </a:r>
-            <a:r>
-              <a:rPr lang="en-US" dirty="0" smtClean="0"/>
-              <a:t>order (this is called </a:t>
+              <a:t> instructions and execute out-of-order (this is called </a:t>
             </a:r>
             <a:r>
               <a:rPr lang="en-US" b="1" dirty="0" smtClean="0">
@@ -6161,11 +6147,7 @@
             </a:r>
             <a:r>
               <a:rPr lang="en-US" dirty="0" smtClean="0"/>
-              <a:t>). </a:t>
-            </a:r>
-            <a:r>
-              <a:rPr lang="en-US" dirty="0" smtClean="0"/>
-              <a:t>If the processor guesses wrong, you pay a </a:t>
+              <a:t>). If the processor guesses wrong, you pay a </a:t>
             </a:r>
             <a:r>
               <a:rPr lang="en-US" b="1" dirty="0" smtClean="0">
@@ -6197,25 +6179,16 @@
             </a:r>
             <a:r>
               <a:rPr lang="en-US" dirty="0" smtClean="0"/>
-              <a:t>(~15-20 cycles</a:t>
-            </a:r>
+              <a:t>(~15-20 cycles), plus a possible pipeline flush.</a:t>
+            </a:r>
+          </a:p>
+          <a:p>
+            <a:endParaRPr lang="en-US" dirty="0"/>
+          </a:p>
+          <a:p>
             <a:r>
               <a:rPr lang="en-US" dirty="0" smtClean="0"/>
-              <a:t>), plus a possible pipeline flush.</a:t>
-            </a:r>
-            <a:endParaRPr lang="en-US" dirty="0" smtClean="0"/>
-          </a:p>
-          <a:p>
-            <a:endParaRPr lang="en-US" dirty="0"/>
-          </a:p>
-          <a:p>
-            <a:r>
-              <a:rPr lang="en-US" dirty="0" smtClean="0"/>
-              <a:t>Processors have gotten pretty good at predicting branches, including pattern recognition for nested loops, but reducing the number of branches can still </a:t>
-            </a:r>
-            <a:r>
-              <a:rPr lang="en-US" dirty="0" smtClean="0"/>
-              <a:t>help a lot.</a:t>
+              <a:t>Processors have gotten pretty good at predicting branches, including pattern recognition for nested loops, but reducing the number of branches can still help a lot.</a:t>
             </a:r>
             <a:endParaRPr lang="en-US" dirty="0"/>
           </a:p>
@@ -6340,15 +6313,7 @@
             </a:r>
             <a:r>
               <a:rPr lang="en-US" sz="1800" dirty="0" smtClean="0"/>
-              <a:t> 2x double or 4x </a:t>
-            </a:r>
-            <a:r>
-              <a:rPr lang="en-US" sz="1800" dirty="0" smtClean="0"/>
-              <a:t>float (+integers) </a:t>
-            </a:r>
-            <a:r>
-              <a:rPr lang="en-US" sz="1800" dirty="0" smtClean="0"/>
-              <a:t>(2000’s)</a:t>
+              <a:t> 2x double or 4x float (+integers) (2000’s)</a:t>
             </a:r>
           </a:p>
           <a:p>
@@ -7952,15 +7917,7 @@
           <a:p>
             <a:r>
               <a:rPr lang="en-US" dirty="0" smtClean="0"/>
-              <a:t>⊕  </a:t>
-            </a:r>
-            <a:r>
-              <a:rPr lang="en-US" dirty="0" smtClean="0"/>
-              <a:t>⊕  </a:t>
-            </a:r>
-            <a:r>
-              <a:rPr lang="en-US" dirty="0" smtClean="0"/>
-              <a:t>⊕  ⊕</a:t>
+              <a:t>⊕  ⊕  ⊕  ⊕</a:t>
             </a:r>
             <a:endParaRPr lang="en-US" dirty="0"/>
           </a:p>
@@ -10123,13 +10080,8 @@
                     <a:p>
                       <a:r>
                         <a:rPr lang="en-US" sz="1200" dirty="0" smtClean="0"/>
-                        <a:t>~100GB/</a:t>
+                        <a:t>~100GB/s =</a:t>
                       </a:r>
-                      <a:r>
-                        <a:rPr lang="en-US" sz="1200" dirty="0" smtClean="0"/>
-                        <a:t>s =</a:t>
-                      </a:r>
-                      <a:endParaRPr lang="en-US" sz="1200" dirty="0" smtClean="0"/>
                     </a:p>
                     <a:p>
                       <a:r>
@@ -10282,11 +10234,7 @@
                     <a:p>
                       <a:r>
                         <a:rPr lang="en-US" sz="1200" dirty="0" smtClean="0"/>
-                        <a:t>~100,000 </a:t>
-                      </a:r>
-                      <a:r>
-                        <a:rPr lang="en-US" sz="1200" dirty="0" smtClean="0"/>
-                        <a:t>cycles</a:t>
+                        <a:t>~100,000 cycles</a:t>
                       </a:r>
                       <a:endParaRPr lang="en-US" sz="1200" dirty="0"/>
                     </a:p>
@@ -11059,23 +11007,11 @@
                   <a:schemeClr val="accent1"/>
                 </a:solidFill>
               </a:rPr>
-              <a:t>integer </a:t>
-            </a:r>
-            <a:r>
-              <a:rPr lang="en-US" sz="1400" b="1" dirty="0" smtClean="0">
-                <a:solidFill>
-                  <a:schemeClr val="accent1"/>
-                </a:solidFill>
-              </a:rPr>
-              <a:t>registers </a:t>
+              <a:t>integer registers </a:t>
             </a:r>
             <a:r>
               <a:rPr lang="en-US" sz="1400" dirty="0" smtClean="0"/>
-              <a:t>and </a:t>
-            </a:r>
-            <a:r>
-              <a:rPr lang="en-US" sz="1400" dirty="0" smtClean="0"/>
-              <a:t>16 128-bit </a:t>
+              <a:t>and 16 128-bit </a:t>
             </a:r>
             <a:r>
               <a:rPr lang="en-US" sz="1400" b="1" dirty="0" smtClean="0">
@@ -11083,15 +11019,7 @@
                   <a:schemeClr val="accent6"/>
                 </a:solidFill>
               </a:rPr>
-              <a:t>vector </a:t>
-            </a:r>
-            <a:r>
-              <a:rPr lang="en-US" sz="1400" b="1" dirty="0" smtClean="0">
-                <a:solidFill>
-                  <a:schemeClr val="accent6"/>
-                </a:solidFill>
-              </a:rPr>
-              <a:t>registers</a:t>
+              <a:t>vector registers</a:t>
             </a:r>
             <a:r>
               <a:rPr lang="en-US" sz="1400" dirty="0"/>
@@ -11099,35 +11027,20 @@
             </a:r>
             <a:r>
               <a:rPr lang="en-US" sz="1400" dirty="0" smtClean="0"/>
-              <a:t>(xmm0-15)</a:t>
-            </a:r>
+              <a:t>(xmm0-15). The x87 FPU is not used in modern code.</a:t>
+            </a:r>
+          </a:p>
+          <a:p>
             <a:r>
               <a:rPr lang="en-US" sz="1400" dirty="0" smtClean="0"/>
-              <a:t>. The x87 FPU is not used in modern code.</a:t>
-            </a:r>
-            <a:endParaRPr lang="en-US" sz="1400" dirty="0" smtClean="0"/>
+              <a:t>AVX extends the vector registers to 256 bits (ymm0-15).</a:t>
+            </a:r>
           </a:p>
           <a:p>
             <a:r>
               <a:rPr lang="en-US" sz="1400" dirty="0" smtClean="0"/>
-              <a:t>AVX extends the vector registers to 256 </a:t>
-            </a:r>
-            <a:r>
-              <a:rPr lang="en-US" sz="1400" dirty="0" smtClean="0"/>
-              <a:t>bits (ymm0-15).</a:t>
-            </a:r>
-            <a:endParaRPr lang="en-US" sz="1400" dirty="0" smtClean="0"/>
-          </a:p>
-          <a:p>
-            <a:r>
-              <a:rPr lang="en-US" sz="1400" dirty="0" smtClean="0"/>
-              <a:t>AVX512 increases this to 32 512-bit vector </a:t>
-            </a:r>
-            <a:r>
-              <a:rPr lang="en-US" sz="1400" dirty="0" smtClean="0"/>
-              <a:t>registers (zmm0-31, not shown).</a:t>
-            </a:r>
-            <a:endParaRPr lang="en-US" sz="1400" dirty="0" smtClean="0"/>
+              <a:t>AVX512 increases this to 32 512-bit vector registers (zmm0-31, not shown).</a:t>
+            </a:r>
           </a:p>
           <a:p>
             <a:r>
@@ -11156,11 +11069,7 @@
           <a:p>
             <a:r>
               <a:rPr lang="en-US" sz="1400" dirty="0" smtClean="0"/>
-              <a:t>Since the number of physical </a:t>
-            </a:r>
-            <a:r>
-              <a:rPr lang="en-US" sz="1400" dirty="0" smtClean="0"/>
-              <a:t>registers (the </a:t>
+              <a:t>Since the number of physical registers (the </a:t>
             </a:r>
             <a:r>
               <a:rPr lang="en-US" sz="1400" b="1" dirty="0" smtClean="0">
@@ -11172,11 +11081,7 @@
             </a:r>
             <a:r>
               <a:rPr lang="en-US" sz="1400" dirty="0" smtClean="0"/>
-              <a:t>) </a:t>
-            </a:r>
-            <a:r>
-              <a:rPr lang="en-US" sz="1400" dirty="0" smtClean="0"/>
-              <a:t>is much larger than the number of names (~10x), this avoids many false data dependencies.</a:t>
+              <a:t>) is much larger than the number of names (~10x), this avoids many false data dependencies.</a:t>
             </a:r>
           </a:p>
         </p:txBody>
@@ -11592,15 +11497,7 @@
             </a:r>
             <a:r>
               <a:rPr lang="en-US" dirty="0" smtClean="0"/>
-              <a:t> ≥ 4KB) reduces </a:t>
-            </a:r>
-            <a:r>
-              <a:rPr lang="en-US" dirty="0" smtClean="0"/>
-              <a:t>the effective cache </a:t>
-            </a:r>
-            <a:r>
-              <a:rPr lang="en-US" dirty="0" smtClean="0"/>
-              <a:t>size drastically.</a:t>
+              <a:t> ≥ 4KB) reduces the effective cache size drastically.</a:t>
             </a:r>
             <a:endParaRPr lang="en-US" dirty="0"/>
           </a:p>
@@ -11773,11 +11670,7 @@
             </a:r>
             <a:r>
               <a:rPr lang="en-US" sz="1800" dirty="0" smtClean="0"/>
-              <a:t>occurs, costing an additional O(1000) cycles</a:t>
-            </a:r>
-            <a:r>
-              <a:rPr lang="en-US" sz="1800" dirty="0" smtClean="0"/>
-              <a:t>.</a:t>
+              <a:t>occurs, costing an additional O(1000) cycles.</a:t>
             </a:r>
             <a:endParaRPr lang="en-US" sz="1800" dirty="0"/>
           </a:p>
@@ -11806,7 +11699,6 @@
               <a:rPr lang="en-US" sz="1800" dirty="0" smtClean="0"/>
               <a:t>handles I/O and caching.</a:t>
             </a:r>
-            <a:endParaRPr lang="en-US" sz="1800" dirty="0" smtClean="0"/>
           </a:p>
         </p:txBody>
       </p:sp>
@@ -11887,15 +11779,7 @@
           <a:p>
             <a:r>
               <a:rPr lang="en-US" dirty="0" smtClean="0"/>
-              <a:t>Single-</a:t>
-            </a:r>
-            <a:r>
-              <a:rPr lang="en-US" dirty="0" smtClean="0"/>
-              <a:t>core s</a:t>
-            </a:r>
-            <a:r>
-              <a:rPr lang="en-US" dirty="0" smtClean="0"/>
-              <a:t>ummary</a:t>
+              <a:t>Single-core summary</a:t>
             </a:r>
             <a:endParaRPr lang="en-US" dirty="0"/>
           </a:p>
@@ -11925,15 +11809,7 @@
           <a:p>
             <a:r>
               <a:rPr lang="en-US" dirty="0" smtClean="0"/>
-              <a:t>The </a:t>
-            </a:r>
-            <a:r>
-              <a:rPr lang="en-US" dirty="0" smtClean="0"/>
-              <a:t>processor core </a:t>
-            </a:r>
-            <a:r>
-              <a:rPr lang="en-US" dirty="0" smtClean="0"/>
-              <a:t>can do lots of things at once:</a:t>
+              <a:t>The processor core can do lots of things at once:</a:t>
             </a:r>
           </a:p>
           <a:p>
@@ -11948,21 +11824,12 @@
                   <a:schemeClr val="accent2"/>
                 </a:solidFill>
               </a:rPr>
-              <a:t>out-of-</a:t>
-            </a:r>
-            <a:r>
-              <a:rPr lang="en-US" b="1" dirty="0" smtClean="0">
-                <a:solidFill>
-                  <a:schemeClr val="accent2"/>
-                </a:solidFill>
-              </a:rPr>
-              <a:t>order</a:t>
+              <a:t>out-of-order</a:t>
             </a:r>
             <a:r>
               <a:rPr lang="en-US" b="1" dirty="0" smtClean="0"/>
               <a:t>.</a:t>
             </a:r>
-            <a:endParaRPr lang="en-US" b="1" dirty="0" smtClean="0"/>
           </a:p>
           <a:p>
             <a:pPr lvl="1"/>
@@ -11982,7 +11849,6 @@
               <a:rPr lang="en-US" dirty="0" smtClean="0"/>
               <a:t>).</a:t>
             </a:r>
-            <a:endParaRPr lang="en-US" dirty="0" smtClean="0"/>
           </a:p>
           <a:p>
             <a:pPr lvl="1"/>
@@ -12004,13 +11870,8 @@
             </a:r>
             <a:r>
               <a:rPr lang="en-US" dirty="0" smtClean="0"/>
-              <a:t>sequences of </a:t>
-            </a:r>
-            <a:r>
-              <a:rPr lang="en-US" dirty="0" smtClean="0"/>
-              <a:t>instructions.</a:t>
-            </a:r>
-            <a:endParaRPr lang="en-US" dirty="0" smtClean="0"/>
+              <a:t>sequences of instructions.</a:t>
+            </a:r>
           </a:p>
           <a:p>
             <a:pPr lvl="1"/>
@@ -12028,13 +11889,8 @@
             </a:r>
             <a:r>
               <a:rPr lang="en-US" dirty="0" smtClean="0"/>
-              <a:t>and speculatively </a:t>
-            </a:r>
-            <a:r>
-              <a:rPr lang="en-US" dirty="0" smtClean="0"/>
-              <a:t>execute.</a:t>
-            </a:r>
-            <a:endParaRPr lang="en-US" dirty="0" smtClean="0"/>
+              <a:t>and speculatively execute.</a:t>
+            </a:r>
           </a:p>
           <a:p>
             <a:pPr lvl="1"/>
@@ -12054,7 +11910,6 @@
               <a:rPr lang="en-US" b="1" dirty="0" smtClean="0"/>
               <a:t>.</a:t>
             </a:r>
-            <a:endParaRPr lang="en-US" b="1" dirty="0" smtClean="0"/>
           </a:p>
           <a:p>
             <a:pPr lvl="1"/>
@@ -12113,13 +11968,8 @@
             </a:r>
             <a:r>
               <a:rPr lang="en-US" dirty="0" smtClean="0"/>
-              <a:t>hold a small amount of data closer to the </a:t>
-            </a:r>
-            <a:r>
-              <a:rPr lang="en-US" dirty="0" smtClean="0"/>
-              <a:t>processor.</a:t>
-            </a:r>
-            <a:endParaRPr lang="en-US" dirty="0" smtClean="0"/>
+              <a:t>hold a small amount of data closer to the processor.</a:t>
+            </a:r>
           </a:p>
           <a:p>
             <a:pPr lvl="1"/>
@@ -12153,13 +12003,8 @@
             </a:r>
             <a:r>
               <a:rPr lang="en-US" dirty="0" smtClean="0"/>
-              <a:t>make some access patterns more </a:t>
-            </a:r>
-            <a:r>
-              <a:rPr lang="en-US" dirty="0" smtClean="0"/>
-              <a:t>efficient.</a:t>
-            </a:r>
-            <a:endParaRPr lang="en-US" dirty="0" smtClean="0"/>
+              <a:t>make some access patterns more efficient.</a:t>
+            </a:r>
           </a:p>
           <a:p>
             <a:pPr lvl="1"/>
@@ -12177,11 +12022,7 @@
             </a:r>
             <a:r>
               <a:rPr lang="en-US" dirty="0" smtClean="0"/>
-              <a:t>paging can cause additional </a:t>
-            </a:r>
-            <a:r>
-              <a:rPr lang="en-US" dirty="0" smtClean="0"/>
-              <a:t>delays if too many pages are accessed.</a:t>
+              <a:t>paging can cause additional delays if too many pages are accessed.</a:t>
             </a:r>
             <a:endParaRPr lang="en-US" dirty="0"/>
           </a:p>
@@ -12234,7 +12075,7 @@
           <a:p>
             <a:r>
               <a:rPr lang="en-US" dirty="0" smtClean="0"/>
-              <a:t>Multi-core</a:t>
+              <a:t>Quiz:</a:t>
             </a:r>
             <a:endParaRPr lang="en-US" dirty="0"/>
           </a:p>
@@ -12252,98 +12093,101 @@
         </p:nvSpPr>
         <p:spPr/>
         <p:txBody>
-          <a:bodyPr/>
-          <a:lstStyle/>
-          <a:p>
+          <a:bodyPr>
+            <a:normAutofit lnSpcReduction="10000"/>
+          </a:bodyPr>
+          <a:lstStyle/>
+          <a:p>
+            <a:pPr marL="514350" indent="-514350">
+              <a:buFont typeface="+mj-lt"/>
+              <a:buAutoNum type="arabicPeriod"/>
+            </a:pPr>
             <a:r>
               <a:rPr lang="en-US" dirty="0" smtClean="0"/>
-              <a:t>Modern processor contain multiple processor </a:t>
-            </a:r>
-            <a:r>
-              <a:rPr lang="en-US" b="1" dirty="0" smtClean="0">
-                <a:solidFill>
-                  <a:schemeClr val="accent2"/>
-                </a:solidFill>
-              </a:rPr>
-              <a:t>cores</a:t>
-            </a:r>
+              <a:t>How many bytes are in a cache line?</a:t>
+            </a:r>
+          </a:p>
+          <a:p>
+            <a:pPr marL="514350" indent="-514350">
+              <a:buFont typeface="+mj-lt"/>
+              <a:buAutoNum type="arabicPeriod"/>
+            </a:pPr>
+            <a:endParaRPr lang="en-US" dirty="0"/>
+          </a:p>
+          <a:p>
+            <a:pPr marL="514350" indent="-514350">
+              <a:buFont typeface="+mj-lt"/>
+              <a:buAutoNum type="arabicPeriod"/>
+            </a:pPr>
             <a:r>
               <a:rPr lang="en-US" dirty="0" smtClean="0"/>
-              <a:t>.</a:t>
-            </a:r>
-          </a:p>
-          <a:p>
+              <a:t>T/F: A processor can only execute one instruction per cycle per core.</a:t>
+            </a:r>
+          </a:p>
+          <a:p>
+            <a:pPr marL="514350" indent="-514350">
+              <a:buFont typeface="+mj-lt"/>
+              <a:buAutoNum type="arabicPeriod"/>
+            </a:pPr>
+            <a:endParaRPr lang="en-US" dirty="0"/>
+          </a:p>
+          <a:p>
+            <a:pPr marL="514350" indent="-514350">
+              <a:buFont typeface="+mj-lt"/>
+              <a:buAutoNum type="arabicPeriod"/>
+            </a:pPr>
             <a:r>
               <a:rPr lang="en-US" dirty="0" smtClean="0"/>
-              <a:t>Individual cores may also allow multiple </a:t>
-            </a:r>
-            <a:r>
-              <a:rPr lang="en-US" b="1" dirty="0" smtClean="0">
-                <a:solidFill>
-                  <a:schemeClr val="accent1"/>
-                </a:solidFill>
-              </a:rPr>
-              <a:t>threads</a:t>
-            </a:r>
-            <a:r>
-              <a:rPr lang="en-US" dirty="0" smtClean="0">
-                <a:solidFill>
-                  <a:schemeClr val="accent1"/>
-                </a:solidFill>
-              </a:rPr>
-              <a:t> </a:t>
+              <a:t>T/F: This loop can be optimized to run at close to 100% of peak performance:</a:t>
+            </a:r>
+          </a:p>
+          <a:p>
+            <a:pPr marL="514350" indent="-514350">
+              <a:buFont typeface="+mj-lt"/>
+              <a:buAutoNum type="arabicPeriod"/>
+            </a:pPr>
+            <a:endParaRPr lang="en-US" dirty="0" smtClean="0"/>
+          </a:p>
+          <a:p>
+            <a:pPr marL="457200" lvl="1" indent="0">
+              <a:buNone/>
+            </a:pPr>
+            <a:r>
+              <a:rPr lang="en-US" dirty="0"/>
+              <a:t>f</a:t>
             </a:r>
             <a:r>
               <a:rPr lang="en-US" dirty="0" smtClean="0"/>
-              <a:t>to run at the same time, sharing some resources such as the execution units. This is called </a:t>
-            </a:r>
-            <a:r>
-              <a:rPr lang="en-US" b="1" dirty="0" smtClean="0">
-                <a:solidFill>
-                  <a:schemeClr val="accent4"/>
-                </a:solidFill>
-              </a:rPr>
-              <a:t>Simultaneous Multi-Threading</a:t>
+              <a:t>or </a:t>
+            </a:r>
+            <a:r>
+              <a:rPr lang="en-US" dirty="0" err="1" smtClean="0"/>
+              <a:t>i</a:t>
             </a:r>
             <a:r>
               <a:rPr lang="en-US" dirty="0" smtClean="0"/>
-              <a:t> (</a:t>
-            </a:r>
-            <a:r>
-              <a:rPr lang="en-US" b="1" dirty="0" smtClean="0">
-                <a:solidFill>
-                  <a:srgbClr val="FFC000"/>
-                </a:solidFill>
-              </a:rPr>
-              <a:t>SMT</a:t>
+              <a:t> in range(1,1000):</a:t>
+            </a:r>
+          </a:p>
+          <a:p>
+            <a:pPr marL="457200" lvl="1" indent="0">
+              <a:buNone/>
+            </a:pPr>
+            <a:r>
+              <a:rPr lang="en-US" dirty="0"/>
+              <a:t>	</a:t>
             </a:r>
             <a:r>
               <a:rPr lang="en-US" dirty="0" smtClean="0"/>
-              <a:t>, aka </a:t>
-            </a:r>
-            <a:r>
-              <a:rPr lang="en-US" b="1" dirty="0" smtClean="0">
-                <a:solidFill>
-                  <a:schemeClr val="accent6"/>
-                </a:solidFill>
-              </a:rPr>
-              <a:t>Hyper-Threading</a:t>
+              <a:t>sum[i+1] = sum[</a:t>
+            </a:r>
+            <a:r>
+              <a:rPr lang="en-US" dirty="0" err="1" smtClean="0"/>
+              <a:t>i</a:t>
             </a:r>
             <a:r>
               <a:rPr lang="en-US" dirty="0" smtClean="0"/>
-              <a:t>).</a:t>
-            </a:r>
-          </a:p>
-          <a:p>
-            <a:r>
-              <a:rPr lang="en-US" dirty="0" smtClean="0"/>
-              <a:t>This can hide additional latency and increase responsiveness.</a:t>
-            </a:r>
-          </a:p>
-          <a:p>
-            <a:r>
-              <a:rPr lang="en-US" dirty="0" smtClean="0"/>
-              <a:t>It is not usually very helpful in HPC. In fact, using all hyper-threads can hurt performance in some cases.</a:t>
+              <a:t>]+1</a:t>
             </a:r>
           </a:p>
         </p:txBody>
@@ -12351,7 +12195,7 @@
     </p:spTree>
     <p:extLst>
       <p:ext uri="{BB962C8B-B14F-4D97-AF65-F5344CB8AC3E}">
-        <p14:creationId xmlns:p14="http://schemas.microsoft.com/office/powerpoint/2010/main" val="1553156291"/>
+        <p14:creationId xmlns:p14="http://schemas.microsoft.com/office/powerpoint/2010/main" val="504829287"/>
       </p:ext>
     </p:extLst>
   </p:cSld>
@@ -12594,6 +12438,167 @@
           <a:p>
             <a:r>
               <a:rPr lang="en-US" dirty="0" smtClean="0"/>
+              <a:t>Multi-core</a:t>
+            </a:r>
+            <a:endParaRPr lang="en-US" dirty="0"/>
+          </a:p>
+        </p:txBody>
+      </p:sp>
+      <p:sp>
+        <p:nvSpPr>
+          <p:cNvPr id="3" name="Content Placeholder 2"/>
+          <p:cNvSpPr>
+            <a:spLocks noGrp="1"/>
+          </p:cNvSpPr>
+          <p:nvPr>
+            <p:ph idx="1"/>
+          </p:nvPr>
+        </p:nvSpPr>
+        <p:spPr/>
+        <p:txBody>
+          <a:bodyPr/>
+          <a:lstStyle/>
+          <a:p>
+            <a:r>
+              <a:rPr lang="en-US" dirty="0" smtClean="0"/>
+              <a:t>Modern processor contain multiple processor </a:t>
+            </a:r>
+            <a:r>
+              <a:rPr lang="en-US" b="1" dirty="0" smtClean="0">
+                <a:solidFill>
+                  <a:schemeClr val="accent2"/>
+                </a:solidFill>
+              </a:rPr>
+              <a:t>cores</a:t>
+            </a:r>
+            <a:r>
+              <a:rPr lang="en-US" dirty="0" smtClean="0"/>
+              <a:t>.</a:t>
+            </a:r>
+          </a:p>
+          <a:p>
+            <a:r>
+              <a:rPr lang="en-US" dirty="0" smtClean="0"/>
+              <a:t>Individual cores may also allow multiple </a:t>
+            </a:r>
+            <a:r>
+              <a:rPr lang="en-US" b="1" dirty="0" smtClean="0">
+                <a:solidFill>
+                  <a:schemeClr val="accent1"/>
+                </a:solidFill>
+              </a:rPr>
+              <a:t>threads</a:t>
+            </a:r>
+            <a:r>
+              <a:rPr lang="en-US" dirty="0" smtClean="0">
+                <a:solidFill>
+                  <a:schemeClr val="accent1"/>
+                </a:solidFill>
+              </a:rPr>
+              <a:t> </a:t>
+            </a:r>
+            <a:r>
+              <a:rPr lang="en-US" dirty="0" smtClean="0"/>
+              <a:t>to run at the same time, sharing some resources such as the execution units. This is called </a:t>
+            </a:r>
+            <a:r>
+              <a:rPr lang="en-US" b="1" dirty="0" smtClean="0">
+                <a:solidFill>
+                  <a:schemeClr val="accent4"/>
+                </a:solidFill>
+              </a:rPr>
+              <a:t>Simultaneous Multi-Threading</a:t>
+            </a:r>
+            <a:r>
+              <a:rPr lang="en-US" dirty="0" smtClean="0"/>
+              <a:t> (</a:t>
+            </a:r>
+            <a:r>
+              <a:rPr lang="en-US" b="1" dirty="0" smtClean="0">
+                <a:solidFill>
+                  <a:srgbClr val="FFC000"/>
+                </a:solidFill>
+              </a:rPr>
+              <a:t>SMT</a:t>
+            </a:r>
+            <a:r>
+              <a:rPr lang="en-US" dirty="0" smtClean="0"/>
+              <a:t>, aka </a:t>
+            </a:r>
+            <a:r>
+              <a:rPr lang="en-US" b="1" dirty="0" smtClean="0">
+                <a:solidFill>
+                  <a:schemeClr val="accent6"/>
+                </a:solidFill>
+              </a:rPr>
+              <a:t>Hyper-Threading</a:t>
+            </a:r>
+            <a:r>
+              <a:rPr lang="en-US" dirty="0" smtClean="0"/>
+              <a:t>).</a:t>
+            </a:r>
+          </a:p>
+          <a:p>
+            <a:r>
+              <a:rPr lang="en-US" dirty="0" smtClean="0"/>
+              <a:t>This can hide additional latency and increase responsiveness.</a:t>
+            </a:r>
+          </a:p>
+          <a:p>
+            <a:r>
+              <a:rPr lang="en-US" dirty="0" smtClean="0"/>
+              <a:t>It is not usually very helpful in HPC. In fact, using all hyper-threads can hurt performance in some cases.</a:t>
+            </a:r>
+          </a:p>
+        </p:txBody>
+      </p:sp>
+    </p:spTree>
+    <p:extLst>
+      <p:ext uri="{BB962C8B-B14F-4D97-AF65-F5344CB8AC3E}">
+        <p14:creationId xmlns:p14="http://schemas.microsoft.com/office/powerpoint/2010/main" val="1553156291"/>
+      </p:ext>
+    </p:extLst>
+  </p:cSld>
+  <p:clrMapOvr>
+    <a:masterClrMapping/>
+  </p:clrMapOvr>
+</p:sld>
+</file>
+
+<file path=ppt/slides/slide21.xml><?xml version="1.0" encoding="utf-8"?>
+<p:sld xmlns:a="http://schemas.openxmlformats.org/drawingml/2006/main" xmlns:r="http://schemas.openxmlformats.org/officeDocument/2006/relationships" xmlns:p="http://schemas.openxmlformats.org/presentationml/2006/main">
+  <p:cSld>
+    <p:spTree>
+      <p:nvGrpSpPr>
+        <p:cNvPr id="1" name=""/>
+        <p:cNvGrpSpPr/>
+        <p:nvPr/>
+      </p:nvGrpSpPr>
+      <p:grpSpPr>
+        <a:xfrm>
+          <a:off x="0" y="0"/>
+          <a:ext cx="0" cy="0"/>
+          <a:chOff x="0" y="0"/>
+          <a:chExt cx="0" cy="0"/>
+        </a:xfrm>
+      </p:grpSpPr>
+      <p:sp>
+        <p:nvSpPr>
+          <p:cNvPr id="2" name="Title 1"/>
+          <p:cNvSpPr>
+            <a:spLocks noGrp="1"/>
+          </p:cNvSpPr>
+          <p:nvPr>
+            <p:ph type="title"/>
+          </p:nvPr>
+        </p:nvSpPr>
+        <p:spPr/>
+        <p:txBody>
+          <a:bodyPr/>
+          <a:lstStyle/>
+          <a:p>
+            <a:r>
+              <a:rPr lang="en-US" dirty="0" smtClean="0"/>
               <a:t>Shared vs. private resources</a:t>
             </a:r>
             <a:endParaRPr lang="en-US" dirty="0"/>
@@ -12763,7 +12768,7 @@
 </p:sld>
 </file>
 
-<file path=ppt/slides/slide21.xml><?xml version="1.0" encoding="utf-8"?>
+<file path=ppt/slides/slide22.xml><?xml version="1.0" encoding="utf-8"?>
 <p:sld xmlns:a="http://schemas.openxmlformats.org/drawingml/2006/main" xmlns:r="http://schemas.openxmlformats.org/officeDocument/2006/relationships" xmlns:p="http://schemas.openxmlformats.org/presentationml/2006/main">
   <p:cSld>
     <p:spTree>
@@ -13922,172 +13927,6 @@
 </p:sld>
 </file>
 
-<file path=ppt/slides/slide22.xml><?xml version="1.0" encoding="utf-8"?>
-<p:sld xmlns:a="http://schemas.openxmlformats.org/drawingml/2006/main" xmlns:r="http://schemas.openxmlformats.org/officeDocument/2006/relationships" xmlns:p="http://schemas.openxmlformats.org/presentationml/2006/main">
-  <p:cSld>
-    <p:spTree>
-      <p:nvGrpSpPr>
-        <p:cNvPr id="1" name=""/>
-        <p:cNvGrpSpPr/>
-        <p:nvPr/>
-      </p:nvGrpSpPr>
-      <p:grpSpPr>
-        <a:xfrm>
-          <a:off x="0" y="0"/>
-          <a:ext cx="0" cy="0"/>
-          <a:chOff x="0" y="0"/>
-          <a:chExt cx="0" cy="0"/>
-        </a:xfrm>
-      </p:grpSpPr>
-      <p:sp>
-        <p:nvSpPr>
-          <p:cNvPr id="2" name="Title 1"/>
-          <p:cNvSpPr>
-            <a:spLocks noGrp="1"/>
-          </p:cNvSpPr>
-          <p:nvPr>
-            <p:ph type="title"/>
-          </p:nvPr>
-        </p:nvSpPr>
-        <p:spPr/>
-        <p:txBody>
-          <a:bodyPr/>
-          <a:lstStyle/>
-          <a:p>
-            <a:r>
-              <a:rPr lang="en-US" dirty="0" smtClean="0"/>
-              <a:t>False sharing</a:t>
-            </a:r>
-            <a:endParaRPr lang="en-US" dirty="0"/>
-          </a:p>
-        </p:txBody>
-      </p:sp>
-      <p:sp>
-        <p:nvSpPr>
-          <p:cNvPr id="3" name="Content Placeholder 2"/>
-          <p:cNvSpPr>
-            <a:spLocks noGrp="1"/>
-          </p:cNvSpPr>
-          <p:nvPr>
-            <p:ph idx="1"/>
-          </p:nvPr>
-        </p:nvSpPr>
-        <p:spPr/>
-        <p:txBody>
-          <a:bodyPr>
-            <a:normAutofit/>
-          </a:bodyPr>
-          <a:lstStyle/>
-          <a:p>
-            <a:r>
-              <a:rPr lang="en-US" sz="2000" b="1" dirty="0" smtClean="0">
-                <a:solidFill>
-                  <a:schemeClr val="accent2"/>
-                </a:solidFill>
-              </a:rPr>
-              <a:t>False sharing</a:t>
-            </a:r>
-            <a:r>
-              <a:rPr lang="en-US" sz="2000" dirty="0" smtClean="0"/>
-              <a:t> occurs when two or more cores both read and write to different data in the same cache line.</a:t>
-            </a:r>
-          </a:p>
-          <a:p>
-            <a:r>
-              <a:rPr lang="en-US" sz="2000" dirty="0" smtClean="0"/>
-              <a:t>The cores will repeatedly invalidate the others’ cache lines, causing significant overhead.</a:t>
-            </a:r>
-          </a:p>
-          <a:p>
-            <a:r>
-              <a:rPr lang="en-US" sz="2000" b="1" dirty="0" smtClean="0">
-                <a:solidFill>
-                  <a:schemeClr val="accent1"/>
-                </a:solidFill>
-              </a:rPr>
-              <a:t>Thread-private</a:t>
-            </a:r>
-            <a:r>
-              <a:rPr lang="en-US" sz="2000" dirty="0" smtClean="0"/>
-              <a:t> data should be kept on it’s own cache line.</a:t>
-            </a:r>
-            <a:endParaRPr lang="en-US" sz="2000" dirty="0"/>
-          </a:p>
-        </p:txBody>
-      </p:sp>
-      <p:pic>
-        <p:nvPicPr>
-          <p:cNvPr id="4" name="Picture 3" descr="Screen Shot 2017-07-22 at 10.42.55 AM.png"/>
-          <p:cNvPicPr>
-            <a:picLocks noChangeAspect="1"/>
-          </p:cNvPicPr>
-          <p:nvPr/>
-        </p:nvPicPr>
-        <p:blipFill>
-          <a:blip r:embed="rId2">
-            <a:extLst>
-              <a:ext uri="{28A0092B-C50C-407E-A947-70E740481C1C}">
-                <a14:useLocalDpi xmlns:a14="http://schemas.microsoft.com/office/drawing/2010/main" val="0"/>
-              </a:ext>
-            </a:extLst>
-          </a:blip>
-          <a:stretch>
-            <a:fillRect/>
-          </a:stretch>
-        </p:blipFill>
-        <p:spPr>
-          <a:xfrm>
-            <a:off x="628650" y="4220633"/>
-            <a:ext cx="3949752" cy="2182283"/>
-          </a:xfrm>
-          <a:prstGeom prst="rect">
-            <a:avLst/>
-          </a:prstGeom>
-        </p:spPr>
-      </p:pic>
-      <p:sp>
-        <p:nvSpPr>
-          <p:cNvPr id="5" name="TextBox 4"/>
-          <p:cNvSpPr txBox="1"/>
-          <p:nvPr/>
-        </p:nvSpPr>
-        <p:spPr>
-          <a:xfrm>
-            <a:off x="787401" y="3762921"/>
-            <a:ext cx="3243083" cy="369332"/>
-          </a:xfrm>
-          <a:prstGeom prst="rect">
-            <a:avLst/>
-          </a:prstGeom>
-          <a:noFill/>
-        </p:spPr>
-        <p:txBody>
-          <a:bodyPr wrap="none" rtlCol="0">
-            <a:spAutoFit/>
-          </a:bodyPr>
-          <a:lstStyle/>
-          <a:p>
-            <a:r>
-              <a:rPr lang="en-US" dirty="0" smtClean="0"/>
-              <a:t>Q: What’s wrong with this code?</a:t>
-            </a:r>
-            <a:endParaRPr lang="en-US" dirty="0"/>
-          </a:p>
-        </p:txBody>
-      </p:sp>
-    </p:spTree>
-    <p:extLst>
-      <p:ext uri="{BB962C8B-B14F-4D97-AF65-F5344CB8AC3E}">
-        <p14:creationId xmlns:p14="http://schemas.microsoft.com/office/powerpoint/2010/main" val="3155961747"/>
-      </p:ext>
-    </p:extLst>
-  </p:cSld>
-  <p:clrMapOvr>
-    <a:masterClrMapping/>
-  </p:clrMapOvr>
-</p:sld>
-</file>
-
 <file path=ppt/slides/slide23.xml><?xml version="1.0" encoding="utf-8"?>
 <p:sld xmlns:a="http://schemas.openxmlformats.org/drawingml/2006/main" xmlns:r="http://schemas.openxmlformats.org/officeDocument/2006/relationships" xmlns:p="http://schemas.openxmlformats.org/presentationml/2006/main">
   <p:cSld>
@@ -14241,6 +14080,172 @@
           </a:p>
         </p:txBody>
       </p:sp>
+    </p:spTree>
+    <p:extLst>
+      <p:ext uri="{BB962C8B-B14F-4D97-AF65-F5344CB8AC3E}">
+        <p14:creationId xmlns:p14="http://schemas.microsoft.com/office/powerpoint/2010/main" val="3155961747"/>
+      </p:ext>
+    </p:extLst>
+  </p:cSld>
+  <p:clrMapOvr>
+    <a:masterClrMapping/>
+  </p:clrMapOvr>
+</p:sld>
+</file>
+
+<file path=ppt/slides/slide24.xml><?xml version="1.0" encoding="utf-8"?>
+<p:sld xmlns:a="http://schemas.openxmlformats.org/drawingml/2006/main" xmlns:r="http://schemas.openxmlformats.org/officeDocument/2006/relationships" xmlns:p="http://schemas.openxmlformats.org/presentationml/2006/main">
+  <p:cSld>
+    <p:spTree>
+      <p:nvGrpSpPr>
+        <p:cNvPr id="1" name=""/>
+        <p:cNvGrpSpPr/>
+        <p:nvPr/>
+      </p:nvGrpSpPr>
+      <p:grpSpPr>
+        <a:xfrm>
+          <a:off x="0" y="0"/>
+          <a:ext cx="0" cy="0"/>
+          <a:chOff x="0" y="0"/>
+          <a:chExt cx="0" cy="0"/>
+        </a:xfrm>
+      </p:grpSpPr>
+      <p:sp>
+        <p:nvSpPr>
+          <p:cNvPr id="2" name="Title 1"/>
+          <p:cNvSpPr>
+            <a:spLocks noGrp="1"/>
+          </p:cNvSpPr>
+          <p:nvPr>
+            <p:ph type="title"/>
+          </p:nvPr>
+        </p:nvSpPr>
+        <p:spPr/>
+        <p:txBody>
+          <a:bodyPr/>
+          <a:lstStyle/>
+          <a:p>
+            <a:r>
+              <a:rPr lang="en-US" dirty="0" smtClean="0"/>
+              <a:t>False sharing</a:t>
+            </a:r>
+            <a:endParaRPr lang="en-US" dirty="0"/>
+          </a:p>
+        </p:txBody>
+      </p:sp>
+      <p:sp>
+        <p:nvSpPr>
+          <p:cNvPr id="3" name="Content Placeholder 2"/>
+          <p:cNvSpPr>
+            <a:spLocks noGrp="1"/>
+          </p:cNvSpPr>
+          <p:nvPr>
+            <p:ph idx="1"/>
+          </p:nvPr>
+        </p:nvSpPr>
+        <p:spPr/>
+        <p:txBody>
+          <a:bodyPr>
+            <a:normAutofit/>
+          </a:bodyPr>
+          <a:lstStyle/>
+          <a:p>
+            <a:r>
+              <a:rPr lang="en-US" sz="2000" b="1" dirty="0" smtClean="0">
+                <a:solidFill>
+                  <a:schemeClr val="accent2"/>
+                </a:solidFill>
+              </a:rPr>
+              <a:t>False sharing</a:t>
+            </a:r>
+            <a:r>
+              <a:rPr lang="en-US" sz="2000" dirty="0" smtClean="0"/>
+              <a:t> occurs when two or more cores both read and write to different data in the same cache line.</a:t>
+            </a:r>
+          </a:p>
+          <a:p>
+            <a:r>
+              <a:rPr lang="en-US" sz="2000" dirty="0" smtClean="0"/>
+              <a:t>The cores will repeatedly invalidate the others’ cache lines, causing significant overhead.</a:t>
+            </a:r>
+          </a:p>
+          <a:p>
+            <a:r>
+              <a:rPr lang="en-US" sz="2000" b="1" dirty="0" smtClean="0">
+                <a:solidFill>
+                  <a:schemeClr val="accent1"/>
+                </a:solidFill>
+              </a:rPr>
+              <a:t>Thread-private</a:t>
+            </a:r>
+            <a:r>
+              <a:rPr lang="en-US" sz="2000" dirty="0" smtClean="0"/>
+              <a:t> data should be kept on it’s own cache line.</a:t>
+            </a:r>
+            <a:endParaRPr lang="en-US" sz="2000" dirty="0"/>
+          </a:p>
+        </p:txBody>
+      </p:sp>
+      <p:pic>
+        <p:nvPicPr>
+          <p:cNvPr id="4" name="Picture 3" descr="Screen Shot 2017-07-22 at 10.42.55 AM.png"/>
+          <p:cNvPicPr>
+            <a:picLocks noChangeAspect="1"/>
+          </p:cNvPicPr>
+          <p:nvPr/>
+        </p:nvPicPr>
+        <p:blipFill>
+          <a:blip r:embed="rId2">
+            <a:extLst>
+              <a:ext uri="{28A0092B-C50C-407E-A947-70E740481C1C}">
+                <a14:useLocalDpi xmlns:a14="http://schemas.microsoft.com/office/drawing/2010/main" val="0"/>
+              </a:ext>
+            </a:extLst>
+          </a:blip>
+          <a:stretch>
+            <a:fillRect/>
+          </a:stretch>
+        </p:blipFill>
+        <p:spPr>
+          <a:xfrm>
+            <a:off x="628650" y="4220633"/>
+            <a:ext cx="3949752" cy="2182283"/>
+          </a:xfrm>
+          <a:prstGeom prst="rect">
+            <a:avLst/>
+          </a:prstGeom>
+        </p:spPr>
+      </p:pic>
+      <p:sp>
+        <p:nvSpPr>
+          <p:cNvPr id="5" name="TextBox 4"/>
+          <p:cNvSpPr txBox="1"/>
+          <p:nvPr/>
+        </p:nvSpPr>
+        <p:spPr>
+          <a:xfrm>
+            <a:off x="787401" y="3762921"/>
+            <a:ext cx="3243083" cy="369332"/>
+          </a:xfrm>
+          <a:prstGeom prst="rect">
+            <a:avLst/>
+          </a:prstGeom>
+          <a:noFill/>
+        </p:spPr>
+        <p:txBody>
+          <a:bodyPr wrap="none" rtlCol="0">
+            <a:spAutoFit/>
+          </a:bodyPr>
+          <a:lstStyle/>
+          <a:p>
+            <a:r>
+              <a:rPr lang="en-US" dirty="0" smtClean="0"/>
+              <a:t>Q: What’s wrong with this code?</a:t>
+            </a:r>
+            <a:endParaRPr lang="en-US" dirty="0"/>
+          </a:p>
+        </p:txBody>
+      </p:sp>
       <p:sp>
         <p:nvSpPr>
           <p:cNvPr id="6" name="TextBox 5"/>
@@ -14371,7 +14376,6 @@
               <a:rPr lang="en-US" dirty="0"/>
               <a:t>1</a:t>
             </a:r>
-            <a:endParaRPr lang="en-US" dirty="0"/>
           </a:p>
         </p:txBody>
       </p:sp>
@@ -14416,7 +14420,6 @@
               <a:rPr lang="en-US" dirty="0"/>
               <a:t>2</a:t>
             </a:r>
-            <a:endParaRPr lang="en-US" dirty="0"/>
           </a:p>
         </p:txBody>
       </p:sp>
@@ -14461,7 +14464,6 @@
               <a:rPr lang="en-US" dirty="0"/>
               <a:t>3</a:t>
             </a:r>
-            <a:endParaRPr lang="en-US" dirty="0"/>
           </a:p>
         </p:txBody>
       </p:sp>
@@ -14506,7 +14508,6 @@
               <a:rPr lang="en-US" dirty="0"/>
               <a:t>4</a:t>
             </a:r>
-            <a:endParaRPr lang="en-US" dirty="0"/>
           </a:p>
         </p:txBody>
       </p:sp>
@@ -14551,7 +14552,6 @@
               <a:rPr lang="en-US" dirty="0"/>
               <a:t>5</a:t>
             </a:r>
-            <a:endParaRPr lang="en-US" dirty="0"/>
           </a:p>
         </p:txBody>
       </p:sp>
@@ -14930,7 +14930,7 @@
 </p:sld>
 </file>
 
-<file path=ppt/slides/slide24.xml><?xml version="1.0" encoding="utf-8"?>
+<file path=ppt/slides/slide25.xml><?xml version="1.0" encoding="utf-8"?>
 <p:sld xmlns:a="http://schemas.openxmlformats.org/drawingml/2006/main" xmlns:r="http://schemas.openxmlformats.org/officeDocument/2006/relationships" xmlns:p="http://schemas.openxmlformats.org/presentationml/2006/main">
   <p:cSld>
     <p:spTree>
@@ -16154,242 +16154,6 @@
 </p:sld>
 </file>
 
-<file path=ppt/slides/slide25.xml><?xml version="1.0" encoding="utf-8"?>
-<p:sld xmlns:a="http://schemas.openxmlformats.org/drawingml/2006/main" xmlns:r="http://schemas.openxmlformats.org/officeDocument/2006/relationships" xmlns:p="http://schemas.openxmlformats.org/presentationml/2006/main">
-  <p:cSld>
-    <p:spTree>
-      <p:nvGrpSpPr>
-        <p:cNvPr id="1" name=""/>
-        <p:cNvGrpSpPr/>
-        <p:nvPr/>
-      </p:nvGrpSpPr>
-      <p:grpSpPr>
-        <a:xfrm>
-          <a:off x="0" y="0"/>
-          <a:ext cx="0" cy="0"/>
-          <a:chOff x="0" y="0"/>
-          <a:chExt cx="0" cy="0"/>
-        </a:xfrm>
-      </p:grpSpPr>
-      <p:sp>
-        <p:nvSpPr>
-          <p:cNvPr id="2" name="Title 1"/>
-          <p:cNvSpPr>
-            <a:spLocks noGrp="1"/>
-          </p:cNvSpPr>
-          <p:nvPr>
-            <p:ph type="title"/>
-          </p:nvPr>
-        </p:nvSpPr>
-        <p:spPr/>
-        <p:txBody>
-          <a:bodyPr/>
-          <a:lstStyle/>
-          <a:p>
-            <a:r>
-              <a:rPr lang="en-US" dirty="0" smtClean="0"/>
-              <a:t>Distributed computing</a:t>
-            </a:r>
-            <a:endParaRPr lang="en-US" dirty="0"/>
-          </a:p>
-        </p:txBody>
-      </p:sp>
-      <p:sp>
-        <p:nvSpPr>
-          <p:cNvPr id="3" name="Content Placeholder 2"/>
-          <p:cNvSpPr>
-            <a:spLocks noGrp="1"/>
-          </p:cNvSpPr>
-          <p:nvPr>
-            <p:ph idx="1"/>
-          </p:nvPr>
-        </p:nvSpPr>
-        <p:spPr>
-          <a:xfrm>
-            <a:off x="543983" y="1497544"/>
-            <a:ext cx="7886700" cy="5032375"/>
-          </a:xfrm>
-        </p:spPr>
-        <p:txBody>
-          <a:bodyPr>
-            <a:normAutofit fontScale="92500" lnSpcReduction="20000"/>
-          </a:bodyPr>
-          <a:lstStyle/>
-          <a:p>
-            <a:r>
-              <a:rPr lang="en-US" dirty="0" smtClean="0"/>
-              <a:t>For even more parallelism, individual machine (nodes) can be connected together with a </a:t>
-            </a:r>
-            <a:r>
-              <a:rPr lang="en-US" b="1" dirty="0" smtClean="0">
-                <a:solidFill>
-                  <a:srgbClr val="ED7D31"/>
-                </a:solidFill>
-              </a:rPr>
-              <a:t>network</a:t>
-            </a:r>
-            <a:r>
-              <a:rPr lang="en-US" dirty="0" smtClean="0"/>
-              <a:t>.</a:t>
-            </a:r>
-          </a:p>
-          <a:p>
-            <a:endParaRPr lang="en-US" dirty="0"/>
-          </a:p>
-          <a:p>
-            <a:endParaRPr lang="en-US" dirty="0" smtClean="0"/>
-          </a:p>
-          <a:p>
-            <a:endParaRPr lang="en-US" dirty="0"/>
-          </a:p>
-          <a:p>
-            <a:endParaRPr lang="en-US" dirty="0" smtClean="0"/>
-          </a:p>
-          <a:p>
-            <a:endParaRPr lang="en-US" dirty="0" smtClean="0"/>
-          </a:p>
-          <a:p>
-            <a:endParaRPr lang="en-US" dirty="0"/>
-          </a:p>
-          <a:p>
-            <a:endParaRPr lang="en-US" dirty="0" smtClean="0"/>
-          </a:p>
-          <a:p>
-            <a:r>
-              <a:rPr lang="en-US" dirty="0" smtClean="0"/>
-              <a:t>The most common way to parallelize across nodes is with all of them running the program (</a:t>
-            </a:r>
-            <a:r>
-              <a:rPr lang="en-US" b="1" dirty="0" smtClean="0">
-                <a:solidFill>
-                  <a:schemeClr val="accent6"/>
-                </a:solidFill>
-              </a:rPr>
-              <a:t>single-program multiple data</a:t>
-            </a:r>
-            <a:r>
-              <a:rPr lang="en-US" dirty="0" smtClean="0"/>
-              <a:t>, SPMD), but they can also run other programs such as client-server (</a:t>
-            </a:r>
-            <a:r>
-              <a:rPr lang="en-US" b="1" dirty="0" smtClean="0">
-                <a:solidFill>
-                  <a:schemeClr val="accent1"/>
-                </a:solidFill>
-              </a:rPr>
-              <a:t>multiple-program multiple data</a:t>
-            </a:r>
-            <a:r>
-              <a:rPr lang="en-US" dirty="0" smtClean="0"/>
-              <a:t>, MPMD).</a:t>
-            </a:r>
-            <a:endParaRPr lang="en-US" dirty="0"/>
-          </a:p>
-        </p:txBody>
-      </p:sp>
-      <p:pic>
-        <p:nvPicPr>
-          <p:cNvPr id="4" name="Picture 3" descr="Mesh-Topology.jpg"/>
-          <p:cNvPicPr>
-            <a:picLocks noChangeAspect="1"/>
-          </p:cNvPicPr>
-          <p:nvPr/>
-        </p:nvPicPr>
-        <p:blipFill>
-          <a:blip r:embed="rId2">
-            <a:extLst>
-              <a:ext uri="{28A0092B-C50C-407E-A947-70E740481C1C}">
-                <a14:useLocalDpi xmlns:a14="http://schemas.microsoft.com/office/drawing/2010/main" val="0"/>
-              </a:ext>
-            </a:extLst>
-          </a:blip>
-          <a:stretch>
-            <a:fillRect/>
-          </a:stretch>
-        </p:blipFill>
-        <p:spPr>
-          <a:xfrm>
-            <a:off x="5727696" y="2262860"/>
-            <a:ext cx="2389716" cy="2647805"/>
-          </a:xfrm>
-          <a:prstGeom prst="rect">
-            <a:avLst/>
-          </a:prstGeom>
-        </p:spPr>
-      </p:pic>
-      <p:pic>
-        <p:nvPicPr>
-          <p:cNvPr id="5" name="Picture 4" descr="titan2.jpg"/>
-          <p:cNvPicPr>
-            <a:picLocks noChangeAspect="1"/>
-          </p:cNvPicPr>
-          <p:nvPr/>
-        </p:nvPicPr>
-        <p:blipFill>
-          <a:blip r:embed="rId3">
-            <a:extLst>
-              <a:ext uri="{28A0092B-C50C-407E-A947-70E740481C1C}">
-                <a14:useLocalDpi xmlns:a14="http://schemas.microsoft.com/office/drawing/2010/main" val="0"/>
-              </a:ext>
-            </a:extLst>
-          </a:blip>
-          <a:stretch>
-            <a:fillRect/>
-          </a:stretch>
-        </p:blipFill>
-        <p:spPr>
-          <a:xfrm>
-            <a:off x="628650" y="2466974"/>
-            <a:ext cx="3587750" cy="2195703"/>
-          </a:xfrm>
-          <a:prstGeom prst="rect">
-            <a:avLst/>
-          </a:prstGeom>
-        </p:spPr>
-      </p:pic>
-      <p:sp>
-        <p:nvSpPr>
-          <p:cNvPr id="6" name="TextBox 5"/>
-          <p:cNvSpPr txBox="1"/>
-          <p:nvPr/>
-        </p:nvSpPr>
-        <p:spPr>
-          <a:xfrm>
-            <a:off x="4646082" y="2899833"/>
-            <a:ext cx="644527" cy="1200329"/>
-          </a:xfrm>
-          <a:prstGeom prst="rect">
-            <a:avLst/>
-          </a:prstGeom>
-          <a:noFill/>
-        </p:spPr>
-        <p:txBody>
-          <a:bodyPr wrap="none" rtlCol="0">
-            <a:spAutoFit/>
-          </a:bodyPr>
-          <a:lstStyle/>
-          <a:p>
-            <a:r>
-              <a:rPr lang="en-US" sz="7200" dirty="0" smtClean="0"/>
-              <a:t>=</a:t>
-            </a:r>
-            <a:endParaRPr lang="en-US" sz="7200" dirty="0"/>
-          </a:p>
-        </p:txBody>
-      </p:sp>
-    </p:spTree>
-    <p:extLst>
-      <p:ext uri="{BB962C8B-B14F-4D97-AF65-F5344CB8AC3E}">
-        <p14:creationId xmlns:p14="http://schemas.microsoft.com/office/powerpoint/2010/main" val="4201668529"/>
-      </p:ext>
-    </p:extLst>
-  </p:cSld>
-  <p:clrMapOvr>
-    <a:masterClrMapping/>
-  </p:clrMapOvr>
-</p:sld>
-</file>
-
 <file path=ppt/slides/slide26.xml><?xml version="1.0" encoding="utf-8"?>
 <p:sld xmlns:a="http://schemas.openxmlformats.org/drawingml/2006/main" xmlns:r="http://schemas.openxmlformats.org/officeDocument/2006/relationships" xmlns:p="http://schemas.openxmlformats.org/presentationml/2006/main">
   <p:cSld>
@@ -16424,7 +16188,100 @@
           <a:p>
             <a:r>
               <a:rPr lang="en-US" dirty="0" smtClean="0"/>
-              <a:t>Network topologies</a:t>
+              <a:t>Distributed computing</a:t>
+            </a:r>
+            <a:endParaRPr lang="en-US" dirty="0"/>
+          </a:p>
+        </p:txBody>
+      </p:sp>
+      <p:sp>
+        <p:nvSpPr>
+          <p:cNvPr id="3" name="Content Placeholder 2"/>
+          <p:cNvSpPr>
+            <a:spLocks noGrp="1"/>
+          </p:cNvSpPr>
+          <p:nvPr>
+            <p:ph idx="1"/>
+          </p:nvPr>
+        </p:nvSpPr>
+        <p:spPr>
+          <a:xfrm>
+            <a:off x="543983" y="1497544"/>
+            <a:ext cx="7886700" cy="5032375"/>
+          </a:xfrm>
+        </p:spPr>
+        <p:txBody>
+          <a:bodyPr>
+            <a:normAutofit fontScale="92500" lnSpcReduction="20000"/>
+          </a:bodyPr>
+          <a:lstStyle/>
+          <a:p>
+            <a:r>
+              <a:rPr lang="en-US" dirty="0" smtClean="0"/>
+              <a:t>For even more parallelism, individual machine (nodes) can be connected together with a </a:t>
+            </a:r>
+            <a:r>
+              <a:rPr lang="en-US" b="1" dirty="0" smtClean="0">
+                <a:solidFill>
+                  <a:srgbClr val="ED7D31"/>
+                </a:solidFill>
+              </a:rPr>
+              <a:t>network</a:t>
+            </a:r>
+            <a:r>
+              <a:rPr lang="en-US" dirty="0" smtClean="0"/>
+              <a:t>.</a:t>
+            </a:r>
+          </a:p>
+          <a:p>
+            <a:endParaRPr lang="en-US" dirty="0"/>
+          </a:p>
+          <a:p>
+            <a:endParaRPr lang="en-US" dirty="0" smtClean="0"/>
+          </a:p>
+          <a:p>
+            <a:endParaRPr lang="en-US" dirty="0"/>
+          </a:p>
+          <a:p>
+            <a:endParaRPr lang="en-US" dirty="0" smtClean="0"/>
+          </a:p>
+          <a:p>
+            <a:endParaRPr lang="en-US" dirty="0" smtClean="0"/>
+          </a:p>
+          <a:p>
+            <a:endParaRPr lang="en-US" dirty="0"/>
+          </a:p>
+          <a:p>
+            <a:endParaRPr lang="en-US" dirty="0" smtClean="0"/>
+          </a:p>
+          <a:p>
+            <a:r>
+              <a:rPr lang="en-US" dirty="0" smtClean="0"/>
+              <a:t>The most common way to parallelize across nodes is with all of them running the program (</a:t>
+            </a:r>
+            <a:r>
+              <a:rPr lang="en-US" b="1" dirty="0" smtClean="0">
+                <a:solidFill>
+                  <a:schemeClr val="accent6"/>
+                </a:solidFill>
+              </a:rPr>
+              <a:t>single-program multiple data</a:t>
+            </a:r>
+            <a:r>
+              <a:rPr lang="en-US" dirty="0" smtClean="0"/>
+              <a:t>, SPMD), but they can also run other programs such as client-server (</a:t>
+            </a:r>
+            <a:r>
+              <a:rPr lang="en-US" b="1" dirty="0" smtClean="0">
+                <a:solidFill>
+                  <a:schemeClr val="accent1"/>
+                </a:solidFill>
+              </a:rPr>
+              <a:t>multiple-program multiple data</a:t>
+            </a:r>
+            <a:r>
+              <a:rPr lang="en-US" dirty="0" smtClean="0"/>
+              <a:t>, MPMD).</a:t>
             </a:r>
             <a:endParaRPr lang="en-US" dirty="0"/>
           </a:p>
@@ -16432,13 +16289,13 @@
       </p:sp>
       <p:pic>
         <p:nvPicPr>
-          <p:cNvPr id="4" name="Picture 3" descr="torus1.jpg"/>
+          <p:cNvPr id="4" name="Picture 3" descr="Mesh-Topology.jpg"/>
           <p:cNvPicPr>
             <a:picLocks noChangeAspect="1"/>
           </p:cNvPicPr>
           <p:nvPr/>
         </p:nvPicPr>
-        <p:blipFill rotWithShape="1">
+        <p:blipFill>
           <a:blip r:embed="rId2">
             <a:extLst>
               <a:ext uri="{28A0092B-C50C-407E-A947-70E740481C1C}">
@@ -16446,13 +16303,14 @@
               </a:ext>
             </a:extLst>
           </a:blip>
-          <a:srcRect r="31541" b="20368"/>
-          <a:stretch/>
+          <a:stretch>
+            <a:fillRect/>
+          </a:stretch>
         </p:blipFill>
         <p:spPr>
           <a:xfrm>
-            <a:off x="4177452" y="4603732"/>
-            <a:ext cx="4337898" cy="1794992"/>
+            <a:off x="5727696" y="2262860"/>
+            <a:ext cx="2389716" cy="2647805"/>
           </a:xfrm>
           <a:prstGeom prst="rect">
             <a:avLst/>
@@ -16461,7 +16319,7 @@
       </p:pic>
       <p:pic>
         <p:nvPicPr>
-          <p:cNvPr id="5" name="Picture 4" descr="topology.png"/>
+          <p:cNvPr id="5" name="Picture 4" descr="titan2.jpg"/>
           <p:cNvPicPr>
             <a:picLocks noChangeAspect="1"/>
           </p:cNvPicPr>
@@ -16481,84 +16339,24 @@
         </p:blipFill>
         <p:spPr>
           <a:xfrm>
-            <a:off x="455085" y="5247356"/>
-            <a:ext cx="2963332" cy="891096"/>
+            <a:off x="628650" y="2466974"/>
+            <a:ext cx="3587750" cy="2195703"/>
           </a:xfrm>
           <a:prstGeom prst="rect">
             <a:avLst/>
           </a:prstGeom>
         </p:spPr>
       </p:pic>
-      <p:pic>
-        <p:nvPicPr>
-          <p:cNvPr id="6" name="Picture 5" descr="Mesh-Topology.jpg"/>
-          <p:cNvPicPr>
-            <a:picLocks noChangeAspect="1"/>
-          </p:cNvPicPr>
-          <p:nvPr/>
-        </p:nvPicPr>
-        <p:blipFill>
-          <a:blip r:embed="rId4">
-            <a:extLst>
-              <a:ext uri="{28A0092B-C50C-407E-A947-70E740481C1C}">
-                <a14:useLocalDpi xmlns:a14="http://schemas.microsoft.com/office/drawing/2010/main" val="0"/>
-              </a:ext>
-            </a:extLst>
-          </a:blip>
-          <a:stretch>
-            <a:fillRect/>
-          </a:stretch>
-        </p:blipFill>
-        <p:spPr>
-          <a:xfrm>
-            <a:off x="5463113" y="1470502"/>
-            <a:ext cx="2082804" cy="2307747"/>
-          </a:xfrm>
-          <a:prstGeom prst="rect">
-            <a:avLst/>
-          </a:prstGeom>
-        </p:spPr>
-      </p:pic>
-      <p:pic>
-        <p:nvPicPr>
-          <p:cNvPr id="7" name="Picture 6" descr="star_topology.jpg"/>
-          <p:cNvPicPr>
-            <a:picLocks noChangeAspect="1"/>
-          </p:cNvPicPr>
-          <p:nvPr/>
-        </p:nvPicPr>
-        <p:blipFill>
-          <a:blip r:embed="rId5">
-            <a:extLst>
-              <a:ext uri="{28A0092B-C50C-407E-A947-70E740481C1C}">
-                <a14:useLocalDpi xmlns:a14="http://schemas.microsoft.com/office/drawing/2010/main" val="0"/>
-              </a:ext>
-            </a:extLst>
-          </a:blip>
-          <a:stretch>
-            <a:fillRect/>
-          </a:stretch>
-        </p:blipFill>
-        <p:spPr>
-          <a:xfrm>
-            <a:off x="1198032" y="2190128"/>
-            <a:ext cx="2336801" cy="1796905"/>
-          </a:xfrm>
-          <a:prstGeom prst="rect">
-            <a:avLst/>
-          </a:prstGeom>
-        </p:spPr>
-      </p:pic>
-      <p:sp>
-        <p:nvSpPr>
-          <p:cNvPr id="8" name="TextBox 7"/>
+      <p:sp>
+        <p:nvSpPr>
+          <p:cNvPr id="6" name="TextBox 5"/>
           <p:cNvSpPr txBox="1"/>
           <p:nvPr/>
         </p:nvSpPr>
         <p:spPr>
           <a:xfrm>
-            <a:off x="5664195" y="978416"/>
-            <a:ext cx="1662422" cy="369332"/>
+            <a:off x="4646082" y="2899833"/>
+            <a:ext cx="644527" cy="1200329"/>
           </a:xfrm>
           <a:prstGeom prst="rect">
             <a:avLst/>
@@ -16572,137 +16370,17 @@
           <a:lstStyle/>
           <a:p>
             <a:r>
-              <a:rPr lang="en-US" dirty="0" smtClean="0"/>
-              <a:t>Fully connected</a:t>
-            </a:r>
-            <a:endParaRPr lang="en-US" dirty="0"/>
-          </a:p>
-        </p:txBody>
-      </p:sp>
-      <p:sp>
-        <p:nvSpPr>
-          <p:cNvPr id="9" name="TextBox 8"/>
-          <p:cNvSpPr txBox="1"/>
-          <p:nvPr/>
-        </p:nvSpPr>
-        <p:spPr>
-          <a:xfrm>
-            <a:off x="1562095" y="1730378"/>
-            <a:ext cx="559092" cy="369332"/>
-          </a:xfrm>
-          <a:prstGeom prst="rect">
-            <a:avLst/>
-          </a:prstGeom>
-          <a:noFill/>
-        </p:spPr>
-        <p:txBody>
-          <a:bodyPr wrap="none" rtlCol="0">
-            <a:spAutoFit/>
-          </a:bodyPr>
-          <a:lstStyle/>
-          <a:p>
-            <a:r>
-              <a:rPr lang="en-US" dirty="0" smtClean="0"/>
-              <a:t>Star</a:t>
-            </a:r>
-            <a:endParaRPr lang="en-US" dirty="0"/>
-          </a:p>
-        </p:txBody>
-      </p:sp>
-      <p:sp>
-        <p:nvSpPr>
-          <p:cNvPr id="10" name="TextBox 9"/>
-          <p:cNvSpPr txBox="1"/>
-          <p:nvPr/>
-        </p:nvSpPr>
-        <p:spPr>
-          <a:xfrm>
-            <a:off x="1562095" y="4645009"/>
-            <a:ext cx="918303" cy="369332"/>
-          </a:xfrm>
-          <a:prstGeom prst="rect">
-            <a:avLst/>
-          </a:prstGeom>
-          <a:noFill/>
-        </p:spPr>
-        <p:txBody>
-          <a:bodyPr wrap="none" rtlCol="0">
-            <a:spAutoFit/>
-          </a:bodyPr>
-          <a:lstStyle/>
-          <a:p>
-            <a:r>
-              <a:rPr lang="en-US" dirty="0" smtClean="0"/>
-              <a:t>Fat tree</a:t>
-            </a:r>
-            <a:endParaRPr lang="en-US" dirty="0"/>
-          </a:p>
-        </p:txBody>
-      </p:sp>
-      <p:sp>
-        <p:nvSpPr>
-          <p:cNvPr id="11" name="TextBox 10"/>
-          <p:cNvSpPr txBox="1"/>
-          <p:nvPr/>
-        </p:nvSpPr>
-        <p:spPr>
-          <a:xfrm>
-            <a:off x="4754678" y="4216393"/>
-            <a:ext cx="708435" cy="369332"/>
-          </a:xfrm>
-          <a:prstGeom prst="rect">
-            <a:avLst/>
-          </a:prstGeom>
-          <a:noFill/>
-        </p:spPr>
-        <p:txBody>
-          <a:bodyPr wrap="none" rtlCol="0">
-            <a:spAutoFit/>
-          </a:bodyPr>
-          <a:lstStyle/>
-          <a:p>
-            <a:r>
-              <a:rPr lang="en-US" dirty="0" smtClean="0"/>
-              <a:t>Mesh</a:t>
-            </a:r>
-            <a:endParaRPr lang="en-US" dirty="0"/>
-          </a:p>
-        </p:txBody>
-      </p:sp>
-      <p:sp>
-        <p:nvSpPr>
-          <p:cNvPr id="12" name="TextBox 11"/>
-          <p:cNvSpPr txBox="1"/>
-          <p:nvPr/>
-        </p:nvSpPr>
-        <p:spPr>
-          <a:xfrm>
-            <a:off x="7082697" y="4234400"/>
-            <a:ext cx="710914" cy="369332"/>
-          </a:xfrm>
-          <a:prstGeom prst="rect">
-            <a:avLst/>
-          </a:prstGeom>
-          <a:noFill/>
-        </p:spPr>
-        <p:txBody>
-          <a:bodyPr wrap="none" rtlCol="0">
-            <a:spAutoFit/>
-          </a:bodyPr>
-          <a:lstStyle/>
-          <a:p>
-            <a:r>
-              <a:rPr lang="en-US" dirty="0" smtClean="0"/>
-              <a:t>Torus</a:t>
-            </a:r>
-            <a:endParaRPr lang="en-US" dirty="0"/>
+              <a:rPr lang="en-US" sz="7200" dirty="0" smtClean="0"/>
+              <a:t>=</a:t>
+            </a:r>
+            <a:endParaRPr lang="en-US" sz="7200" dirty="0"/>
           </a:p>
         </p:txBody>
       </p:sp>
     </p:spTree>
     <p:extLst>
       <p:ext uri="{BB962C8B-B14F-4D97-AF65-F5344CB8AC3E}">
-        <p14:creationId xmlns:p14="http://schemas.microsoft.com/office/powerpoint/2010/main" val="3403534584"/>
+        <p14:creationId xmlns:p14="http://schemas.microsoft.com/office/powerpoint/2010/main" val="4201668529"/>
       </p:ext>
     </p:extLst>
   </p:cSld>
@@ -16729,111 +16407,6 @@
           <a:chExt cx="0" cy="0"/>
         </a:xfrm>
       </p:grpSpPr>
-      <p:cxnSp>
-        <p:nvCxnSpPr>
-          <p:cNvPr id="51" name="Straight Connector 50"/>
-          <p:cNvCxnSpPr/>
-          <p:nvPr/>
-        </p:nvCxnSpPr>
-        <p:spPr>
-          <a:xfrm flipH="1" flipV="1">
-            <a:off x="7566546" y="5247924"/>
-            <a:ext cx="349250" cy="383815"/>
-          </a:xfrm>
-          <a:prstGeom prst="line">
-            <a:avLst/>
-          </a:prstGeom>
-          <a:ln w="101600">
-            <a:solidFill>
-              <a:schemeClr val="accent5"/>
-            </a:solidFill>
-          </a:ln>
-        </p:spPr>
-        <p:style>
-          <a:lnRef idx="2">
-            <a:schemeClr val="accent1"/>
-          </a:lnRef>
-          <a:fillRef idx="0">
-            <a:schemeClr val="accent1"/>
-          </a:fillRef>
-          <a:effectRef idx="1">
-            <a:schemeClr val="accent1"/>
-          </a:effectRef>
-          <a:fontRef idx="minor">
-            <a:schemeClr val="tx1"/>
-          </a:fontRef>
-        </p:style>
-      </p:cxnSp>
-      <p:cxnSp>
-        <p:nvCxnSpPr>
-          <p:cNvPr id="52" name="Straight Connector 51"/>
-          <p:cNvCxnSpPr/>
-          <p:nvPr/>
-        </p:nvCxnSpPr>
-        <p:spPr>
-          <a:xfrm flipV="1">
-            <a:off x="6011333" y="5258507"/>
-            <a:ext cx="349250" cy="383815"/>
-          </a:xfrm>
-          <a:prstGeom prst="line">
-            <a:avLst/>
-          </a:prstGeom>
-          <a:ln w="101600">
-            <a:solidFill>
-              <a:schemeClr val="accent5"/>
-            </a:solidFill>
-          </a:ln>
-        </p:spPr>
-        <p:style>
-          <a:lnRef idx="2">
-            <a:schemeClr val="accent1"/>
-          </a:lnRef>
-          <a:fillRef idx="0">
-            <a:schemeClr val="accent1"/>
-          </a:fillRef>
-          <a:effectRef idx="1">
-            <a:schemeClr val="accent1"/>
-          </a:effectRef>
-          <a:fontRef idx="minor">
-            <a:schemeClr val="tx1"/>
-          </a:fontRef>
-        </p:style>
-      </p:cxnSp>
-      <p:cxnSp>
-        <p:nvCxnSpPr>
-          <p:cNvPr id="49" name="Straight Connector 48"/>
-          <p:cNvCxnSpPr/>
-          <p:nvPr/>
-        </p:nvCxnSpPr>
-        <p:spPr>
-          <a:xfrm>
-            <a:off x="6011333" y="3616685"/>
-            <a:ext cx="349250" cy="383815"/>
-          </a:xfrm>
-          <a:prstGeom prst="line">
-            <a:avLst/>
-          </a:prstGeom>
-          <a:ln w="101600">
-            <a:solidFill>
-              <a:schemeClr val="accent5"/>
-            </a:solidFill>
-          </a:ln>
-        </p:spPr>
-        <p:style>
-          <a:lnRef idx="2">
-            <a:schemeClr val="accent1"/>
-          </a:lnRef>
-          <a:fillRef idx="0">
-            <a:schemeClr val="accent1"/>
-          </a:fillRef>
-          <a:effectRef idx="1">
-            <a:schemeClr val="accent1"/>
-          </a:effectRef>
-          <a:fontRef idx="minor">
-            <a:schemeClr val="tx1"/>
-          </a:fontRef>
-        </p:style>
-      </p:cxnSp>
       <p:sp>
         <p:nvSpPr>
           <p:cNvPr id="2" name="Title 1"/>
@@ -16851,57 +16424,141 @@
           <a:p>
             <a:r>
               <a:rPr lang="en-US" dirty="0" smtClean="0"/>
-              <a:t>Distributed programming models</a:t>
+              <a:t>Network topologies</a:t>
             </a:r>
             <a:endParaRPr lang="en-US" dirty="0"/>
           </a:p>
         </p:txBody>
       </p:sp>
-      <p:cxnSp>
-        <p:nvCxnSpPr>
-          <p:cNvPr id="50" name="Straight Connector 49"/>
-          <p:cNvCxnSpPr/>
-          <p:nvPr/>
-        </p:nvCxnSpPr>
-        <p:spPr>
-          <a:xfrm flipH="1">
-            <a:off x="7555963" y="3649845"/>
-            <a:ext cx="349250" cy="383815"/>
-          </a:xfrm>
-          <a:prstGeom prst="line">
-            <a:avLst/>
-          </a:prstGeom>
-          <a:ln w="101600">
-            <a:solidFill>
-              <a:schemeClr val="accent5"/>
-            </a:solidFill>
-          </a:ln>
-        </p:spPr>
-        <p:style>
-          <a:lnRef idx="2">
-            <a:schemeClr val="accent1"/>
-          </a:lnRef>
-          <a:fillRef idx="0">
-            <a:schemeClr val="accent1"/>
-          </a:fillRef>
-          <a:effectRef idx="1">
-            <a:schemeClr val="accent1"/>
-          </a:effectRef>
-          <a:fontRef idx="minor">
-            <a:schemeClr val="tx1"/>
-          </a:fontRef>
-        </p:style>
-      </p:cxnSp>
-      <p:sp>
-        <p:nvSpPr>
-          <p:cNvPr id="4" name="TextBox 3"/>
+      <p:pic>
+        <p:nvPicPr>
+          <p:cNvPr id="4" name="Picture 3" descr="torus1.jpg"/>
+          <p:cNvPicPr>
+            <a:picLocks noChangeAspect="1"/>
+          </p:cNvPicPr>
+          <p:nvPr/>
+        </p:nvPicPr>
+        <p:blipFill rotWithShape="1">
+          <a:blip r:embed="rId2">
+            <a:extLst>
+              <a:ext uri="{28A0092B-C50C-407E-A947-70E740481C1C}">
+                <a14:useLocalDpi xmlns:a14="http://schemas.microsoft.com/office/drawing/2010/main" val="0"/>
+              </a:ext>
+            </a:extLst>
+          </a:blip>
+          <a:srcRect r="31541" b="20368"/>
+          <a:stretch/>
+        </p:blipFill>
+        <p:spPr>
+          <a:xfrm>
+            <a:off x="4177452" y="4603732"/>
+            <a:ext cx="4337898" cy="1794992"/>
+          </a:xfrm>
+          <a:prstGeom prst="rect">
+            <a:avLst/>
+          </a:prstGeom>
+        </p:spPr>
+      </p:pic>
+      <p:pic>
+        <p:nvPicPr>
+          <p:cNvPr id="5" name="Picture 4" descr="topology.png"/>
+          <p:cNvPicPr>
+            <a:picLocks noChangeAspect="1"/>
+          </p:cNvPicPr>
+          <p:nvPr/>
+        </p:nvPicPr>
+        <p:blipFill>
+          <a:blip r:embed="rId3">
+            <a:extLst>
+              <a:ext uri="{28A0092B-C50C-407E-A947-70E740481C1C}">
+                <a14:useLocalDpi xmlns:a14="http://schemas.microsoft.com/office/drawing/2010/main" val="0"/>
+              </a:ext>
+            </a:extLst>
+          </a:blip>
+          <a:stretch>
+            <a:fillRect/>
+          </a:stretch>
+        </p:blipFill>
+        <p:spPr>
+          <a:xfrm>
+            <a:off x="455085" y="5247356"/>
+            <a:ext cx="2963332" cy="891096"/>
+          </a:xfrm>
+          <a:prstGeom prst="rect">
+            <a:avLst/>
+          </a:prstGeom>
+        </p:spPr>
+      </p:pic>
+      <p:pic>
+        <p:nvPicPr>
+          <p:cNvPr id="6" name="Picture 5" descr="Mesh-Topology.jpg"/>
+          <p:cNvPicPr>
+            <a:picLocks noChangeAspect="1"/>
+          </p:cNvPicPr>
+          <p:nvPr/>
+        </p:nvPicPr>
+        <p:blipFill>
+          <a:blip r:embed="rId4">
+            <a:extLst>
+              <a:ext uri="{28A0092B-C50C-407E-A947-70E740481C1C}">
+                <a14:useLocalDpi xmlns:a14="http://schemas.microsoft.com/office/drawing/2010/main" val="0"/>
+              </a:ext>
+            </a:extLst>
+          </a:blip>
+          <a:stretch>
+            <a:fillRect/>
+          </a:stretch>
+        </p:blipFill>
+        <p:spPr>
+          <a:xfrm>
+            <a:off x="5463113" y="1470502"/>
+            <a:ext cx="2082804" cy="2307747"/>
+          </a:xfrm>
+          <a:prstGeom prst="rect">
+            <a:avLst/>
+          </a:prstGeom>
+        </p:spPr>
+      </p:pic>
+      <p:pic>
+        <p:nvPicPr>
+          <p:cNvPr id="7" name="Picture 6" descr="star_topology.jpg"/>
+          <p:cNvPicPr>
+            <a:picLocks noChangeAspect="1"/>
+          </p:cNvPicPr>
+          <p:nvPr/>
+        </p:nvPicPr>
+        <p:blipFill>
+          <a:blip r:embed="rId5">
+            <a:extLst>
+              <a:ext uri="{28A0092B-C50C-407E-A947-70E740481C1C}">
+                <a14:useLocalDpi xmlns:a14="http://schemas.microsoft.com/office/drawing/2010/main" val="0"/>
+              </a:ext>
+            </a:extLst>
+          </a:blip>
+          <a:stretch>
+            <a:fillRect/>
+          </a:stretch>
+        </p:blipFill>
+        <p:spPr>
+          <a:xfrm>
+            <a:off x="1198032" y="2190128"/>
+            <a:ext cx="2336801" cy="1796905"/>
+          </a:xfrm>
+          <a:prstGeom prst="rect">
+            <a:avLst/>
+          </a:prstGeom>
+        </p:spPr>
+      </p:pic>
+      <p:sp>
+        <p:nvSpPr>
+          <p:cNvPr id="8" name="TextBox 7"/>
           <p:cNvSpPr txBox="1"/>
           <p:nvPr/>
         </p:nvSpPr>
         <p:spPr>
           <a:xfrm>
-            <a:off x="1189376" y="1724843"/>
-            <a:ext cx="2634054" cy="523220"/>
+            <a:off x="5664195" y="978416"/>
+            <a:ext cx="1662422" cy="369332"/>
           </a:xfrm>
           <a:prstGeom prst="rect">
             <a:avLst/>
@@ -16915,23 +16572,23 @@
           <a:lstStyle/>
           <a:p>
             <a:r>
-              <a:rPr lang="en-US" sz="2800" dirty="0" smtClean="0"/>
-              <a:t>Message Passing</a:t>
-            </a:r>
-            <a:endParaRPr lang="en-US" sz="2800" dirty="0"/>
-          </a:p>
-        </p:txBody>
-      </p:sp>
-      <p:sp>
-        <p:nvSpPr>
-          <p:cNvPr id="5" name="TextBox 4"/>
+              <a:rPr lang="en-US" dirty="0" smtClean="0"/>
+              <a:t>Fully connected</a:t>
+            </a:r>
+            <a:endParaRPr lang="en-US" dirty="0"/>
+          </a:p>
+        </p:txBody>
+      </p:sp>
+      <p:sp>
+        <p:nvSpPr>
+          <p:cNvPr id="9" name="TextBox 8"/>
           <p:cNvSpPr txBox="1"/>
           <p:nvPr/>
         </p:nvSpPr>
         <p:spPr>
           <a:xfrm>
-            <a:off x="5403842" y="1687555"/>
-            <a:ext cx="2919639" cy="830997"/>
+            <a:off x="1562095" y="1730378"/>
+            <a:ext cx="559092" cy="369332"/>
           </a:xfrm>
           <a:prstGeom prst="rect">
             <a:avLst/>
@@ -16944,614 +16601,54 @@
           </a:bodyPr>
           <a:lstStyle/>
           <a:p>
-            <a:pPr algn="ctr"/>
-            <a:r>
-              <a:rPr lang="en-US" sz="2400" dirty="0" smtClean="0"/>
-              <a:t>Partitioned Global</a:t>
-            </a:r>
-          </a:p>
-          <a:p>
-            <a:pPr algn="ctr"/>
-            <a:r>
-              <a:rPr lang="en-US" sz="2400" dirty="0" smtClean="0"/>
-              <a:t>Address Space (PGAS)</a:t>
-            </a:r>
-            <a:endParaRPr lang="en-US" sz="2400" dirty="0"/>
-          </a:p>
-        </p:txBody>
-      </p:sp>
-      <p:cxnSp>
-        <p:nvCxnSpPr>
-          <p:cNvPr id="7" name="Straight Connector 6"/>
-          <p:cNvCxnSpPr>
-            <a:stCxn id="8" idx="2"/>
-          </p:cNvCxnSpPr>
-          <p:nvPr/>
-        </p:nvCxnSpPr>
-        <p:spPr>
-          <a:xfrm>
-            <a:off x="1396983" y="3217471"/>
-            <a:ext cx="0" cy="3079619"/>
-          </a:xfrm>
-          <a:prstGeom prst="line">
-            <a:avLst/>
-          </a:prstGeom>
-        </p:spPr>
-        <p:style>
-          <a:lnRef idx="3">
-            <a:schemeClr val="accent1"/>
-          </a:lnRef>
-          <a:fillRef idx="0">
-            <a:schemeClr val="accent1"/>
-          </a:fillRef>
-          <a:effectRef idx="2">
-            <a:schemeClr val="accent1"/>
-          </a:effectRef>
-          <a:fontRef idx="minor">
-            <a:schemeClr val="tx1"/>
-          </a:fontRef>
-        </p:style>
-      </p:cxnSp>
-      <p:sp>
-        <p:nvSpPr>
-          <p:cNvPr id="8" name="Rectangle 7"/>
-          <p:cNvSpPr/>
-          <p:nvPr/>
-        </p:nvSpPr>
-        <p:spPr>
-          <a:xfrm>
-            <a:off x="1009096" y="2569068"/>
-            <a:ext cx="775773" cy="648403"/>
+            <a:r>
+              <a:rPr lang="en-US" dirty="0" smtClean="0"/>
+              <a:t>Star</a:t>
+            </a:r>
+            <a:endParaRPr lang="en-US" dirty="0"/>
+          </a:p>
+        </p:txBody>
+      </p:sp>
+      <p:sp>
+        <p:nvSpPr>
+          <p:cNvPr id="10" name="TextBox 9"/>
+          <p:cNvSpPr txBox="1"/>
+          <p:nvPr/>
+        </p:nvSpPr>
+        <p:spPr>
+          <a:xfrm>
+            <a:off x="1562095" y="4645009"/>
+            <a:ext cx="918303" cy="369332"/>
           </a:xfrm>
           <a:prstGeom prst="rect">
             <a:avLst/>
           </a:prstGeom>
-        </p:spPr>
-        <p:style>
-          <a:lnRef idx="1">
-            <a:schemeClr val="accent1"/>
-          </a:lnRef>
-          <a:fillRef idx="3">
-            <a:schemeClr val="accent1"/>
-          </a:fillRef>
-          <a:effectRef idx="2">
-            <a:schemeClr val="accent1"/>
-          </a:effectRef>
-          <a:fontRef idx="minor">
-            <a:schemeClr val="lt1"/>
-          </a:fontRef>
-        </p:style>
-        <p:txBody>
-          <a:bodyPr rtlCol="0" anchor="ctr"/>
-          <a:lstStyle/>
-          <a:p>
-            <a:pPr algn="ctr"/>
-            <a:r>
-              <a:rPr lang="en-US" dirty="0" smtClean="0"/>
-              <a:t>Node 1</a:t>
-            </a:r>
-            <a:endParaRPr lang="en-US" dirty="0"/>
-          </a:p>
-        </p:txBody>
-      </p:sp>
-      <p:sp>
-        <p:nvSpPr>
-          <p:cNvPr id="9" name="Rectangle 8"/>
-          <p:cNvSpPr/>
-          <p:nvPr/>
-        </p:nvSpPr>
-        <p:spPr>
-          <a:xfrm>
-            <a:off x="1937269" y="2569068"/>
-            <a:ext cx="775773" cy="648403"/>
-          </a:xfrm>
-          <a:prstGeom prst="rect">
-            <a:avLst/>
-          </a:prstGeom>
-        </p:spPr>
-        <p:style>
-          <a:lnRef idx="1">
-            <a:schemeClr val="accent1"/>
-          </a:lnRef>
-          <a:fillRef idx="3">
-            <a:schemeClr val="accent1"/>
-          </a:fillRef>
-          <a:effectRef idx="2">
-            <a:schemeClr val="accent1"/>
-          </a:effectRef>
-          <a:fontRef idx="minor">
-            <a:schemeClr val="lt1"/>
-          </a:fontRef>
-        </p:style>
-        <p:txBody>
-          <a:bodyPr rtlCol="0" anchor="ctr"/>
-          <a:lstStyle/>
-          <a:p>
-            <a:pPr algn="ctr"/>
-            <a:r>
-              <a:rPr lang="en-US" dirty="0" smtClean="0"/>
-              <a:t>Node 2</a:t>
-            </a:r>
-            <a:endParaRPr lang="en-US" dirty="0"/>
-          </a:p>
-        </p:txBody>
-      </p:sp>
-      <p:sp>
-        <p:nvSpPr>
-          <p:cNvPr id="10" name="Rectangle 9"/>
-          <p:cNvSpPr/>
-          <p:nvPr/>
-        </p:nvSpPr>
-        <p:spPr>
-          <a:xfrm>
-            <a:off x="2865413" y="2569068"/>
-            <a:ext cx="775773" cy="648403"/>
-          </a:xfrm>
-          <a:prstGeom prst="rect">
-            <a:avLst/>
-          </a:prstGeom>
-        </p:spPr>
-        <p:style>
-          <a:lnRef idx="1">
-            <a:schemeClr val="accent1"/>
-          </a:lnRef>
-          <a:fillRef idx="3">
-            <a:schemeClr val="accent1"/>
-          </a:fillRef>
-          <a:effectRef idx="2">
-            <a:schemeClr val="accent1"/>
-          </a:effectRef>
-          <a:fontRef idx="minor">
-            <a:schemeClr val="lt1"/>
-          </a:fontRef>
-        </p:style>
-        <p:txBody>
-          <a:bodyPr rtlCol="0" anchor="ctr"/>
-          <a:lstStyle/>
-          <a:p>
-            <a:pPr algn="ctr"/>
-            <a:r>
-              <a:rPr lang="en-US" dirty="0" smtClean="0"/>
-              <a:t>Node 3</a:t>
-            </a:r>
-            <a:endParaRPr lang="en-US" dirty="0"/>
-          </a:p>
-        </p:txBody>
-      </p:sp>
-      <p:sp>
-        <p:nvSpPr>
-          <p:cNvPr id="11" name="Rectangle 10"/>
-          <p:cNvSpPr/>
-          <p:nvPr/>
-        </p:nvSpPr>
-        <p:spPr>
-          <a:xfrm>
-            <a:off x="3807330" y="2569068"/>
-            <a:ext cx="775773" cy="648403"/>
-          </a:xfrm>
-          <a:prstGeom prst="rect">
-            <a:avLst/>
-          </a:prstGeom>
-        </p:spPr>
-        <p:style>
-          <a:lnRef idx="1">
-            <a:schemeClr val="accent1"/>
-          </a:lnRef>
-          <a:fillRef idx="3">
-            <a:schemeClr val="accent1"/>
-          </a:fillRef>
-          <a:effectRef idx="2">
-            <a:schemeClr val="accent1"/>
-          </a:effectRef>
-          <a:fontRef idx="minor">
-            <a:schemeClr val="lt1"/>
-          </a:fontRef>
-        </p:style>
-        <p:txBody>
-          <a:bodyPr rtlCol="0" anchor="ctr"/>
-          <a:lstStyle/>
-          <a:p>
-            <a:pPr algn="ctr"/>
-            <a:r>
-              <a:rPr lang="en-US" dirty="0" smtClean="0"/>
-              <a:t>Node 4</a:t>
-            </a:r>
-            <a:endParaRPr lang="en-US" dirty="0"/>
-          </a:p>
-        </p:txBody>
-      </p:sp>
-      <p:cxnSp>
-        <p:nvCxnSpPr>
-          <p:cNvPr id="14" name="Straight Connector 13"/>
-          <p:cNvCxnSpPr/>
-          <p:nvPr/>
-        </p:nvCxnSpPr>
-        <p:spPr>
-          <a:xfrm>
-            <a:off x="2321966" y="3217471"/>
-            <a:ext cx="0" cy="3079619"/>
-          </a:xfrm>
-          <a:prstGeom prst="line">
-            <a:avLst/>
-          </a:prstGeom>
-        </p:spPr>
-        <p:style>
-          <a:lnRef idx="3">
-            <a:schemeClr val="accent1"/>
-          </a:lnRef>
-          <a:fillRef idx="0">
-            <a:schemeClr val="accent1"/>
-          </a:fillRef>
-          <a:effectRef idx="2">
-            <a:schemeClr val="accent1"/>
-          </a:effectRef>
-          <a:fontRef idx="minor">
-            <a:schemeClr val="tx1"/>
-          </a:fontRef>
-        </p:style>
-      </p:cxnSp>
-      <p:cxnSp>
-        <p:nvCxnSpPr>
-          <p:cNvPr id="15" name="Straight Connector 14"/>
-          <p:cNvCxnSpPr/>
-          <p:nvPr/>
-        </p:nvCxnSpPr>
-        <p:spPr>
-          <a:xfrm>
-            <a:off x="3253300" y="3217471"/>
-            <a:ext cx="0" cy="3079619"/>
-          </a:xfrm>
-          <a:prstGeom prst="line">
-            <a:avLst/>
-          </a:prstGeom>
-        </p:spPr>
-        <p:style>
-          <a:lnRef idx="3">
-            <a:schemeClr val="accent1"/>
-          </a:lnRef>
-          <a:fillRef idx="0">
-            <a:schemeClr val="accent1"/>
-          </a:fillRef>
-          <a:effectRef idx="2">
-            <a:schemeClr val="accent1"/>
-          </a:effectRef>
-          <a:fontRef idx="minor">
-            <a:schemeClr val="tx1"/>
-          </a:fontRef>
-        </p:style>
-      </p:cxnSp>
-      <p:cxnSp>
-        <p:nvCxnSpPr>
-          <p:cNvPr id="16" name="Straight Connector 15"/>
-          <p:cNvCxnSpPr/>
-          <p:nvPr/>
-        </p:nvCxnSpPr>
-        <p:spPr>
-          <a:xfrm>
-            <a:off x="4185550" y="3217471"/>
-            <a:ext cx="0" cy="3079619"/>
-          </a:xfrm>
-          <a:prstGeom prst="line">
-            <a:avLst/>
-          </a:prstGeom>
-        </p:spPr>
-        <p:style>
-          <a:lnRef idx="3">
-            <a:schemeClr val="accent1"/>
-          </a:lnRef>
-          <a:fillRef idx="0">
-            <a:schemeClr val="accent1"/>
-          </a:fillRef>
-          <a:effectRef idx="2">
-            <a:schemeClr val="accent1"/>
-          </a:effectRef>
-          <a:fontRef idx="minor">
-            <a:schemeClr val="tx1"/>
-          </a:fontRef>
-        </p:style>
-      </p:cxnSp>
-      <p:cxnSp>
-        <p:nvCxnSpPr>
-          <p:cNvPr id="17" name="Straight Arrow Connector 16"/>
-          <p:cNvCxnSpPr/>
-          <p:nvPr/>
-        </p:nvCxnSpPr>
-        <p:spPr>
-          <a:xfrm>
-            <a:off x="1396983" y="3627268"/>
-            <a:ext cx="924983" cy="182736"/>
-          </a:xfrm>
-          <a:prstGeom prst="straightConnector1">
-            <a:avLst/>
-          </a:prstGeom>
-          <a:ln w="50800">
-            <a:solidFill>
-              <a:schemeClr val="accent6"/>
-            </a:solidFill>
-            <a:tailEnd type="arrow"/>
-          </a:ln>
-        </p:spPr>
-        <p:style>
-          <a:lnRef idx="2">
-            <a:schemeClr val="accent1"/>
-          </a:lnRef>
-          <a:fillRef idx="0">
-            <a:schemeClr val="accent1"/>
-          </a:fillRef>
-          <a:effectRef idx="1">
-            <a:schemeClr val="accent1"/>
-          </a:effectRef>
-          <a:fontRef idx="minor">
-            <a:schemeClr val="tx1"/>
-          </a:fontRef>
-        </p:style>
-      </p:cxnSp>
-      <p:cxnSp>
-        <p:nvCxnSpPr>
-          <p:cNvPr id="19" name="Straight Arrow Connector 18"/>
-          <p:cNvCxnSpPr/>
-          <p:nvPr/>
-        </p:nvCxnSpPr>
-        <p:spPr>
-          <a:xfrm flipH="1">
-            <a:off x="2321966" y="3871036"/>
-            <a:ext cx="1853001" cy="415218"/>
-          </a:xfrm>
-          <a:prstGeom prst="straightConnector1">
-            <a:avLst/>
-          </a:prstGeom>
-          <a:ln w="50800">
-            <a:solidFill>
-              <a:schemeClr val="accent6"/>
-            </a:solidFill>
-            <a:tailEnd type="arrow"/>
-          </a:ln>
-        </p:spPr>
-        <p:style>
-          <a:lnRef idx="2">
-            <a:schemeClr val="accent1"/>
-          </a:lnRef>
-          <a:fillRef idx="0">
-            <a:schemeClr val="accent1"/>
-          </a:fillRef>
-          <a:effectRef idx="1">
-            <a:schemeClr val="accent1"/>
-          </a:effectRef>
-          <a:fontRef idx="minor">
-            <a:schemeClr val="tx1"/>
-          </a:fontRef>
-        </p:style>
-      </p:cxnSp>
-      <p:cxnSp>
-        <p:nvCxnSpPr>
-          <p:cNvPr id="21" name="Straight Arrow Connector 20"/>
-          <p:cNvCxnSpPr/>
-          <p:nvPr/>
-        </p:nvCxnSpPr>
-        <p:spPr>
-          <a:xfrm>
-            <a:off x="3239401" y="3535900"/>
-            <a:ext cx="946149" cy="655104"/>
-          </a:xfrm>
-          <a:prstGeom prst="straightConnector1">
-            <a:avLst/>
-          </a:prstGeom>
-          <a:ln w="50800">
-            <a:solidFill>
-              <a:schemeClr val="accent6"/>
-            </a:solidFill>
-            <a:tailEnd type="arrow"/>
-          </a:ln>
-        </p:spPr>
-        <p:style>
-          <a:lnRef idx="2">
-            <a:schemeClr val="accent1"/>
-          </a:lnRef>
-          <a:fillRef idx="0">
-            <a:schemeClr val="accent1"/>
-          </a:fillRef>
-          <a:effectRef idx="1">
-            <a:schemeClr val="accent1"/>
-          </a:effectRef>
-          <a:fontRef idx="minor">
-            <a:schemeClr val="tx1"/>
-          </a:fontRef>
-        </p:style>
-      </p:cxnSp>
-      <p:cxnSp>
-        <p:nvCxnSpPr>
-          <p:cNvPr id="23" name="Straight Arrow Connector 22"/>
-          <p:cNvCxnSpPr/>
-          <p:nvPr/>
-        </p:nvCxnSpPr>
-        <p:spPr>
-          <a:xfrm flipH="1">
-            <a:off x="1396983" y="5737577"/>
-            <a:ext cx="917435" cy="273757"/>
-          </a:xfrm>
-          <a:prstGeom prst="straightConnector1">
-            <a:avLst/>
-          </a:prstGeom>
-          <a:ln w="50800">
-            <a:solidFill>
-              <a:schemeClr val="accent1"/>
-            </a:solidFill>
-            <a:tailEnd type="arrow"/>
-          </a:ln>
-        </p:spPr>
-        <p:style>
-          <a:lnRef idx="2">
-            <a:schemeClr val="accent1"/>
-          </a:lnRef>
-          <a:fillRef idx="0">
-            <a:schemeClr val="accent1"/>
-          </a:fillRef>
-          <a:effectRef idx="1">
-            <a:schemeClr val="accent1"/>
-          </a:effectRef>
-          <a:fontRef idx="minor">
-            <a:schemeClr val="tx1"/>
-          </a:fontRef>
-        </p:style>
-      </p:cxnSp>
-      <p:cxnSp>
-        <p:nvCxnSpPr>
-          <p:cNvPr id="25" name="Straight Arrow Connector 24"/>
-          <p:cNvCxnSpPr/>
-          <p:nvPr/>
-        </p:nvCxnSpPr>
-        <p:spPr>
-          <a:xfrm>
-            <a:off x="2321966" y="5737577"/>
-            <a:ext cx="931334" cy="273757"/>
-          </a:xfrm>
-          <a:prstGeom prst="straightConnector1">
-            <a:avLst/>
-          </a:prstGeom>
-          <a:ln w="50800">
-            <a:solidFill>
-              <a:schemeClr val="accent1"/>
-            </a:solidFill>
-            <a:tailEnd type="arrow"/>
-          </a:ln>
-        </p:spPr>
-        <p:style>
-          <a:lnRef idx="2">
-            <a:schemeClr val="accent1"/>
-          </a:lnRef>
-          <a:fillRef idx="0">
-            <a:schemeClr val="accent1"/>
-          </a:fillRef>
-          <a:effectRef idx="1">
-            <a:schemeClr val="accent1"/>
-          </a:effectRef>
-          <a:fontRef idx="minor">
-            <a:schemeClr val="tx1"/>
-          </a:fontRef>
-        </p:style>
-      </p:cxnSp>
-      <p:cxnSp>
-        <p:nvCxnSpPr>
-          <p:cNvPr id="28" name="Straight Arrow Connector 27"/>
-          <p:cNvCxnSpPr/>
-          <p:nvPr/>
-        </p:nvCxnSpPr>
-        <p:spPr>
-          <a:xfrm>
-            <a:off x="2314418" y="5737577"/>
-            <a:ext cx="1871132" cy="273757"/>
-          </a:xfrm>
-          <a:prstGeom prst="straightConnector1">
-            <a:avLst/>
-          </a:prstGeom>
-          <a:ln w="50800">
-            <a:solidFill>
-              <a:schemeClr val="accent1"/>
-            </a:solidFill>
-            <a:tailEnd type="arrow"/>
-          </a:ln>
-        </p:spPr>
-        <p:style>
-          <a:lnRef idx="2">
-            <a:schemeClr val="accent1"/>
-          </a:lnRef>
-          <a:fillRef idx="0">
-            <a:schemeClr val="accent1"/>
-          </a:fillRef>
-          <a:effectRef idx="1">
-            <a:schemeClr val="accent1"/>
-          </a:effectRef>
-          <a:fontRef idx="minor">
-            <a:schemeClr val="tx1"/>
-          </a:fontRef>
-        </p:style>
-      </p:cxnSp>
-      <p:cxnSp>
-        <p:nvCxnSpPr>
-          <p:cNvPr id="31" name="Straight Arrow Connector 30"/>
-          <p:cNvCxnSpPr/>
-          <p:nvPr/>
-        </p:nvCxnSpPr>
-        <p:spPr>
-          <a:xfrm flipH="1">
-            <a:off x="1269989" y="5027090"/>
-            <a:ext cx="3046795" cy="0"/>
-          </a:xfrm>
-          <a:prstGeom prst="straightConnector1">
-            <a:avLst/>
-          </a:prstGeom>
-          <a:ln w="50800">
-            <a:solidFill>
-              <a:schemeClr val="accent2"/>
-            </a:solidFill>
-            <a:prstDash val="dash"/>
-            <a:tailEnd type="none"/>
-          </a:ln>
-        </p:spPr>
-        <p:style>
-          <a:lnRef idx="2">
-            <a:schemeClr val="accent1"/>
-          </a:lnRef>
-          <a:fillRef idx="0">
-            <a:schemeClr val="accent1"/>
-          </a:fillRef>
-          <a:effectRef idx="1">
-            <a:schemeClr val="accent1"/>
-          </a:effectRef>
-          <a:fontRef idx="minor">
-            <a:schemeClr val="tx1"/>
-          </a:fontRef>
-        </p:style>
-      </p:cxnSp>
-      <p:sp>
-        <p:nvSpPr>
-          <p:cNvPr id="34" name="TextBox 33"/>
-          <p:cNvSpPr txBox="1"/>
-          <p:nvPr/>
-        </p:nvSpPr>
-        <p:spPr>
-          <a:xfrm>
-            <a:off x="188044" y="3514733"/>
-            <a:ext cx="1050540" cy="923330"/>
-          </a:xfrm>
-          <a:prstGeom prst="rect">
-            <a:avLst/>
-          </a:prstGeom>
           <a:noFill/>
         </p:spPr>
         <p:txBody>
-          <a:bodyPr wrap="square" rtlCol="0">
+          <a:bodyPr wrap="none" rtlCol="0">
             <a:spAutoFit/>
           </a:bodyPr>
           <a:lstStyle/>
           <a:p>
-            <a:pPr algn="ctr"/>
-            <a:r>
-              <a:rPr lang="en-US" dirty="0" smtClean="0">
-                <a:solidFill>
-                  <a:schemeClr val="accent6"/>
-                </a:solidFill>
-              </a:rPr>
-              <a:t>Point-to-point (P2P)</a:t>
-            </a:r>
-            <a:endParaRPr lang="en-US" dirty="0">
-              <a:solidFill>
-                <a:schemeClr val="accent6"/>
-              </a:solidFill>
-            </a:endParaRPr>
-          </a:p>
-        </p:txBody>
-      </p:sp>
-      <p:sp>
-        <p:nvSpPr>
-          <p:cNvPr id="35" name="TextBox 34"/>
+            <a:r>
+              <a:rPr lang="en-US" dirty="0" smtClean="0"/>
+              <a:t>Fat tree</a:t>
+            </a:r>
+            <a:endParaRPr lang="en-US" dirty="0"/>
+          </a:p>
+        </p:txBody>
+      </p:sp>
+      <p:sp>
+        <p:nvSpPr>
+          <p:cNvPr id="11" name="TextBox 10"/>
           <p:cNvSpPr txBox="1"/>
           <p:nvPr/>
         </p:nvSpPr>
         <p:spPr>
           <a:xfrm>
-            <a:off x="-607" y="4598225"/>
-            <a:ext cx="1427842" cy="923330"/>
+            <a:off x="4754678" y="4216393"/>
+            <a:ext cx="708435" cy="369332"/>
           </a:xfrm>
           <a:prstGeom prst="rect">
             <a:avLst/>
@@ -17559,54 +16656,29 @@
           <a:noFill/>
         </p:spPr>
         <p:txBody>
-          <a:bodyPr wrap="square" rtlCol="0">
+          <a:bodyPr wrap="none" rtlCol="0">
             <a:spAutoFit/>
           </a:bodyPr>
           <a:lstStyle/>
           <a:p>
-            <a:pPr algn="ctr"/>
-            <a:r>
-              <a:rPr lang="en-US" dirty="0" err="1" smtClean="0">
-                <a:solidFill>
-                  <a:schemeClr val="accent2"/>
-                </a:solidFill>
-              </a:rPr>
-              <a:t>Synchron-ization</a:t>
-            </a:r>
-            <a:endParaRPr lang="en-US" dirty="0">
-              <a:solidFill>
-                <a:schemeClr val="accent2"/>
-              </a:solidFill>
-            </a:endParaRPr>
-          </a:p>
-          <a:p>
-            <a:pPr algn="ctr"/>
-            <a:r>
-              <a:rPr lang="en-US" dirty="0" smtClean="0">
-                <a:solidFill>
-                  <a:schemeClr val="accent2"/>
-                </a:solidFill>
-              </a:rPr>
-              <a:t>(e.g. barrier)</a:t>
-            </a:r>
-            <a:endParaRPr lang="en-US" dirty="0">
-              <a:solidFill>
-                <a:schemeClr val="accent2"/>
-              </a:solidFill>
-            </a:endParaRPr>
-          </a:p>
-        </p:txBody>
-      </p:sp>
-      <p:sp>
-        <p:nvSpPr>
-          <p:cNvPr id="36" name="TextBox 35"/>
+            <a:r>
+              <a:rPr lang="en-US" dirty="0" smtClean="0"/>
+              <a:t>Mesh</a:t>
+            </a:r>
+            <a:endParaRPr lang="en-US" dirty="0"/>
+          </a:p>
+        </p:txBody>
+      </p:sp>
+      <p:sp>
+        <p:nvSpPr>
+          <p:cNvPr id="12" name="TextBox 11"/>
           <p:cNvSpPr txBox="1"/>
           <p:nvPr/>
         </p:nvSpPr>
         <p:spPr>
           <a:xfrm>
-            <a:off x="49522" y="5667178"/>
-            <a:ext cx="1315712" cy="646331"/>
+            <a:off x="7082697" y="4234400"/>
+            <a:ext cx="710914" cy="369332"/>
           </a:xfrm>
           <a:prstGeom prst="rect">
             <a:avLst/>
@@ -17614,551 +16686,23 @@
           <a:noFill/>
         </p:spPr>
         <p:txBody>
-          <a:bodyPr wrap="square" rtlCol="0">
+          <a:bodyPr wrap="none" rtlCol="0">
             <a:spAutoFit/>
           </a:bodyPr>
           <a:lstStyle/>
           <a:p>
-            <a:pPr algn="ctr"/>
-            <a:r>
-              <a:rPr lang="en-US" dirty="0" smtClean="0">
-                <a:solidFill>
-                  <a:schemeClr val="accent1"/>
-                </a:solidFill>
-              </a:rPr>
-              <a:t>Collectives</a:t>
-            </a:r>
-          </a:p>
-          <a:p>
-            <a:pPr algn="ctr"/>
-            <a:r>
-              <a:rPr lang="en-US" dirty="0" smtClean="0">
-                <a:solidFill>
-                  <a:schemeClr val="accent1"/>
-                </a:solidFill>
-              </a:rPr>
-              <a:t>(e.g. </a:t>
-            </a:r>
-            <a:r>
-              <a:rPr lang="en-US" dirty="0" err="1" smtClean="0">
-                <a:solidFill>
-                  <a:schemeClr val="accent1"/>
-                </a:solidFill>
-              </a:rPr>
-              <a:t>bcast</a:t>
-            </a:r>
-            <a:r>
-              <a:rPr lang="en-US" dirty="0" smtClean="0">
-                <a:solidFill>
-                  <a:schemeClr val="accent1"/>
-                </a:solidFill>
-              </a:rPr>
-              <a:t>)</a:t>
-            </a:r>
-            <a:endParaRPr lang="en-US" dirty="0">
-              <a:solidFill>
-                <a:schemeClr val="accent1"/>
-              </a:solidFill>
-            </a:endParaRPr>
-          </a:p>
-        </p:txBody>
-      </p:sp>
-      <p:sp>
-        <p:nvSpPr>
-          <p:cNvPr id="37" name="Rectangle 36"/>
-          <p:cNvSpPr/>
-          <p:nvPr/>
-        </p:nvSpPr>
-        <p:spPr>
-          <a:xfrm>
-            <a:off x="5335562" y="3078927"/>
-            <a:ext cx="775773" cy="648403"/>
-          </a:xfrm>
-          <a:prstGeom prst="rect">
-            <a:avLst/>
-          </a:prstGeom>
-        </p:spPr>
-        <p:style>
-          <a:lnRef idx="1">
-            <a:schemeClr val="accent1"/>
-          </a:lnRef>
-          <a:fillRef idx="3">
-            <a:schemeClr val="accent1"/>
-          </a:fillRef>
-          <a:effectRef idx="2">
-            <a:schemeClr val="accent1"/>
-          </a:effectRef>
-          <a:fontRef idx="minor">
-            <a:schemeClr val="lt1"/>
-          </a:fontRef>
-        </p:style>
-        <p:txBody>
-          <a:bodyPr rtlCol="0" anchor="ctr"/>
-          <a:lstStyle/>
-          <a:p>
-            <a:pPr algn="ctr"/>
             <a:r>
               <a:rPr lang="en-US" dirty="0" smtClean="0"/>
-              <a:t>Node 1</a:t>
+              <a:t>Torus</a:t>
             </a:r>
             <a:endParaRPr lang="en-US" dirty="0"/>
-          </a:p>
-        </p:txBody>
-      </p:sp>
-      <p:sp>
-        <p:nvSpPr>
-          <p:cNvPr id="38" name="Rectangle 37"/>
-          <p:cNvSpPr/>
-          <p:nvPr/>
-        </p:nvSpPr>
-        <p:spPr>
-          <a:xfrm>
-            <a:off x="7815252" y="3105867"/>
-            <a:ext cx="775773" cy="648403"/>
-          </a:xfrm>
-          <a:prstGeom prst="rect">
-            <a:avLst/>
-          </a:prstGeom>
-        </p:spPr>
-        <p:style>
-          <a:lnRef idx="1">
-            <a:schemeClr val="accent1"/>
-          </a:lnRef>
-          <a:fillRef idx="3">
-            <a:schemeClr val="accent1"/>
-          </a:fillRef>
-          <a:effectRef idx="2">
-            <a:schemeClr val="accent1"/>
-          </a:effectRef>
-          <a:fontRef idx="minor">
-            <a:schemeClr val="lt1"/>
-          </a:fontRef>
-        </p:style>
-        <p:txBody>
-          <a:bodyPr rtlCol="0" anchor="ctr"/>
-          <a:lstStyle/>
-          <a:p>
-            <a:pPr algn="ctr"/>
-            <a:r>
-              <a:rPr lang="en-US" dirty="0" smtClean="0"/>
-              <a:t>Node 2</a:t>
-            </a:r>
-            <a:endParaRPr lang="en-US" dirty="0"/>
-          </a:p>
-        </p:txBody>
-      </p:sp>
-      <p:sp>
-        <p:nvSpPr>
-          <p:cNvPr id="39" name="Rectangle 38"/>
-          <p:cNvSpPr/>
-          <p:nvPr/>
-        </p:nvSpPr>
-        <p:spPr>
-          <a:xfrm>
-            <a:off x="5335562" y="5521555"/>
-            <a:ext cx="775773" cy="648403"/>
-          </a:xfrm>
-          <a:prstGeom prst="rect">
-            <a:avLst/>
-          </a:prstGeom>
-        </p:spPr>
-        <p:style>
-          <a:lnRef idx="1">
-            <a:schemeClr val="accent1"/>
-          </a:lnRef>
-          <a:fillRef idx="3">
-            <a:schemeClr val="accent1"/>
-          </a:fillRef>
-          <a:effectRef idx="2">
-            <a:schemeClr val="accent1"/>
-          </a:effectRef>
-          <a:fontRef idx="minor">
-            <a:schemeClr val="lt1"/>
-          </a:fontRef>
-        </p:style>
-        <p:txBody>
-          <a:bodyPr rtlCol="0" anchor="ctr"/>
-          <a:lstStyle/>
-          <a:p>
-            <a:pPr algn="ctr"/>
-            <a:r>
-              <a:rPr lang="en-US" dirty="0" smtClean="0"/>
-              <a:t>Node 3</a:t>
-            </a:r>
-            <a:endParaRPr lang="en-US" dirty="0"/>
-          </a:p>
-        </p:txBody>
-      </p:sp>
-      <p:sp>
-        <p:nvSpPr>
-          <p:cNvPr id="40" name="Rectangle 39"/>
-          <p:cNvSpPr/>
-          <p:nvPr/>
-        </p:nvSpPr>
-        <p:spPr>
-          <a:xfrm>
-            <a:off x="7815252" y="5525441"/>
-            <a:ext cx="775773" cy="648403"/>
-          </a:xfrm>
-          <a:prstGeom prst="rect">
-            <a:avLst/>
-          </a:prstGeom>
-        </p:spPr>
-        <p:style>
-          <a:lnRef idx="1">
-            <a:schemeClr val="accent1"/>
-          </a:lnRef>
-          <a:fillRef idx="3">
-            <a:schemeClr val="accent1"/>
-          </a:fillRef>
-          <a:effectRef idx="2">
-            <a:schemeClr val="accent1"/>
-          </a:effectRef>
-          <a:fontRef idx="minor">
-            <a:schemeClr val="lt1"/>
-          </a:fontRef>
-        </p:style>
-        <p:txBody>
-          <a:bodyPr rtlCol="0" anchor="ctr"/>
-          <a:lstStyle/>
-          <a:p>
-            <a:pPr algn="ctr"/>
-            <a:r>
-              <a:rPr lang="en-US" dirty="0" smtClean="0"/>
-              <a:t>Node 4</a:t>
-            </a:r>
-            <a:endParaRPr lang="en-US" dirty="0"/>
-          </a:p>
-        </p:txBody>
-      </p:sp>
-      <p:sp>
-        <p:nvSpPr>
-          <p:cNvPr id="42" name="Rounded Rectangle 41"/>
-          <p:cNvSpPr/>
-          <p:nvPr/>
-        </p:nvSpPr>
-        <p:spPr>
-          <a:xfrm>
-            <a:off x="6159502" y="3862919"/>
-            <a:ext cx="1592252" cy="1587496"/>
-          </a:xfrm>
-          <a:prstGeom prst="roundRect">
-            <a:avLst/>
-          </a:prstGeom>
-        </p:spPr>
-        <p:style>
-          <a:lnRef idx="1">
-            <a:schemeClr val="accent1"/>
-          </a:lnRef>
-          <a:fillRef idx="3">
-            <a:schemeClr val="accent1"/>
-          </a:fillRef>
-          <a:effectRef idx="2">
-            <a:schemeClr val="accent1"/>
-          </a:effectRef>
-          <a:fontRef idx="minor">
-            <a:schemeClr val="lt1"/>
-          </a:fontRef>
-        </p:style>
-        <p:txBody>
-          <a:bodyPr rtlCol="0" anchor="ctr"/>
-          <a:lstStyle/>
-          <a:p>
-            <a:pPr algn="ctr"/>
-            <a:endParaRPr lang="en-US" dirty="0"/>
-          </a:p>
-        </p:txBody>
-      </p:sp>
-      <p:cxnSp>
-        <p:nvCxnSpPr>
-          <p:cNvPr id="45" name="Straight Connector 44"/>
-          <p:cNvCxnSpPr>
-            <a:stCxn id="42" idx="0"/>
-            <a:endCxn id="42" idx="2"/>
-          </p:cNvCxnSpPr>
-          <p:nvPr/>
-        </p:nvCxnSpPr>
-        <p:spPr>
-          <a:xfrm>
-            <a:off x="6955628" y="3862919"/>
-            <a:ext cx="0" cy="1587496"/>
-          </a:xfrm>
-          <a:prstGeom prst="line">
-            <a:avLst/>
-          </a:prstGeom>
-          <a:ln>
-            <a:solidFill>
-              <a:schemeClr val="bg1">
-                <a:lumMod val="65000"/>
-              </a:schemeClr>
-            </a:solidFill>
-          </a:ln>
-        </p:spPr>
-        <p:style>
-          <a:lnRef idx="2">
-            <a:schemeClr val="accent1"/>
-          </a:lnRef>
-          <a:fillRef idx="0">
-            <a:schemeClr val="accent1"/>
-          </a:fillRef>
-          <a:effectRef idx="1">
-            <a:schemeClr val="accent1"/>
-          </a:effectRef>
-          <a:fontRef idx="minor">
-            <a:schemeClr val="tx1"/>
-          </a:fontRef>
-        </p:style>
-      </p:cxnSp>
-      <p:cxnSp>
-        <p:nvCxnSpPr>
-          <p:cNvPr id="47" name="Straight Connector 46"/>
-          <p:cNvCxnSpPr/>
-          <p:nvPr/>
-        </p:nvCxnSpPr>
-        <p:spPr>
-          <a:xfrm>
-            <a:off x="6159502" y="4656667"/>
-            <a:ext cx="1592252" cy="0"/>
-          </a:xfrm>
-          <a:prstGeom prst="line">
-            <a:avLst/>
-          </a:prstGeom>
-          <a:ln>
-            <a:solidFill>
-              <a:schemeClr val="bg1">
-                <a:lumMod val="65000"/>
-              </a:schemeClr>
-            </a:solidFill>
-          </a:ln>
-        </p:spPr>
-        <p:style>
-          <a:lnRef idx="2">
-            <a:schemeClr val="accent1"/>
-          </a:lnRef>
-          <a:fillRef idx="0">
-            <a:schemeClr val="accent1"/>
-          </a:fillRef>
-          <a:effectRef idx="1">
-            <a:schemeClr val="accent1"/>
-          </a:effectRef>
-          <a:fontRef idx="minor">
-            <a:schemeClr val="tx1"/>
-          </a:fontRef>
-        </p:style>
-      </p:cxnSp>
-      <p:sp>
-        <p:nvSpPr>
-          <p:cNvPr id="43" name="Rounded Rectangle 42"/>
-          <p:cNvSpPr/>
-          <p:nvPr/>
-        </p:nvSpPr>
-        <p:spPr>
-          <a:xfrm>
-            <a:off x="6159502" y="3862919"/>
-            <a:ext cx="1592252" cy="1587496"/>
-          </a:xfrm>
-          <a:prstGeom prst="roundRect">
-            <a:avLst/>
-          </a:prstGeom>
-          <a:noFill/>
-          <a:ln>
-            <a:noFill/>
-          </a:ln>
-        </p:spPr>
-        <p:style>
-          <a:lnRef idx="1">
-            <a:schemeClr val="accent1"/>
-          </a:lnRef>
-          <a:fillRef idx="3">
-            <a:schemeClr val="accent1"/>
-          </a:fillRef>
-          <a:effectRef idx="2">
-            <a:schemeClr val="accent1"/>
-          </a:effectRef>
-          <a:fontRef idx="minor">
-            <a:schemeClr val="lt1"/>
-          </a:fontRef>
-        </p:style>
-        <p:txBody>
-          <a:bodyPr rtlCol="0" anchor="ctr"/>
-          <a:lstStyle/>
-          <a:p>
-            <a:pPr algn="ctr"/>
-            <a:r>
-              <a:rPr lang="en-US" dirty="0" smtClean="0"/>
-              <a:t>Virtual Memory</a:t>
-            </a:r>
-            <a:endParaRPr lang="en-US" dirty="0"/>
-          </a:p>
-        </p:txBody>
-      </p:sp>
-      <p:cxnSp>
-        <p:nvCxnSpPr>
-          <p:cNvPr id="53" name="Straight Arrow Connector 52"/>
-          <p:cNvCxnSpPr/>
-          <p:nvPr/>
-        </p:nvCxnSpPr>
-        <p:spPr>
-          <a:xfrm flipH="1" flipV="1">
-            <a:off x="7402821" y="5185126"/>
-            <a:ext cx="486312" cy="602185"/>
-          </a:xfrm>
-          <a:prstGeom prst="straightConnector1">
-            <a:avLst/>
-          </a:prstGeom>
-          <a:ln w="50800">
-            <a:solidFill>
-              <a:schemeClr val="accent6"/>
-            </a:solidFill>
-            <a:tailEnd type="arrow"/>
-          </a:ln>
-        </p:spPr>
-        <p:style>
-          <a:lnRef idx="2">
-            <a:schemeClr val="accent1"/>
-          </a:lnRef>
-          <a:fillRef idx="0">
-            <a:schemeClr val="accent1"/>
-          </a:fillRef>
-          <a:effectRef idx="1">
-            <a:schemeClr val="accent1"/>
-          </a:effectRef>
-          <a:fontRef idx="minor">
-            <a:schemeClr val="tx1"/>
-          </a:fontRef>
-        </p:style>
-      </p:cxnSp>
-      <p:sp>
-        <p:nvSpPr>
-          <p:cNvPr id="55" name="TextBox 54"/>
-          <p:cNvSpPr txBox="1"/>
-          <p:nvPr/>
-        </p:nvSpPr>
-        <p:spPr>
-          <a:xfrm>
-            <a:off x="6143084" y="5412138"/>
-            <a:ext cx="1704254" cy="646331"/>
-          </a:xfrm>
-          <a:prstGeom prst="rect">
-            <a:avLst/>
-          </a:prstGeom>
-          <a:noFill/>
-        </p:spPr>
-        <p:txBody>
-          <a:bodyPr wrap="square" rtlCol="0">
-            <a:spAutoFit/>
-          </a:bodyPr>
-          <a:lstStyle/>
-          <a:p>
-            <a:pPr algn="ctr"/>
-            <a:r>
-              <a:rPr lang="en-US" dirty="0" smtClean="0">
-                <a:solidFill>
-                  <a:schemeClr val="accent6"/>
-                </a:solidFill>
-              </a:rPr>
-              <a:t>No communication</a:t>
-            </a:r>
-            <a:endParaRPr lang="en-US" dirty="0">
-              <a:solidFill>
-                <a:schemeClr val="accent6"/>
-              </a:solidFill>
-            </a:endParaRPr>
-          </a:p>
-        </p:txBody>
-      </p:sp>
-      <p:cxnSp>
-        <p:nvCxnSpPr>
-          <p:cNvPr id="57" name="Curved Connector 56"/>
-          <p:cNvCxnSpPr/>
-          <p:nvPr/>
-        </p:nvCxnSpPr>
-        <p:spPr>
-          <a:xfrm rot="10800000" flipV="1">
-            <a:off x="6360584" y="3514732"/>
-            <a:ext cx="1555215" cy="1512357"/>
-          </a:xfrm>
-          <a:prstGeom prst="curvedConnector3">
-            <a:avLst>
-              <a:gd name="adj1" fmla="val 99677"/>
-            </a:avLst>
-          </a:prstGeom>
-          <a:ln w="50800">
-            <a:solidFill>
-              <a:schemeClr val="accent2"/>
-            </a:solidFill>
-            <a:tailEnd type="arrow"/>
-          </a:ln>
-        </p:spPr>
-        <p:style>
-          <a:lnRef idx="2">
-            <a:schemeClr val="accent1"/>
-          </a:lnRef>
-          <a:fillRef idx="0">
-            <a:schemeClr val="accent1"/>
-          </a:fillRef>
-          <a:effectRef idx="1">
-            <a:schemeClr val="accent1"/>
-          </a:effectRef>
-          <a:fontRef idx="minor">
-            <a:schemeClr val="tx1"/>
-          </a:fontRef>
-        </p:style>
-      </p:cxnSp>
-      <p:sp>
-        <p:nvSpPr>
-          <p:cNvPr id="64" name="TextBox 63"/>
-          <p:cNvSpPr txBox="1"/>
-          <p:nvPr/>
-        </p:nvSpPr>
-        <p:spPr>
-          <a:xfrm>
-            <a:off x="6334495" y="2860996"/>
-            <a:ext cx="1427842" cy="646331"/>
-          </a:xfrm>
-          <a:prstGeom prst="rect">
-            <a:avLst/>
-          </a:prstGeom>
-          <a:noFill/>
-        </p:spPr>
-        <p:txBody>
-          <a:bodyPr wrap="square" rtlCol="0">
-            <a:spAutoFit/>
-          </a:bodyPr>
-          <a:lstStyle/>
-          <a:p>
-            <a:pPr algn="ctr"/>
-            <a:r>
-              <a:rPr lang="en-US" dirty="0" smtClean="0">
-                <a:solidFill>
-                  <a:schemeClr val="accent2"/>
-                </a:solidFill>
-              </a:rPr>
-              <a:t>Message</a:t>
-            </a:r>
-          </a:p>
-          <a:p>
-            <a:pPr algn="ctr"/>
-            <a:r>
-              <a:rPr lang="en-US" dirty="0" smtClean="0">
-                <a:solidFill>
-                  <a:schemeClr val="accent2"/>
-                </a:solidFill>
-              </a:rPr>
-              <a:t>or RDMA</a:t>
-            </a:r>
-            <a:endParaRPr lang="en-US" dirty="0">
-              <a:solidFill>
-                <a:schemeClr val="accent2"/>
-              </a:solidFill>
-            </a:endParaRPr>
           </a:p>
         </p:txBody>
       </p:sp>
     </p:spTree>
     <p:extLst>
       <p:ext uri="{BB962C8B-B14F-4D97-AF65-F5344CB8AC3E}">
-        <p14:creationId xmlns:p14="http://schemas.microsoft.com/office/powerpoint/2010/main" val="646048334"/>
+        <p14:creationId xmlns:p14="http://schemas.microsoft.com/office/powerpoint/2010/main" val="3403534584"/>
       </p:ext>
     </p:extLst>
   </p:cSld>
@@ -18185,6 +16729,111 @@
           <a:chExt cx="0" cy="0"/>
         </a:xfrm>
       </p:grpSpPr>
+      <p:cxnSp>
+        <p:nvCxnSpPr>
+          <p:cNvPr id="51" name="Straight Connector 50"/>
+          <p:cNvCxnSpPr/>
+          <p:nvPr/>
+        </p:nvCxnSpPr>
+        <p:spPr>
+          <a:xfrm flipH="1" flipV="1">
+            <a:off x="7566546" y="5247924"/>
+            <a:ext cx="349250" cy="383815"/>
+          </a:xfrm>
+          <a:prstGeom prst="line">
+            <a:avLst/>
+          </a:prstGeom>
+          <a:ln w="101600">
+            <a:solidFill>
+              <a:schemeClr val="accent5"/>
+            </a:solidFill>
+          </a:ln>
+        </p:spPr>
+        <p:style>
+          <a:lnRef idx="2">
+            <a:schemeClr val="accent1"/>
+          </a:lnRef>
+          <a:fillRef idx="0">
+            <a:schemeClr val="accent1"/>
+          </a:fillRef>
+          <a:effectRef idx="1">
+            <a:schemeClr val="accent1"/>
+          </a:effectRef>
+          <a:fontRef idx="minor">
+            <a:schemeClr val="tx1"/>
+          </a:fontRef>
+        </p:style>
+      </p:cxnSp>
+      <p:cxnSp>
+        <p:nvCxnSpPr>
+          <p:cNvPr id="52" name="Straight Connector 51"/>
+          <p:cNvCxnSpPr/>
+          <p:nvPr/>
+        </p:nvCxnSpPr>
+        <p:spPr>
+          <a:xfrm flipV="1">
+            <a:off x="6011333" y="5258507"/>
+            <a:ext cx="349250" cy="383815"/>
+          </a:xfrm>
+          <a:prstGeom prst="line">
+            <a:avLst/>
+          </a:prstGeom>
+          <a:ln w="101600">
+            <a:solidFill>
+              <a:schemeClr val="accent5"/>
+            </a:solidFill>
+          </a:ln>
+        </p:spPr>
+        <p:style>
+          <a:lnRef idx="2">
+            <a:schemeClr val="accent1"/>
+          </a:lnRef>
+          <a:fillRef idx="0">
+            <a:schemeClr val="accent1"/>
+          </a:fillRef>
+          <a:effectRef idx="1">
+            <a:schemeClr val="accent1"/>
+          </a:effectRef>
+          <a:fontRef idx="minor">
+            <a:schemeClr val="tx1"/>
+          </a:fontRef>
+        </p:style>
+      </p:cxnSp>
+      <p:cxnSp>
+        <p:nvCxnSpPr>
+          <p:cNvPr id="49" name="Straight Connector 48"/>
+          <p:cNvCxnSpPr/>
+          <p:nvPr/>
+        </p:nvCxnSpPr>
+        <p:spPr>
+          <a:xfrm>
+            <a:off x="6011333" y="3616685"/>
+            <a:ext cx="349250" cy="383815"/>
+          </a:xfrm>
+          <a:prstGeom prst="line">
+            <a:avLst/>
+          </a:prstGeom>
+          <a:ln w="101600">
+            <a:solidFill>
+              <a:schemeClr val="accent5"/>
+            </a:solidFill>
+          </a:ln>
+        </p:spPr>
+        <p:style>
+          <a:lnRef idx="2">
+            <a:schemeClr val="accent1"/>
+          </a:lnRef>
+          <a:fillRef idx="0">
+            <a:schemeClr val="accent1"/>
+          </a:fillRef>
+          <a:effectRef idx="1">
+            <a:schemeClr val="accent1"/>
+          </a:effectRef>
+          <a:fontRef idx="minor">
+            <a:schemeClr val="tx1"/>
+          </a:fontRef>
+        </p:style>
+      </p:cxnSp>
       <p:sp>
         <p:nvSpPr>
           <p:cNvPr id="2" name="Title 1"/>
@@ -18202,192 +16851,1314 @@
           <a:p>
             <a:r>
               <a:rPr lang="en-US" dirty="0" smtClean="0"/>
-              <a:t>Types of scaling</a:t>
+              <a:t>Distributed programming models</a:t>
             </a:r>
             <a:endParaRPr lang="en-US" dirty="0"/>
           </a:p>
         </p:txBody>
       </p:sp>
-      <p:sp>
-        <p:nvSpPr>
-          <p:cNvPr id="3" name="Content Placeholder 2"/>
-          <p:cNvSpPr>
-            <a:spLocks noGrp="1"/>
-          </p:cNvSpPr>
-          <p:nvPr>
-            <p:ph idx="1"/>
-          </p:nvPr>
-        </p:nvSpPr>
-        <p:spPr>
-          <a:xfrm>
-            <a:off x="628650" y="1635131"/>
-            <a:ext cx="7886700" cy="4351338"/>
-          </a:xfrm>
-        </p:spPr>
-        <p:txBody>
-          <a:bodyPr numCol="2" spcCol="365760">
-            <a:normAutofit/>
+      <p:cxnSp>
+        <p:nvCxnSpPr>
+          <p:cNvPr id="50" name="Straight Connector 49"/>
+          <p:cNvCxnSpPr/>
+          <p:nvPr/>
+        </p:nvCxnSpPr>
+        <p:spPr>
+          <a:xfrm flipH="1">
+            <a:off x="7555963" y="3649845"/>
+            <a:ext cx="349250" cy="383815"/>
+          </a:xfrm>
+          <a:prstGeom prst="line">
+            <a:avLst/>
+          </a:prstGeom>
+          <a:ln w="101600">
+            <a:solidFill>
+              <a:schemeClr val="accent5"/>
+            </a:solidFill>
+          </a:ln>
+        </p:spPr>
+        <p:style>
+          <a:lnRef idx="2">
+            <a:schemeClr val="accent1"/>
+          </a:lnRef>
+          <a:fillRef idx="0">
+            <a:schemeClr val="accent1"/>
+          </a:fillRef>
+          <a:effectRef idx="1">
+            <a:schemeClr val="accent1"/>
+          </a:effectRef>
+          <a:fontRef idx="minor">
+            <a:schemeClr val="tx1"/>
+          </a:fontRef>
+        </p:style>
+      </p:cxnSp>
+      <p:sp>
+        <p:nvSpPr>
+          <p:cNvPr id="4" name="TextBox 3"/>
+          <p:cNvSpPr txBox="1"/>
+          <p:nvPr/>
+        </p:nvSpPr>
+        <p:spPr>
+          <a:xfrm>
+            <a:off x="1189376" y="1724843"/>
+            <a:ext cx="2634054" cy="523220"/>
+          </a:xfrm>
+          <a:prstGeom prst="rect">
+            <a:avLst/>
+          </a:prstGeom>
+          <a:noFill/>
+        </p:spPr>
+        <p:txBody>
+          <a:bodyPr wrap="none" rtlCol="0">
+            <a:spAutoFit/>
           </a:bodyPr>
           <a:lstStyle/>
           <a:p>
             <a:r>
-              <a:rPr lang="en-US" sz="2000" b="1" dirty="0" smtClean="0">
+              <a:rPr lang="en-US" sz="2800" dirty="0" smtClean="0"/>
+              <a:t>Message Passing</a:t>
+            </a:r>
+            <a:endParaRPr lang="en-US" sz="2800" dirty="0"/>
+          </a:p>
+        </p:txBody>
+      </p:sp>
+      <p:sp>
+        <p:nvSpPr>
+          <p:cNvPr id="5" name="TextBox 4"/>
+          <p:cNvSpPr txBox="1"/>
+          <p:nvPr/>
+        </p:nvSpPr>
+        <p:spPr>
+          <a:xfrm>
+            <a:off x="5403842" y="1687555"/>
+            <a:ext cx="2919639" cy="830997"/>
+          </a:xfrm>
+          <a:prstGeom prst="rect">
+            <a:avLst/>
+          </a:prstGeom>
+          <a:noFill/>
+        </p:spPr>
+        <p:txBody>
+          <a:bodyPr wrap="none" rtlCol="0">
+            <a:spAutoFit/>
+          </a:bodyPr>
+          <a:lstStyle/>
+          <a:p>
+            <a:pPr algn="ctr"/>
+            <a:r>
+              <a:rPr lang="en-US" sz="2400" dirty="0" smtClean="0"/>
+              <a:t>Partitioned Global</a:t>
+            </a:r>
+          </a:p>
+          <a:p>
+            <a:pPr algn="ctr"/>
+            <a:r>
+              <a:rPr lang="en-US" sz="2400" dirty="0" smtClean="0"/>
+              <a:t>Address Space (PGAS)</a:t>
+            </a:r>
+            <a:endParaRPr lang="en-US" sz="2400" dirty="0"/>
+          </a:p>
+        </p:txBody>
+      </p:sp>
+      <p:cxnSp>
+        <p:nvCxnSpPr>
+          <p:cNvPr id="7" name="Straight Connector 6"/>
+          <p:cNvCxnSpPr>
+            <a:stCxn id="8" idx="2"/>
+          </p:cNvCxnSpPr>
+          <p:nvPr/>
+        </p:nvCxnSpPr>
+        <p:spPr>
+          <a:xfrm>
+            <a:off x="1396983" y="3217471"/>
+            <a:ext cx="0" cy="3079619"/>
+          </a:xfrm>
+          <a:prstGeom prst="line">
+            <a:avLst/>
+          </a:prstGeom>
+        </p:spPr>
+        <p:style>
+          <a:lnRef idx="3">
+            <a:schemeClr val="accent1"/>
+          </a:lnRef>
+          <a:fillRef idx="0">
+            <a:schemeClr val="accent1"/>
+          </a:fillRef>
+          <a:effectRef idx="2">
+            <a:schemeClr val="accent1"/>
+          </a:effectRef>
+          <a:fontRef idx="minor">
+            <a:schemeClr val="tx1"/>
+          </a:fontRef>
+        </p:style>
+      </p:cxnSp>
+      <p:sp>
+        <p:nvSpPr>
+          <p:cNvPr id="8" name="Rectangle 7"/>
+          <p:cNvSpPr/>
+          <p:nvPr/>
+        </p:nvSpPr>
+        <p:spPr>
+          <a:xfrm>
+            <a:off x="1009096" y="2569068"/>
+            <a:ext cx="775773" cy="648403"/>
+          </a:xfrm>
+          <a:prstGeom prst="rect">
+            <a:avLst/>
+          </a:prstGeom>
+        </p:spPr>
+        <p:style>
+          <a:lnRef idx="1">
+            <a:schemeClr val="accent1"/>
+          </a:lnRef>
+          <a:fillRef idx="3">
+            <a:schemeClr val="accent1"/>
+          </a:fillRef>
+          <a:effectRef idx="2">
+            <a:schemeClr val="accent1"/>
+          </a:effectRef>
+          <a:fontRef idx="minor">
+            <a:schemeClr val="lt1"/>
+          </a:fontRef>
+        </p:style>
+        <p:txBody>
+          <a:bodyPr rtlCol="0" anchor="ctr"/>
+          <a:lstStyle/>
+          <a:p>
+            <a:pPr algn="ctr"/>
+            <a:r>
+              <a:rPr lang="en-US" dirty="0" smtClean="0"/>
+              <a:t>Node 1</a:t>
+            </a:r>
+            <a:endParaRPr lang="en-US" dirty="0"/>
+          </a:p>
+        </p:txBody>
+      </p:sp>
+      <p:sp>
+        <p:nvSpPr>
+          <p:cNvPr id="9" name="Rectangle 8"/>
+          <p:cNvSpPr/>
+          <p:nvPr/>
+        </p:nvSpPr>
+        <p:spPr>
+          <a:xfrm>
+            <a:off x="1937269" y="2569068"/>
+            <a:ext cx="775773" cy="648403"/>
+          </a:xfrm>
+          <a:prstGeom prst="rect">
+            <a:avLst/>
+          </a:prstGeom>
+        </p:spPr>
+        <p:style>
+          <a:lnRef idx="1">
+            <a:schemeClr val="accent1"/>
+          </a:lnRef>
+          <a:fillRef idx="3">
+            <a:schemeClr val="accent1"/>
+          </a:fillRef>
+          <a:effectRef idx="2">
+            <a:schemeClr val="accent1"/>
+          </a:effectRef>
+          <a:fontRef idx="minor">
+            <a:schemeClr val="lt1"/>
+          </a:fontRef>
+        </p:style>
+        <p:txBody>
+          <a:bodyPr rtlCol="0" anchor="ctr"/>
+          <a:lstStyle/>
+          <a:p>
+            <a:pPr algn="ctr"/>
+            <a:r>
+              <a:rPr lang="en-US" dirty="0" smtClean="0"/>
+              <a:t>Node 2</a:t>
+            </a:r>
+            <a:endParaRPr lang="en-US" dirty="0"/>
+          </a:p>
+        </p:txBody>
+      </p:sp>
+      <p:sp>
+        <p:nvSpPr>
+          <p:cNvPr id="10" name="Rectangle 9"/>
+          <p:cNvSpPr/>
+          <p:nvPr/>
+        </p:nvSpPr>
+        <p:spPr>
+          <a:xfrm>
+            <a:off x="2865413" y="2569068"/>
+            <a:ext cx="775773" cy="648403"/>
+          </a:xfrm>
+          <a:prstGeom prst="rect">
+            <a:avLst/>
+          </a:prstGeom>
+        </p:spPr>
+        <p:style>
+          <a:lnRef idx="1">
+            <a:schemeClr val="accent1"/>
+          </a:lnRef>
+          <a:fillRef idx="3">
+            <a:schemeClr val="accent1"/>
+          </a:fillRef>
+          <a:effectRef idx="2">
+            <a:schemeClr val="accent1"/>
+          </a:effectRef>
+          <a:fontRef idx="minor">
+            <a:schemeClr val="lt1"/>
+          </a:fontRef>
+        </p:style>
+        <p:txBody>
+          <a:bodyPr rtlCol="0" anchor="ctr"/>
+          <a:lstStyle/>
+          <a:p>
+            <a:pPr algn="ctr"/>
+            <a:r>
+              <a:rPr lang="en-US" dirty="0" smtClean="0"/>
+              <a:t>Node 3</a:t>
+            </a:r>
+            <a:endParaRPr lang="en-US" dirty="0"/>
+          </a:p>
+        </p:txBody>
+      </p:sp>
+      <p:sp>
+        <p:nvSpPr>
+          <p:cNvPr id="11" name="Rectangle 10"/>
+          <p:cNvSpPr/>
+          <p:nvPr/>
+        </p:nvSpPr>
+        <p:spPr>
+          <a:xfrm>
+            <a:off x="3807330" y="2569068"/>
+            <a:ext cx="775773" cy="648403"/>
+          </a:xfrm>
+          <a:prstGeom prst="rect">
+            <a:avLst/>
+          </a:prstGeom>
+        </p:spPr>
+        <p:style>
+          <a:lnRef idx="1">
+            <a:schemeClr val="accent1"/>
+          </a:lnRef>
+          <a:fillRef idx="3">
+            <a:schemeClr val="accent1"/>
+          </a:fillRef>
+          <a:effectRef idx="2">
+            <a:schemeClr val="accent1"/>
+          </a:effectRef>
+          <a:fontRef idx="minor">
+            <a:schemeClr val="lt1"/>
+          </a:fontRef>
+        </p:style>
+        <p:txBody>
+          <a:bodyPr rtlCol="0" anchor="ctr"/>
+          <a:lstStyle/>
+          <a:p>
+            <a:pPr algn="ctr"/>
+            <a:r>
+              <a:rPr lang="en-US" dirty="0" smtClean="0"/>
+              <a:t>Node 4</a:t>
+            </a:r>
+            <a:endParaRPr lang="en-US" dirty="0"/>
+          </a:p>
+        </p:txBody>
+      </p:sp>
+      <p:cxnSp>
+        <p:nvCxnSpPr>
+          <p:cNvPr id="14" name="Straight Connector 13"/>
+          <p:cNvCxnSpPr/>
+          <p:nvPr/>
+        </p:nvCxnSpPr>
+        <p:spPr>
+          <a:xfrm>
+            <a:off x="2321966" y="3217471"/>
+            <a:ext cx="0" cy="3079619"/>
+          </a:xfrm>
+          <a:prstGeom prst="line">
+            <a:avLst/>
+          </a:prstGeom>
+        </p:spPr>
+        <p:style>
+          <a:lnRef idx="3">
+            <a:schemeClr val="accent1"/>
+          </a:lnRef>
+          <a:fillRef idx="0">
+            <a:schemeClr val="accent1"/>
+          </a:fillRef>
+          <a:effectRef idx="2">
+            <a:schemeClr val="accent1"/>
+          </a:effectRef>
+          <a:fontRef idx="minor">
+            <a:schemeClr val="tx1"/>
+          </a:fontRef>
+        </p:style>
+      </p:cxnSp>
+      <p:cxnSp>
+        <p:nvCxnSpPr>
+          <p:cNvPr id="15" name="Straight Connector 14"/>
+          <p:cNvCxnSpPr/>
+          <p:nvPr/>
+        </p:nvCxnSpPr>
+        <p:spPr>
+          <a:xfrm>
+            <a:off x="3253300" y="3217471"/>
+            <a:ext cx="0" cy="3079619"/>
+          </a:xfrm>
+          <a:prstGeom prst="line">
+            <a:avLst/>
+          </a:prstGeom>
+        </p:spPr>
+        <p:style>
+          <a:lnRef idx="3">
+            <a:schemeClr val="accent1"/>
+          </a:lnRef>
+          <a:fillRef idx="0">
+            <a:schemeClr val="accent1"/>
+          </a:fillRef>
+          <a:effectRef idx="2">
+            <a:schemeClr val="accent1"/>
+          </a:effectRef>
+          <a:fontRef idx="minor">
+            <a:schemeClr val="tx1"/>
+          </a:fontRef>
+        </p:style>
+      </p:cxnSp>
+      <p:cxnSp>
+        <p:nvCxnSpPr>
+          <p:cNvPr id="16" name="Straight Connector 15"/>
+          <p:cNvCxnSpPr/>
+          <p:nvPr/>
+        </p:nvCxnSpPr>
+        <p:spPr>
+          <a:xfrm>
+            <a:off x="4185550" y="3217471"/>
+            <a:ext cx="0" cy="3079619"/>
+          </a:xfrm>
+          <a:prstGeom prst="line">
+            <a:avLst/>
+          </a:prstGeom>
+        </p:spPr>
+        <p:style>
+          <a:lnRef idx="3">
+            <a:schemeClr val="accent1"/>
+          </a:lnRef>
+          <a:fillRef idx="0">
+            <a:schemeClr val="accent1"/>
+          </a:fillRef>
+          <a:effectRef idx="2">
+            <a:schemeClr val="accent1"/>
+          </a:effectRef>
+          <a:fontRef idx="minor">
+            <a:schemeClr val="tx1"/>
+          </a:fontRef>
+        </p:style>
+      </p:cxnSp>
+      <p:cxnSp>
+        <p:nvCxnSpPr>
+          <p:cNvPr id="17" name="Straight Arrow Connector 16"/>
+          <p:cNvCxnSpPr/>
+          <p:nvPr/>
+        </p:nvCxnSpPr>
+        <p:spPr>
+          <a:xfrm>
+            <a:off x="1396983" y="3627268"/>
+            <a:ext cx="924983" cy="182736"/>
+          </a:xfrm>
+          <a:prstGeom prst="straightConnector1">
+            <a:avLst/>
+          </a:prstGeom>
+          <a:ln w="50800">
+            <a:solidFill>
+              <a:schemeClr val="accent6"/>
+            </a:solidFill>
+            <a:tailEnd type="arrow"/>
+          </a:ln>
+        </p:spPr>
+        <p:style>
+          <a:lnRef idx="2">
+            <a:schemeClr val="accent1"/>
+          </a:lnRef>
+          <a:fillRef idx="0">
+            <a:schemeClr val="accent1"/>
+          </a:fillRef>
+          <a:effectRef idx="1">
+            <a:schemeClr val="accent1"/>
+          </a:effectRef>
+          <a:fontRef idx="minor">
+            <a:schemeClr val="tx1"/>
+          </a:fontRef>
+        </p:style>
+      </p:cxnSp>
+      <p:cxnSp>
+        <p:nvCxnSpPr>
+          <p:cNvPr id="19" name="Straight Arrow Connector 18"/>
+          <p:cNvCxnSpPr/>
+          <p:nvPr/>
+        </p:nvCxnSpPr>
+        <p:spPr>
+          <a:xfrm flipH="1">
+            <a:off x="2321966" y="3871036"/>
+            <a:ext cx="1853001" cy="415218"/>
+          </a:xfrm>
+          <a:prstGeom prst="straightConnector1">
+            <a:avLst/>
+          </a:prstGeom>
+          <a:ln w="50800">
+            <a:solidFill>
+              <a:schemeClr val="accent6"/>
+            </a:solidFill>
+            <a:tailEnd type="arrow"/>
+          </a:ln>
+        </p:spPr>
+        <p:style>
+          <a:lnRef idx="2">
+            <a:schemeClr val="accent1"/>
+          </a:lnRef>
+          <a:fillRef idx="0">
+            <a:schemeClr val="accent1"/>
+          </a:fillRef>
+          <a:effectRef idx="1">
+            <a:schemeClr val="accent1"/>
+          </a:effectRef>
+          <a:fontRef idx="minor">
+            <a:schemeClr val="tx1"/>
+          </a:fontRef>
+        </p:style>
+      </p:cxnSp>
+      <p:cxnSp>
+        <p:nvCxnSpPr>
+          <p:cNvPr id="21" name="Straight Arrow Connector 20"/>
+          <p:cNvCxnSpPr/>
+          <p:nvPr/>
+        </p:nvCxnSpPr>
+        <p:spPr>
+          <a:xfrm>
+            <a:off x="3239401" y="3535900"/>
+            <a:ext cx="946149" cy="655104"/>
+          </a:xfrm>
+          <a:prstGeom prst="straightConnector1">
+            <a:avLst/>
+          </a:prstGeom>
+          <a:ln w="50800">
+            <a:solidFill>
+              <a:schemeClr val="accent6"/>
+            </a:solidFill>
+            <a:tailEnd type="arrow"/>
+          </a:ln>
+        </p:spPr>
+        <p:style>
+          <a:lnRef idx="2">
+            <a:schemeClr val="accent1"/>
+          </a:lnRef>
+          <a:fillRef idx="0">
+            <a:schemeClr val="accent1"/>
+          </a:fillRef>
+          <a:effectRef idx="1">
+            <a:schemeClr val="accent1"/>
+          </a:effectRef>
+          <a:fontRef idx="minor">
+            <a:schemeClr val="tx1"/>
+          </a:fontRef>
+        </p:style>
+      </p:cxnSp>
+      <p:cxnSp>
+        <p:nvCxnSpPr>
+          <p:cNvPr id="23" name="Straight Arrow Connector 22"/>
+          <p:cNvCxnSpPr/>
+          <p:nvPr/>
+        </p:nvCxnSpPr>
+        <p:spPr>
+          <a:xfrm flipH="1">
+            <a:off x="1396983" y="5737577"/>
+            <a:ext cx="917435" cy="273757"/>
+          </a:xfrm>
+          <a:prstGeom prst="straightConnector1">
+            <a:avLst/>
+          </a:prstGeom>
+          <a:ln w="50800">
+            <a:solidFill>
+              <a:schemeClr val="accent1"/>
+            </a:solidFill>
+            <a:tailEnd type="arrow"/>
+          </a:ln>
+        </p:spPr>
+        <p:style>
+          <a:lnRef idx="2">
+            <a:schemeClr val="accent1"/>
+          </a:lnRef>
+          <a:fillRef idx="0">
+            <a:schemeClr val="accent1"/>
+          </a:fillRef>
+          <a:effectRef idx="1">
+            <a:schemeClr val="accent1"/>
+          </a:effectRef>
+          <a:fontRef idx="minor">
+            <a:schemeClr val="tx1"/>
+          </a:fontRef>
+        </p:style>
+      </p:cxnSp>
+      <p:cxnSp>
+        <p:nvCxnSpPr>
+          <p:cNvPr id="25" name="Straight Arrow Connector 24"/>
+          <p:cNvCxnSpPr/>
+          <p:nvPr/>
+        </p:nvCxnSpPr>
+        <p:spPr>
+          <a:xfrm>
+            <a:off x="2321966" y="5737577"/>
+            <a:ext cx="931334" cy="273757"/>
+          </a:xfrm>
+          <a:prstGeom prst="straightConnector1">
+            <a:avLst/>
+          </a:prstGeom>
+          <a:ln w="50800">
+            <a:solidFill>
+              <a:schemeClr val="accent1"/>
+            </a:solidFill>
+            <a:tailEnd type="arrow"/>
+          </a:ln>
+        </p:spPr>
+        <p:style>
+          <a:lnRef idx="2">
+            <a:schemeClr val="accent1"/>
+          </a:lnRef>
+          <a:fillRef idx="0">
+            <a:schemeClr val="accent1"/>
+          </a:fillRef>
+          <a:effectRef idx="1">
+            <a:schemeClr val="accent1"/>
+          </a:effectRef>
+          <a:fontRef idx="minor">
+            <a:schemeClr val="tx1"/>
+          </a:fontRef>
+        </p:style>
+      </p:cxnSp>
+      <p:cxnSp>
+        <p:nvCxnSpPr>
+          <p:cNvPr id="28" name="Straight Arrow Connector 27"/>
+          <p:cNvCxnSpPr/>
+          <p:nvPr/>
+        </p:nvCxnSpPr>
+        <p:spPr>
+          <a:xfrm>
+            <a:off x="2314418" y="5737577"/>
+            <a:ext cx="1871132" cy="273757"/>
+          </a:xfrm>
+          <a:prstGeom prst="straightConnector1">
+            <a:avLst/>
+          </a:prstGeom>
+          <a:ln w="50800">
+            <a:solidFill>
+              <a:schemeClr val="accent1"/>
+            </a:solidFill>
+            <a:tailEnd type="arrow"/>
+          </a:ln>
+        </p:spPr>
+        <p:style>
+          <a:lnRef idx="2">
+            <a:schemeClr val="accent1"/>
+          </a:lnRef>
+          <a:fillRef idx="0">
+            <a:schemeClr val="accent1"/>
+          </a:fillRef>
+          <a:effectRef idx="1">
+            <a:schemeClr val="accent1"/>
+          </a:effectRef>
+          <a:fontRef idx="minor">
+            <a:schemeClr val="tx1"/>
+          </a:fontRef>
+        </p:style>
+      </p:cxnSp>
+      <p:cxnSp>
+        <p:nvCxnSpPr>
+          <p:cNvPr id="31" name="Straight Arrow Connector 30"/>
+          <p:cNvCxnSpPr/>
+          <p:nvPr/>
+        </p:nvCxnSpPr>
+        <p:spPr>
+          <a:xfrm flipH="1">
+            <a:off x="1269989" y="5027090"/>
+            <a:ext cx="3046795" cy="0"/>
+          </a:xfrm>
+          <a:prstGeom prst="straightConnector1">
+            <a:avLst/>
+          </a:prstGeom>
+          <a:ln w="50800">
+            <a:solidFill>
+              <a:schemeClr val="accent2"/>
+            </a:solidFill>
+            <a:prstDash val="dash"/>
+            <a:tailEnd type="none"/>
+          </a:ln>
+        </p:spPr>
+        <p:style>
+          <a:lnRef idx="2">
+            <a:schemeClr val="accent1"/>
+          </a:lnRef>
+          <a:fillRef idx="0">
+            <a:schemeClr val="accent1"/>
+          </a:fillRef>
+          <a:effectRef idx="1">
+            <a:schemeClr val="accent1"/>
+          </a:effectRef>
+          <a:fontRef idx="minor">
+            <a:schemeClr val="tx1"/>
+          </a:fontRef>
+        </p:style>
+      </p:cxnSp>
+      <p:sp>
+        <p:nvSpPr>
+          <p:cNvPr id="34" name="TextBox 33"/>
+          <p:cNvSpPr txBox="1"/>
+          <p:nvPr/>
+        </p:nvSpPr>
+        <p:spPr>
+          <a:xfrm>
+            <a:off x="188044" y="3514733"/>
+            <a:ext cx="1050540" cy="923330"/>
+          </a:xfrm>
+          <a:prstGeom prst="rect">
+            <a:avLst/>
+          </a:prstGeom>
+          <a:noFill/>
+        </p:spPr>
+        <p:txBody>
+          <a:bodyPr wrap="square" rtlCol="0">
+            <a:spAutoFit/>
+          </a:bodyPr>
+          <a:lstStyle/>
+          <a:p>
+            <a:pPr algn="ctr"/>
+            <a:r>
+              <a:rPr lang="en-US" dirty="0" smtClean="0">
+                <a:solidFill>
+                  <a:schemeClr val="accent6"/>
+                </a:solidFill>
+              </a:rPr>
+              <a:t>Point-to-point (P2P)</a:t>
+            </a:r>
+            <a:endParaRPr lang="en-US" dirty="0">
+              <a:solidFill>
+                <a:schemeClr val="accent6"/>
+              </a:solidFill>
+            </a:endParaRPr>
+          </a:p>
+        </p:txBody>
+      </p:sp>
+      <p:sp>
+        <p:nvSpPr>
+          <p:cNvPr id="35" name="TextBox 34"/>
+          <p:cNvSpPr txBox="1"/>
+          <p:nvPr/>
+        </p:nvSpPr>
+        <p:spPr>
+          <a:xfrm>
+            <a:off x="-607" y="4598225"/>
+            <a:ext cx="1427842" cy="923330"/>
+          </a:xfrm>
+          <a:prstGeom prst="rect">
+            <a:avLst/>
+          </a:prstGeom>
+          <a:noFill/>
+        </p:spPr>
+        <p:txBody>
+          <a:bodyPr wrap="square" rtlCol="0">
+            <a:spAutoFit/>
+          </a:bodyPr>
+          <a:lstStyle/>
+          <a:p>
+            <a:pPr algn="ctr"/>
+            <a:r>
+              <a:rPr lang="en-US" dirty="0" err="1" smtClean="0">
                 <a:solidFill>
                   <a:schemeClr val="accent2"/>
                 </a:solidFill>
               </a:rPr>
-              <a:t>Strong scaling</a:t>
-            </a:r>
-            <a:r>
-              <a:rPr lang="en-US" sz="2000" dirty="0" smtClean="0"/>
-              <a:t> measures how much faster multiple processors can do the same work. The quantity usually measures is </a:t>
-            </a:r>
-            <a:r>
-              <a:rPr lang="en-US" sz="2000" b="1" dirty="0" smtClean="0">
+              <a:t>Synchron-ization</a:t>
+            </a:r>
+            <a:endParaRPr lang="en-US" dirty="0">
+              <a:solidFill>
+                <a:schemeClr val="accent2"/>
+              </a:solidFill>
+            </a:endParaRPr>
+          </a:p>
+          <a:p>
+            <a:pPr algn="ctr"/>
+            <a:r>
+              <a:rPr lang="en-US" dirty="0" smtClean="0">
+                <a:solidFill>
+                  <a:schemeClr val="accent2"/>
+                </a:solidFill>
+              </a:rPr>
+              <a:t>(e.g. barrier)</a:t>
+            </a:r>
+            <a:endParaRPr lang="en-US" dirty="0">
+              <a:solidFill>
+                <a:schemeClr val="accent2"/>
+              </a:solidFill>
+            </a:endParaRPr>
+          </a:p>
+        </p:txBody>
+      </p:sp>
+      <p:sp>
+        <p:nvSpPr>
+          <p:cNvPr id="36" name="TextBox 35"/>
+          <p:cNvSpPr txBox="1"/>
+          <p:nvPr/>
+        </p:nvSpPr>
+        <p:spPr>
+          <a:xfrm>
+            <a:off x="49522" y="5667178"/>
+            <a:ext cx="1315712" cy="646331"/>
+          </a:xfrm>
+          <a:prstGeom prst="rect">
+            <a:avLst/>
+          </a:prstGeom>
+          <a:noFill/>
+        </p:spPr>
+        <p:txBody>
+          <a:bodyPr wrap="square" rtlCol="0">
+            <a:spAutoFit/>
+          </a:bodyPr>
+          <a:lstStyle/>
+          <a:p>
+            <a:pPr algn="ctr"/>
+            <a:r>
+              <a:rPr lang="en-US" dirty="0" smtClean="0">
+                <a:solidFill>
+                  <a:schemeClr val="accent1"/>
+                </a:solidFill>
+              </a:rPr>
+              <a:t>Collectives</a:t>
+            </a:r>
+          </a:p>
+          <a:p>
+            <a:pPr algn="ctr"/>
+            <a:r>
+              <a:rPr lang="en-US" dirty="0" smtClean="0">
+                <a:solidFill>
+                  <a:schemeClr val="accent1"/>
+                </a:solidFill>
+              </a:rPr>
+              <a:t>(e.g. </a:t>
+            </a:r>
+            <a:r>
+              <a:rPr lang="en-US" dirty="0" err="1" smtClean="0">
+                <a:solidFill>
+                  <a:schemeClr val="accent1"/>
+                </a:solidFill>
+              </a:rPr>
+              <a:t>bcast</a:t>
+            </a:r>
+            <a:r>
+              <a:rPr lang="en-US" dirty="0" smtClean="0">
+                <a:solidFill>
+                  <a:schemeClr val="accent1"/>
+                </a:solidFill>
+              </a:rPr>
+              <a:t>)</a:t>
+            </a:r>
+            <a:endParaRPr lang="en-US" dirty="0">
+              <a:solidFill>
+                <a:schemeClr val="accent1"/>
+              </a:solidFill>
+            </a:endParaRPr>
+          </a:p>
+        </p:txBody>
+      </p:sp>
+      <p:sp>
+        <p:nvSpPr>
+          <p:cNvPr id="37" name="Rectangle 36"/>
+          <p:cNvSpPr/>
+          <p:nvPr/>
+        </p:nvSpPr>
+        <p:spPr>
+          <a:xfrm>
+            <a:off x="5335562" y="3078927"/>
+            <a:ext cx="775773" cy="648403"/>
+          </a:xfrm>
+          <a:prstGeom prst="rect">
+            <a:avLst/>
+          </a:prstGeom>
+        </p:spPr>
+        <p:style>
+          <a:lnRef idx="1">
+            <a:schemeClr val="accent1"/>
+          </a:lnRef>
+          <a:fillRef idx="3">
+            <a:schemeClr val="accent1"/>
+          </a:fillRef>
+          <a:effectRef idx="2">
+            <a:schemeClr val="accent1"/>
+          </a:effectRef>
+          <a:fontRef idx="minor">
+            <a:schemeClr val="lt1"/>
+          </a:fontRef>
+        </p:style>
+        <p:txBody>
+          <a:bodyPr rtlCol="0" anchor="ctr"/>
+          <a:lstStyle/>
+          <a:p>
+            <a:pPr algn="ctr"/>
+            <a:r>
+              <a:rPr lang="en-US" dirty="0" smtClean="0"/>
+              <a:t>Node 1</a:t>
+            </a:r>
+            <a:endParaRPr lang="en-US" dirty="0"/>
+          </a:p>
+        </p:txBody>
+      </p:sp>
+      <p:sp>
+        <p:nvSpPr>
+          <p:cNvPr id="38" name="Rectangle 37"/>
+          <p:cNvSpPr/>
+          <p:nvPr/>
+        </p:nvSpPr>
+        <p:spPr>
+          <a:xfrm>
+            <a:off x="7815252" y="3105867"/>
+            <a:ext cx="775773" cy="648403"/>
+          </a:xfrm>
+          <a:prstGeom prst="rect">
+            <a:avLst/>
+          </a:prstGeom>
+        </p:spPr>
+        <p:style>
+          <a:lnRef idx="1">
+            <a:schemeClr val="accent1"/>
+          </a:lnRef>
+          <a:fillRef idx="3">
+            <a:schemeClr val="accent1"/>
+          </a:fillRef>
+          <a:effectRef idx="2">
+            <a:schemeClr val="accent1"/>
+          </a:effectRef>
+          <a:fontRef idx="minor">
+            <a:schemeClr val="lt1"/>
+          </a:fontRef>
+        </p:style>
+        <p:txBody>
+          <a:bodyPr rtlCol="0" anchor="ctr"/>
+          <a:lstStyle/>
+          <a:p>
+            <a:pPr algn="ctr"/>
+            <a:r>
+              <a:rPr lang="en-US" dirty="0" smtClean="0"/>
+              <a:t>Node 2</a:t>
+            </a:r>
+            <a:endParaRPr lang="en-US" dirty="0"/>
+          </a:p>
+        </p:txBody>
+      </p:sp>
+      <p:sp>
+        <p:nvSpPr>
+          <p:cNvPr id="39" name="Rectangle 38"/>
+          <p:cNvSpPr/>
+          <p:nvPr/>
+        </p:nvSpPr>
+        <p:spPr>
+          <a:xfrm>
+            <a:off x="5335562" y="5521555"/>
+            <a:ext cx="775773" cy="648403"/>
+          </a:xfrm>
+          <a:prstGeom prst="rect">
+            <a:avLst/>
+          </a:prstGeom>
+        </p:spPr>
+        <p:style>
+          <a:lnRef idx="1">
+            <a:schemeClr val="accent1"/>
+          </a:lnRef>
+          <a:fillRef idx="3">
+            <a:schemeClr val="accent1"/>
+          </a:fillRef>
+          <a:effectRef idx="2">
+            <a:schemeClr val="accent1"/>
+          </a:effectRef>
+          <a:fontRef idx="minor">
+            <a:schemeClr val="lt1"/>
+          </a:fontRef>
+        </p:style>
+        <p:txBody>
+          <a:bodyPr rtlCol="0" anchor="ctr"/>
+          <a:lstStyle/>
+          <a:p>
+            <a:pPr algn="ctr"/>
+            <a:r>
+              <a:rPr lang="en-US" dirty="0" smtClean="0"/>
+              <a:t>Node 3</a:t>
+            </a:r>
+            <a:endParaRPr lang="en-US" dirty="0"/>
+          </a:p>
+        </p:txBody>
+      </p:sp>
+      <p:sp>
+        <p:nvSpPr>
+          <p:cNvPr id="40" name="Rectangle 39"/>
+          <p:cNvSpPr/>
+          <p:nvPr/>
+        </p:nvSpPr>
+        <p:spPr>
+          <a:xfrm>
+            <a:off x="7815252" y="5525441"/>
+            <a:ext cx="775773" cy="648403"/>
+          </a:xfrm>
+          <a:prstGeom prst="rect">
+            <a:avLst/>
+          </a:prstGeom>
+        </p:spPr>
+        <p:style>
+          <a:lnRef idx="1">
+            <a:schemeClr val="accent1"/>
+          </a:lnRef>
+          <a:fillRef idx="3">
+            <a:schemeClr val="accent1"/>
+          </a:fillRef>
+          <a:effectRef idx="2">
+            <a:schemeClr val="accent1"/>
+          </a:effectRef>
+          <a:fontRef idx="minor">
+            <a:schemeClr val="lt1"/>
+          </a:fontRef>
+        </p:style>
+        <p:txBody>
+          <a:bodyPr rtlCol="0" anchor="ctr"/>
+          <a:lstStyle/>
+          <a:p>
+            <a:pPr algn="ctr"/>
+            <a:r>
+              <a:rPr lang="en-US" dirty="0" smtClean="0"/>
+              <a:t>Node 4</a:t>
+            </a:r>
+            <a:endParaRPr lang="en-US" dirty="0"/>
+          </a:p>
+        </p:txBody>
+      </p:sp>
+      <p:sp>
+        <p:nvSpPr>
+          <p:cNvPr id="42" name="Rounded Rectangle 41"/>
+          <p:cNvSpPr/>
+          <p:nvPr/>
+        </p:nvSpPr>
+        <p:spPr>
+          <a:xfrm>
+            <a:off x="6159502" y="3862919"/>
+            <a:ext cx="1592252" cy="1587496"/>
+          </a:xfrm>
+          <a:prstGeom prst="roundRect">
+            <a:avLst/>
+          </a:prstGeom>
+        </p:spPr>
+        <p:style>
+          <a:lnRef idx="1">
+            <a:schemeClr val="accent1"/>
+          </a:lnRef>
+          <a:fillRef idx="3">
+            <a:schemeClr val="accent1"/>
+          </a:fillRef>
+          <a:effectRef idx="2">
+            <a:schemeClr val="accent1"/>
+          </a:effectRef>
+          <a:fontRef idx="minor">
+            <a:schemeClr val="lt1"/>
+          </a:fontRef>
+        </p:style>
+        <p:txBody>
+          <a:bodyPr rtlCol="0" anchor="ctr"/>
+          <a:lstStyle/>
+          <a:p>
+            <a:pPr algn="ctr"/>
+            <a:endParaRPr lang="en-US" dirty="0"/>
+          </a:p>
+        </p:txBody>
+      </p:sp>
+      <p:cxnSp>
+        <p:nvCxnSpPr>
+          <p:cNvPr id="45" name="Straight Connector 44"/>
+          <p:cNvCxnSpPr>
+            <a:stCxn id="42" idx="0"/>
+            <a:endCxn id="42" idx="2"/>
+          </p:cNvCxnSpPr>
+          <p:nvPr/>
+        </p:nvCxnSpPr>
+        <p:spPr>
+          <a:xfrm>
+            <a:off x="6955628" y="3862919"/>
+            <a:ext cx="0" cy="1587496"/>
+          </a:xfrm>
+          <a:prstGeom prst="line">
+            <a:avLst/>
+          </a:prstGeom>
+          <a:ln>
+            <a:solidFill>
+              <a:schemeClr val="bg1">
+                <a:lumMod val="65000"/>
+              </a:schemeClr>
+            </a:solidFill>
+          </a:ln>
+        </p:spPr>
+        <p:style>
+          <a:lnRef idx="2">
+            <a:schemeClr val="accent1"/>
+          </a:lnRef>
+          <a:fillRef idx="0">
+            <a:schemeClr val="accent1"/>
+          </a:fillRef>
+          <a:effectRef idx="1">
+            <a:schemeClr val="accent1"/>
+          </a:effectRef>
+          <a:fontRef idx="minor">
+            <a:schemeClr val="tx1"/>
+          </a:fontRef>
+        </p:style>
+      </p:cxnSp>
+      <p:cxnSp>
+        <p:nvCxnSpPr>
+          <p:cNvPr id="47" name="Straight Connector 46"/>
+          <p:cNvCxnSpPr/>
+          <p:nvPr/>
+        </p:nvCxnSpPr>
+        <p:spPr>
+          <a:xfrm>
+            <a:off x="6159502" y="4656667"/>
+            <a:ext cx="1592252" cy="0"/>
+          </a:xfrm>
+          <a:prstGeom prst="line">
+            <a:avLst/>
+          </a:prstGeom>
+          <a:ln>
+            <a:solidFill>
+              <a:schemeClr val="bg1">
+                <a:lumMod val="65000"/>
+              </a:schemeClr>
+            </a:solidFill>
+          </a:ln>
+        </p:spPr>
+        <p:style>
+          <a:lnRef idx="2">
+            <a:schemeClr val="accent1"/>
+          </a:lnRef>
+          <a:fillRef idx="0">
+            <a:schemeClr val="accent1"/>
+          </a:fillRef>
+          <a:effectRef idx="1">
+            <a:schemeClr val="accent1"/>
+          </a:effectRef>
+          <a:fontRef idx="minor">
+            <a:schemeClr val="tx1"/>
+          </a:fontRef>
+        </p:style>
+      </p:cxnSp>
+      <p:sp>
+        <p:nvSpPr>
+          <p:cNvPr id="43" name="Rounded Rectangle 42"/>
+          <p:cNvSpPr/>
+          <p:nvPr/>
+        </p:nvSpPr>
+        <p:spPr>
+          <a:xfrm>
+            <a:off x="6159502" y="3862919"/>
+            <a:ext cx="1592252" cy="1587496"/>
+          </a:xfrm>
+          <a:prstGeom prst="roundRect">
+            <a:avLst/>
+          </a:prstGeom>
+          <a:noFill/>
+          <a:ln>
+            <a:noFill/>
+          </a:ln>
+        </p:spPr>
+        <p:style>
+          <a:lnRef idx="1">
+            <a:schemeClr val="accent1"/>
+          </a:lnRef>
+          <a:fillRef idx="3">
+            <a:schemeClr val="accent1"/>
+          </a:fillRef>
+          <a:effectRef idx="2">
+            <a:schemeClr val="accent1"/>
+          </a:effectRef>
+          <a:fontRef idx="minor">
+            <a:schemeClr val="lt1"/>
+          </a:fontRef>
+        </p:style>
+        <p:txBody>
+          <a:bodyPr rtlCol="0" anchor="ctr"/>
+          <a:lstStyle/>
+          <a:p>
+            <a:pPr algn="ctr"/>
+            <a:r>
+              <a:rPr lang="en-US" dirty="0" smtClean="0"/>
+              <a:t>Virtual Memory</a:t>
+            </a:r>
+            <a:endParaRPr lang="en-US" dirty="0"/>
+          </a:p>
+        </p:txBody>
+      </p:sp>
+      <p:cxnSp>
+        <p:nvCxnSpPr>
+          <p:cNvPr id="53" name="Straight Arrow Connector 52"/>
+          <p:cNvCxnSpPr/>
+          <p:nvPr/>
+        </p:nvCxnSpPr>
+        <p:spPr>
+          <a:xfrm flipH="1" flipV="1">
+            <a:off x="7402821" y="5185126"/>
+            <a:ext cx="486312" cy="602185"/>
+          </a:xfrm>
+          <a:prstGeom prst="straightConnector1">
+            <a:avLst/>
+          </a:prstGeom>
+          <a:ln w="50800">
+            <a:solidFill>
+              <a:schemeClr val="accent6"/>
+            </a:solidFill>
+            <a:tailEnd type="arrow"/>
+          </a:ln>
+        </p:spPr>
+        <p:style>
+          <a:lnRef idx="2">
+            <a:schemeClr val="accent1"/>
+          </a:lnRef>
+          <a:fillRef idx="0">
+            <a:schemeClr val="accent1"/>
+          </a:fillRef>
+          <a:effectRef idx="1">
+            <a:schemeClr val="accent1"/>
+          </a:effectRef>
+          <a:fontRef idx="minor">
+            <a:schemeClr val="tx1"/>
+          </a:fontRef>
+        </p:style>
+      </p:cxnSp>
+      <p:sp>
+        <p:nvSpPr>
+          <p:cNvPr id="55" name="TextBox 54"/>
+          <p:cNvSpPr txBox="1"/>
+          <p:nvPr/>
+        </p:nvSpPr>
+        <p:spPr>
+          <a:xfrm>
+            <a:off x="6143084" y="5412138"/>
+            <a:ext cx="1704254" cy="646331"/>
+          </a:xfrm>
+          <a:prstGeom prst="rect">
+            <a:avLst/>
+          </a:prstGeom>
+          <a:noFill/>
+        </p:spPr>
+        <p:txBody>
+          <a:bodyPr wrap="square" rtlCol="0">
+            <a:spAutoFit/>
+          </a:bodyPr>
+          <a:lstStyle/>
+          <a:p>
+            <a:pPr algn="ctr"/>
+            <a:r>
+              <a:rPr lang="en-US" dirty="0" smtClean="0">
                 <a:solidFill>
                   <a:schemeClr val="accent6"/>
                 </a:solidFill>
               </a:rPr>
-              <a:t>speedup</a:t>
-            </a:r>
-            <a:r>
-              <a:rPr lang="en-US" sz="2000" dirty="0" smtClean="0">
+              <a:t>No communication</a:t>
+            </a:r>
+            <a:endParaRPr lang="en-US" dirty="0">
+              <a:solidFill>
+                <a:schemeClr val="accent6"/>
+              </a:solidFill>
+            </a:endParaRPr>
+          </a:p>
+        </p:txBody>
+      </p:sp>
+      <p:cxnSp>
+        <p:nvCxnSpPr>
+          <p:cNvPr id="57" name="Curved Connector 56"/>
+          <p:cNvCxnSpPr/>
+          <p:nvPr/>
+        </p:nvCxnSpPr>
+        <p:spPr>
+          <a:xfrm rot="10800000" flipV="1">
+            <a:off x="6360584" y="3514732"/>
+            <a:ext cx="1555215" cy="1512357"/>
+          </a:xfrm>
+          <a:prstGeom prst="curvedConnector3">
+            <a:avLst>
+              <a:gd name="adj1" fmla="val 99677"/>
+            </a:avLst>
+          </a:prstGeom>
+          <a:ln w="50800">
+            <a:solidFill>
+              <a:schemeClr val="accent2"/>
+            </a:solidFill>
+            <a:tailEnd type="arrow"/>
+          </a:ln>
+        </p:spPr>
+        <p:style>
+          <a:lnRef idx="2">
+            <a:schemeClr val="accent1"/>
+          </a:lnRef>
+          <a:fillRef idx="0">
+            <a:schemeClr val="accent1"/>
+          </a:fillRef>
+          <a:effectRef idx="1">
+            <a:schemeClr val="accent1"/>
+          </a:effectRef>
+          <a:fontRef idx="minor">
+            <a:schemeClr val="tx1"/>
+          </a:fontRef>
+        </p:style>
+      </p:cxnSp>
+      <p:sp>
+        <p:nvSpPr>
+          <p:cNvPr id="64" name="TextBox 63"/>
+          <p:cNvSpPr txBox="1"/>
+          <p:nvPr/>
+        </p:nvSpPr>
+        <p:spPr>
+          <a:xfrm>
+            <a:off x="6334495" y="2860996"/>
+            <a:ext cx="1427842" cy="646331"/>
+          </a:xfrm>
+          <a:prstGeom prst="rect">
+            <a:avLst/>
+          </a:prstGeom>
+          <a:noFill/>
+        </p:spPr>
+        <p:txBody>
+          <a:bodyPr wrap="square" rtlCol="0">
+            <a:spAutoFit/>
+          </a:bodyPr>
+          <a:lstStyle/>
+          <a:p>
+            <a:pPr algn="ctr"/>
+            <a:r>
+              <a:rPr lang="en-US" dirty="0" smtClean="0">
                 <a:solidFill>
-                  <a:schemeClr val="accent6"/>
+                  <a:schemeClr val="accent2"/>
                 </a:solidFill>
               </a:rPr>
-              <a:t> </a:t>
-            </a:r>
-            <a:r>
-              <a:rPr lang="en-US" sz="2000" dirty="0" smtClean="0"/>
-              <a:t>(</a:t>
-            </a:r>
-            <a:r>
-              <a:rPr lang="en-US" sz="2000" dirty="0" err="1" smtClean="0"/>
-              <a:t>T</a:t>
-            </a:r>
-            <a:r>
-              <a:rPr lang="en-US" sz="2000" baseline="-25000" dirty="0" err="1" smtClean="0"/>
-              <a:t>p</a:t>
-            </a:r>
-            <a:r>
-              <a:rPr lang="en-US" sz="2000" baseline="-25000" dirty="0" smtClean="0"/>
-              <a:t>=1</a:t>
-            </a:r>
-            <a:r>
-              <a:rPr lang="en-US" sz="2000" dirty="0" smtClean="0"/>
-              <a:t>/</a:t>
-            </a:r>
-            <a:r>
-              <a:rPr lang="en-US" sz="2000" dirty="0" err="1" smtClean="0"/>
-              <a:t>T</a:t>
-            </a:r>
-            <a:r>
-              <a:rPr lang="en-US" sz="2000" baseline="-25000" dirty="0" err="1" smtClean="0"/>
-              <a:t>p</a:t>
-            </a:r>
-            <a:r>
-              <a:rPr lang="en-US" sz="2000" baseline="-25000" dirty="0" smtClean="0"/>
-              <a:t>=n</a:t>
-            </a:r>
-            <a:r>
-              <a:rPr lang="en-US" sz="2000" dirty="0" smtClean="0"/>
-              <a:t>).</a:t>
-            </a:r>
-          </a:p>
-          <a:p>
-            <a:endParaRPr lang="en-US" sz="2000" dirty="0"/>
-          </a:p>
-          <a:p>
-            <a:pPr marL="0" indent="0">
-              <a:buNone/>
-            </a:pPr>
-            <a:endParaRPr lang="en-US" sz="2000" dirty="0"/>
-          </a:p>
-          <a:p>
-            <a:endParaRPr lang="en-US" sz="2000" dirty="0" smtClean="0"/>
-          </a:p>
-          <a:p>
-            <a:endParaRPr lang="en-US" sz="2000" dirty="0" smtClean="0"/>
-          </a:p>
-          <a:p>
-            <a:endParaRPr lang="en-US" sz="2000" dirty="0"/>
-          </a:p>
-          <a:p>
-            <a:endParaRPr lang="en-US" sz="2000" dirty="0" smtClean="0"/>
-          </a:p>
-          <a:p>
-            <a:endParaRPr lang="en-US" sz="2000" dirty="0"/>
-          </a:p>
-          <a:p>
-            <a:r>
-              <a:rPr lang="en-US" sz="2000" b="1" dirty="0" smtClean="0">
+              <a:t>Message</a:t>
+            </a:r>
+          </a:p>
+          <a:p>
+            <a:pPr algn="ctr"/>
+            <a:r>
+              <a:rPr lang="en-US" dirty="0" smtClean="0">
                 <a:solidFill>
-                  <a:srgbClr val="4472C4"/>
+                  <a:schemeClr val="accent2"/>
                 </a:solidFill>
               </a:rPr>
-              <a:t>Weak scaling</a:t>
-            </a:r>
-            <a:r>
-              <a:rPr lang="en-US" sz="2000" dirty="0" smtClean="0"/>
-              <a:t> measures how efficient the computation is when the amount of work increases with the number of processors.</a:t>
-            </a:r>
-            <a:endParaRPr lang="en-US" sz="2000" dirty="0"/>
-          </a:p>
-        </p:txBody>
-      </p:sp>
-      <p:pic>
-        <p:nvPicPr>
-          <p:cNvPr id="5" name="Picture 4"/>
-          <p:cNvPicPr>
-            <a:picLocks noChangeAspect="1"/>
-          </p:cNvPicPr>
-          <p:nvPr/>
-        </p:nvPicPr>
-        <p:blipFill>
-          <a:blip r:embed="rId2"/>
-          <a:stretch>
-            <a:fillRect/>
-          </a:stretch>
-        </p:blipFill>
-        <p:spPr>
-          <a:xfrm>
-            <a:off x="916517" y="3289078"/>
-            <a:ext cx="3390900" cy="3086328"/>
-          </a:xfrm>
-          <a:prstGeom prst="rect">
-            <a:avLst/>
-          </a:prstGeom>
-        </p:spPr>
-      </p:pic>
-      <p:pic>
-        <p:nvPicPr>
-          <p:cNvPr id="7" name="Picture 6"/>
-          <p:cNvPicPr>
-            <a:picLocks noChangeAspect="1"/>
-          </p:cNvPicPr>
-          <p:nvPr/>
-        </p:nvPicPr>
-        <p:blipFill>
-          <a:blip r:embed="rId3"/>
-          <a:stretch>
-            <a:fillRect/>
-          </a:stretch>
-        </p:blipFill>
-        <p:spPr>
-          <a:xfrm>
-            <a:off x="4885260" y="3289078"/>
-            <a:ext cx="3390900" cy="3086328"/>
-          </a:xfrm>
-          <a:prstGeom prst="rect">
-            <a:avLst/>
-          </a:prstGeom>
-        </p:spPr>
-      </p:pic>
+              <a:t>or RDMA</a:t>
+            </a:r>
+            <a:endParaRPr lang="en-US" dirty="0">
+              <a:solidFill>
+                <a:schemeClr val="accent2"/>
+              </a:solidFill>
+            </a:endParaRPr>
+          </a:p>
+        </p:txBody>
+      </p:sp>
     </p:spTree>
     <p:extLst>
       <p:ext uri="{BB962C8B-B14F-4D97-AF65-F5344CB8AC3E}">
-        <p14:creationId xmlns:p14="http://schemas.microsoft.com/office/powerpoint/2010/main" val="2758167297"/>
+        <p14:creationId xmlns:p14="http://schemas.microsoft.com/office/powerpoint/2010/main" val="646048334"/>
       </p:ext>
     </p:extLst>
   </p:cSld>
@@ -18431,7 +18202,7 @@
           <a:p>
             <a:r>
               <a:rPr lang="en-US" dirty="0" smtClean="0"/>
-              <a:t>Multi-core and distributed summary</a:t>
+              <a:t>Types of scaling</a:t>
             </a:r>
             <a:endParaRPr lang="en-US" dirty="0"/>
           </a:p>
@@ -18447,208 +18218,176 @@
             <p:ph idx="1"/>
           </p:nvPr>
         </p:nvSpPr>
-        <p:spPr/>
-        <p:txBody>
-          <a:bodyPr>
-            <a:normAutofit fontScale="92500" lnSpcReduction="20000"/>
+        <p:spPr>
+          <a:xfrm>
+            <a:off x="628650" y="1635131"/>
+            <a:ext cx="7886700" cy="4351338"/>
+          </a:xfrm>
+        </p:spPr>
+        <p:txBody>
+          <a:bodyPr numCol="2" spcCol="365760">
+            <a:normAutofit/>
           </a:bodyPr>
           <a:lstStyle/>
           <a:p>
             <a:r>
-              <a:rPr lang="en-US" dirty="0" smtClean="0"/>
-              <a:t>HPC can exploit multiple levels of parallelism outside the processor core:</a:t>
-            </a:r>
-          </a:p>
-          <a:p>
-            <a:pPr lvl="1"/>
-            <a:r>
-              <a:rPr lang="en-US" dirty="0" smtClean="0"/>
-              <a:t>Multiple </a:t>
-            </a:r>
-            <a:r>
-              <a:rPr lang="en-US" b="1" dirty="0" smtClean="0">
+              <a:rPr lang="en-US" sz="2000" b="1" dirty="0" smtClean="0">
                 <a:solidFill>
                   <a:schemeClr val="accent2"/>
                 </a:solidFill>
               </a:rPr>
-              <a:t>cores</a:t>
-            </a:r>
-            <a:r>
-              <a:rPr lang="en-US" dirty="0" smtClean="0"/>
-              <a:t>, including multiple threads per core (</a:t>
-            </a:r>
-            <a:r>
-              <a:rPr lang="en-US" b="1" dirty="0" smtClean="0">
+              <a:t>Strong scaling</a:t>
+            </a:r>
+            <a:r>
+              <a:rPr lang="en-US" sz="2000" dirty="0" smtClean="0"/>
+              <a:t> measures how much faster multiple processors can do the same work. The quantity usually measures is </a:t>
+            </a:r>
+            <a:r>
+              <a:rPr lang="en-US" sz="2000" b="1" dirty="0" smtClean="0">
                 <a:solidFill>
                   <a:schemeClr val="accent6"/>
                 </a:solidFill>
               </a:rPr>
-              <a:t>hyper-threading</a:t>
-            </a:r>
-            <a:r>
-              <a:rPr lang="en-US" dirty="0" smtClean="0"/>
-              <a:t>).</a:t>
-            </a:r>
-          </a:p>
-          <a:p>
-            <a:pPr lvl="1"/>
-            <a:r>
-              <a:rPr lang="en-US" dirty="0" smtClean="0"/>
-              <a:t>Multiple processors (</a:t>
-            </a:r>
-            <a:r>
-              <a:rPr lang="en-US" b="1" dirty="0" smtClean="0">
-                <a:solidFill>
-                  <a:schemeClr val="accent1"/>
-                </a:solidFill>
-              </a:rPr>
-              <a:t>multi-socket</a:t>
-            </a:r>
-            <a:r>
-              <a:rPr lang="en-US" dirty="0" smtClean="0"/>
-              <a:t>).</a:t>
-            </a:r>
-          </a:p>
-          <a:p>
-            <a:pPr lvl="1"/>
-            <a:r>
-              <a:rPr lang="en-US" dirty="0" smtClean="0"/>
-              <a:t>Multiple nodes (</a:t>
-            </a:r>
-            <a:r>
-              <a:rPr lang="en-US" b="1" dirty="0" smtClean="0">
-                <a:solidFill>
-                  <a:schemeClr val="accent4"/>
-                </a:solidFill>
-              </a:rPr>
-              <a:t>distributed computing</a:t>
-            </a:r>
-            <a:r>
-              <a:rPr lang="en-US" dirty="0" smtClean="0"/>
-              <a:t>).</a:t>
-            </a:r>
-          </a:p>
-          <a:p>
-            <a:pPr lvl="1"/>
-            <a:endParaRPr lang="en-US" dirty="0"/>
-          </a:p>
-          <a:p>
-            <a:r>
-              <a:rPr lang="en-US" dirty="0" smtClean="0"/>
-              <a:t>High-performance programs have to be careful about how they access data:</a:t>
-            </a:r>
-          </a:p>
-          <a:p>
-            <a:pPr lvl="1"/>
-            <a:r>
-              <a:rPr lang="en-US" b="1" dirty="0" smtClean="0">
-                <a:solidFill>
-                  <a:schemeClr val="accent2"/>
-                </a:solidFill>
-              </a:rPr>
-              <a:t>Cache coherency</a:t>
-            </a:r>
-            <a:r>
-              <a:rPr lang="en-US" dirty="0" smtClean="0">
-                <a:solidFill>
-                  <a:srgbClr val="000000"/>
-                </a:solidFill>
-              </a:rPr>
-              <a:t>.</a:t>
-            </a:r>
-          </a:p>
-          <a:p>
-            <a:pPr lvl="1"/>
-            <a:r>
-              <a:rPr lang="en-US" b="1" dirty="0">
+              <a:t>speedup</a:t>
+            </a:r>
+            <a:r>
+              <a:rPr lang="en-US" sz="2000" dirty="0" smtClean="0">
                 <a:solidFill>
                   <a:schemeClr val="accent6"/>
                 </a:solidFill>
               </a:rPr>
-              <a:t>F</a:t>
-            </a:r>
-            <a:r>
-              <a:rPr lang="en-US" b="1" dirty="0" smtClean="0">
+              <a:t> </a:t>
+            </a:r>
+            <a:r>
+              <a:rPr lang="en-US" sz="2000" dirty="0" smtClean="0"/>
+              <a:t>(</a:t>
+            </a:r>
+            <a:r>
+              <a:rPr lang="en-US" sz="2000" dirty="0" err="1" smtClean="0"/>
+              <a:t>T</a:t>
+            </a:r>
+            <a:r>
+              <a:rPr lang="en-US" sz="2000" baseline="-25000" dirty="0" err="1" smtClean="0"/>
+              <a:t>p</a:t>
+            </a:r>
+            <a:r>
+              <a:rPr lang="en-US" sz="2000" baseline="-25000" dirty="0" smtClean="0"/>
+              <a:t>=1</a:t>
+            </a:r>
+            <a:r>
+              <a:rPr lang="en-US" sz="2000" dirty="0" smtClean="0"/>
+              <a:t>/</a:t>
+            </a:r>
+            <a:r>
+              <a:rPr lang="en-US" sz="2000" dirty="0" err="1" smtClean="0"/>
+              <a:t>T</a:t>
+            </a:r>
+            <a:r>
+              <a:rPr lang="en-US" sz="2000" baseline="-25000" dirty="0" err="1" smtClean="0"/>
+              <a:t>p</a:t>
+            </a:r>
+            <a:r>
+              <a:rPr lang="en-US" sz="2000" baseline="-25000" dirty="0" smtClean="0"/>
+              <a:t>=n</a:t>
+            </a:r>
+            <a:r>
+              <a:rPr lang="en-US" sz="2000" dirty="0" smtClean="0"/>
+              <a:t>).</a:t>
+            </a:r>
+          </a:p>
+          <a:p>
+            <a:endParaRPr lang="en-US" sz="2000" dirty="0"/>
+          </a:p>
+          <a:p>
+            <a:pPr marL="0" indent="0">
+              <a:buNone/>
+            </a:pPr>
+            <a:endParaRPr lang="en-US" sz="2000" dirty="0"/>
+          </a:p>
+          <a:p>
+            <a:endParaRPr lang="en-US" sz="2000" dirty="0" smtClean="0"/>
+          </a:p>
+          <a:p>
+            <a:endParaRPr lang="en-US" sz="2000" dirty="0" smtClean="0"/>
+          </a:p>
+          <a:p>
+            <a:endParaRPr lang="en-US" sz="2000" dirty="0"/>
+          </a:p>
+          <a:p>
+            <a:endParaRPr lang="en-US" sz="2000" dirty="0" smtClean="0"/>
+          </a:p>
+          <a:p>
+            <a:endParaRPr lang="en-US" sz="2000" dirty="0"/>
+          </a:p>
+          <a:p>
+            <a:r>
+              <a:rPr lang="en-US" sz="2000" b="1" dirty="0" smtClean="0">
                 <a:solidFill>
-                  <a:schemeClr val="accent6"/>
+                  <a:srgbClr val="4472C4"/>
                 </a:solidFill>
               </a:rPr>
-              <a:t>alse sharing</a:t>
-            </a:r>
-            <a:r>
-              <a:rPr lang="en-US" dirty="0" smtClean="0">
-                <a:solidFill>
-                  <a:srgbClr val="000000"/>
-                </a:solidFill>
-              </a:rPr>
-              <a:t>.</a:t>
-            </a:r>
-          </a:p>
-          <a:p>
-            <a:pPr lvl="1"/>
-            <a:r>
-              <a:rPr lang="en-US" b="1" dirty="0" smtClean="0">
-                <a:solidFill>
-                  <a:schemeClr val="accent1"/>
-                </a:solidFill>
-              </a:rPr>
-              <a:t>NUMA</a:t>
-            </a:r>
-            <a:r>
-              <a:rPr lang="en-US" dirty="0" smtClean="0"/>
-              <a:t>.</a:t>
-            </a:r>
-          </a:p>
-          <a:p>
-            <a:pPr lvl="1"/>
-            <a:r>
-              <a:rPr lang="en-US" b="1" dirty="0" smtClean="0">
-                <a:solidFill>
-                  <a:schemeClr val="accent4"/>
-                </a:solidFill>
-              </a:rPr>
-              <a:t>Local</a:t>
-            </a:r>
-            <a:r>
-              <a:rPr lang="en-US" dirty="0" smtClean="0">
-                <a:solidFill>
-                  <a:schemeClr val="accent4"/>
-                </a:solidFill>
-              </a:rPr>
-              <a:t> </a:t>
-            </a:r>
-            <a:r>
-              <a:rPr lang="en-US" dirty="0" smtClean="0"/>
-              <a:t>vs. </a:t>
-            </a:r>
-            <a:r>
-              <a:rPr lang="en-US" b="1" dirty="0" smtClean="0">
-                <a:solidFill>
-                  <a:srgbClr val="FFC000"/>
-                </a:solidFill>
-              </a:rPr>
-              <a:t>remote</a:t>
-            </a:r>
-            <a:r>
-              <a:rPr lang="en-US" dirty="0" smtClean="0">
-                <a:solidFill>
-                  <a:srgbClr val="FFC000"/>
-                </a:solidFill>
-              </a:rPr>
-              <a:t> </a:t>
-            </a:r>
-            <a:r>
-              <a:rPr lang="en-US" dirty="0" smtClean="0"/>
-              <a:t>memory.</a:t>
-            </a:r>
-            <a:endParaRPr lang="en-US" dirty="0"/>
-          </a:p>
-        </p:txBody>
-      </p:sp>
+              <a:t>Weak scaling</a:t>
+            </a:r>
+            <a:r>
+              <a:rPr lang="en-US" sz="2000" dirty="0" smtClean="0"/>
+              <a:t> measures how efficient the computation is when the amount of work increases with the number of processors.</a:t>
+            </a:r>
+            <a:endParaRPr lang="en-US" sz="2000" dirty="0"/>
+          </a:p>
+        </p:txBody>
+      </p:sp>
+      <p:pic>
+        <p:nvPicPr>
+          <p:cNvPr id="5" name="Picture 4"/>
+          <p:cNvPicPr>
+            <a:picLocks noChangeAspect="1"/>
+          </p:cNvPicPr>
+          <p:nvPr/>
+        </p:nvPicPr>
+        <p:blipFill>
+          <a:blip r:embed="rId2"/>
+          <a:stretch>
+            <a:fillRect/>
+          </a:stretch>
+        </p:blipFill>
+        <p:spPr>
+          <a:xfrm>
+            <a:off x="916517" y="3289078"/>
+            <a:ext cx="3390900" cy="3086328"/>
+          </a:xfrm>
+          <a:prstGeom prst="rect">
+            <a:avLst/>
+          </a:prstGeom>
+        </p:spPr>
+      </p:pic>
+      <p:pic>
+        <p:nvPicPr>
+          <p:cNvPr id="7" name="Picture 6"/>
+          <p:cNvPicPr>
+            <a:picLocks noChangeAspect="1"/>
+          </p:cNvPicPr>
+          <p:nvPr/>
+        </p:nvPicPr>
+        <p:blipFill>
+          <a:blip r:embed="rId3"/>
+          <a:stretch>
+            <a:fillRect/>
+          </a:stretch>
+        </p:blipFill>
+        <p:spPr>
+          <a:xfrm>
+            <a:off x="4885260" y="3289078"/>
+            <a:ext cx="3390900" cy="3086328"/>
+          </a:xfrm>
+          <a:prstGeom prst="rect">
+            <a:avLst/>
+          </a:prstGeom>
+        </p:spPr>
+      </p:pic>
     </p:spTree>
     <p:extLst>
       <p:ext uri="{BB962C8B-B14F-4D97-AF65-F5344CB8AC3E}">
-        <p14:creationId xmlns:p14="http://schemas.microsoft.com/office/powerpoint/2010/main" val="1044641708"/>
+        <p14:creationId xmlns:p14="http://schemas.microsoft.com/office/powerpoint/2010/main" val="2758167297"/>
       </p:ext>
     </p:extLst>
   </p:cSld>
@@ -18807,7 +18546,7 @@
           <a:p>
             <a:r>
               <a:rPr lang="en-US" dirty="0" smtClean="0"/>
-              <a:t>Other architectures: Xeon Phi</a:t>
+              <a:t>Multi-core and distributed summary</a:t>
             </a:r>
             <a:endParaRPr lang="en-US" dirty="0"/>
           </a:p>
@@ -18823,155 +18562,208 @@
             <p:ph idx="1"/>
           </p:nvPr>
         </p:nvSpPr>
-        <p:spPr>
-          <a:xfrm>
-            <a:off x="628650" y="1529301"/>
-            <a:ext cx="7886700" cy="4351338"/>
-          </a:xfrm>
-        </p:spPr>
+        <p:spPr/>
         <p:txBody>
           <a:bodyPr>
-            <a:normAutofit/>
+            <a:normAutofit fontScale="92500" lnSpcReduction="20000"/>
           </a:bodyPr>
           <a:lstStyle/>
           <a:p>
             <a:r>
-              <a:rPr lang="en-US" sz="2000" dirty="0" smtClean="0"/>
-              <a:t>Xeon Phi (past: Knight’s Corner, present: Knight’s Landing, future: Knight’s Mill) is a </a:t>
-            </a:r>
-            <a:r>
-              <a:rPr lang="en-US" sz="2000" b="1" dirty="0" smtClean="0">
+              <a:rPr lang="en-US" dirty="0" smtClean="0"/>
+              <a:t>HPC can exploit multiple levels of parallelism outside the processor core:</a:t>
+            </a:r>
+          </a:p>
+          <a:p>
+            <a:pPr lvl="1"/>
+            <a:r>
+              <a:rPr lang="en-US" dirty="0" smtClean="0"/>
+              <a:t>Multiple </a:t>
+            </a:r>
+            <a:r>
+              <a:rPr lang="en-US" b="1" dirty="0" smtClean="0">
                 <a:solidFill>
                   <a:schemeClr val="accent2"/>
                 </a:solidFill>
               </a:rPr>
-              <a:t>many-core</a:t>
-            </a:r>
-            <a:r>
-              <a:rPr lang="en-US" sz="2000" dirty="0" smtClean="0"/>
-              <a:t> architecture with 64-72 cores per processor.</a:t>
-            </a:r>
-          </a:p>
-          <a:p>
-            <a:r>
-              <a:rPr lang="en-US" sz="2000" dirty="0" smtClean="0"/>
-              <a:t>Knight’s Landing is an x86-64 processor, but:</a:t>
-            </a:r>
-          </a:p>
-          <a:p>
-            <a:pPr lvl="1"/>
-            <a:r>
-              <a:rPr lang="en-US" sz="1800" dirty="0" smtClean="0"/>
-              <a:t>The cores are fairly slow for non-floating point operations.</a:t>
-            </a:r>
-          </a:p>
-          <a:p>
-            <a:pPr lvl="1"/>
-            <a:r>
-              <a:rPr lang="en-US" sz="1800" dirty="0" smtClean="0"/>
-              <a:t>There is no shared L3 cache.</a:t>
-            </a:r>
-          </a:p>
-          <a:p>
-            <a:pPr lvl="1"/>
-            <a:r>
-              <a:rPr lang="en-US" sz="1800" dirty="0" smtClean="0"/>
-              <a:t>There are two types of main memory: </a:t>
-            </a:r>
-            <a:r>
-              <a:rPr lang="en-US" sz="1800" b="1" dirty="0" smtClean="0">
+              <a:t>cores</a:t>
+            </a:r>
+            <a:r>
+              <a:rPr lang="en-US" dirty="0" smtClean="0"/>
+              <a:t>, including multiple threads per core (</a:t>
+            </a:r>
+            <a:r>
+              <a:rPr lang="en-US" b="1" dirty="0" smtClean="0">
                 <a:solidFill>
                   <a:schemeClr val="accent6"/>
                 </a:solidFill>
               </a:rPr>
-              <a:t>high-</a:t>
-            </a:r>
-            <a:r>
-              <a:rPr lang="en-US" sz="1800" b="1" dirty="0" err="1" smtClean="0">
+              <a:t>hyper-threading</a:t>
+            </a:r>
+            <a:r>
+              <a:rPr lang="en-US" dirty="0" smtClean="0"/>
+              <a:t>).</a:t>
+            </a:r>
+          </a:p>
+          <a:p>
+            <a:pPr lvl="1"/>
+            <a:r>
+              <a:rPr lang="en-US" dirty="0" smtClean="0"/>
+              <a:t>Multiple processors (</a:t>
+            </a:r>
+            <a:r>
+              <a:rPr lang="en-US" b="1" dirty="0" smtClean="0">
+                <a:solidFill>
+                  <a:schemeClr val="accent1"/>
+                </a:solidFill>
+              </a:rPr>
+              <a:t>multi-socket</a:t>
+            </a:r>
+            <a:r>
+              <a:rPr lang="en-US" dirty="0" smtClean="0"/>
+              <a:t>).</a:t>
+            </a:r>
+          </a:p>
+          <a:p>
+            <a:pPr lvl="1"/>
+            <a:r>
+              <a:rPr lang="en-US" dirty="0" smtClean="0"/>
+              <a:t>Multiple nodes (</a:t>
+            </a:r>
+            <a:r>
+              <a:rPr lang="en-US" b="1" dirty="0" smtClean="0">
+                <a:solidFill>
+                  <a:schemeClr val="accent4"/>
+                </a:solidFill>
+              </a:rPr>
+              <a:t>distributed computing</a:t>
+            </a:r>
+            <a:r>
+              <a:rPr lang="en-US" dirty="0" smtClean="0"/>
+              <a:t>).</a:t>
+            </a:r>
+          </a:p>
+          <a:p>
+            <a:pPr lvl="1"/>
+            <a:endParaRPr lang="en-US" dirty="0"/>
+          </a:p>
+          <a:p>
+            <a:r>
+              <a:rPr lang="en-US" dirty="0" smtClean="0"/>
+              <a:t>High-performance programs have to be careful about how they access data:</a:t>
+            </a:r>
+          </a:p>
+          <a:p>
+            <a:pPr lvl="1"/>
+            <a:r>
+              <a:rPr lang="en-US" b="1" dirty="0" smtClean="0">
+                <a:solidFill>
+                  <a:schemeClr val="accent2"/>
+                </a:solidFill>
+              </a:rPr>
+              <a:t>Cache coherency</a:t>
+            </a:r>
+            <a:r>
+              <a:rPr lang="en-US" dirty="0" smtClean="0">
+                <a:solidFill>
+                  <a:srgbClr val="000000"/>
+                </a:solidFill>
+              </a:rPr>
+              <a:t>.</a:t>
+            </a:r>
+          </a:p>
+          <a:p>
+            <a:pPr lvl="1"/>
+            <a:r>
+              <a:rPr lang="en-US" b="1" dirty="0">
                 <a:solidFill>
                   <a:schemeClr val="accent6"/>
                 </a:solidFill>
               </a:rPr>
-              <a:t>bandwith</a:t>
-            </a:r>
-            <a:r>
-              <a:rPr lang="en-US" sz="1800" b="1" dirty="0" smtClean="0">
+              <a:t>F</a:t>
+            </a:r>
+            <a:r>
+              <a:rPr lang="en-US" b="1" dirty="0" smtClean="0">
                 <a:solidFill>
                   <a:schemeClr val="accent6"/>
                 </a:solidFill>
               </a:rPr>
-              <a:t> memory</a:t>
-            </a:r>
-            <a:r>
-              <a:rPr lang="en-US" sz="1800" dirty="0" smtClean="0"/>
-              <a:t> (16GB at ~400GB/s) and regular DDR (up to 384 GB at ~80GB/s). The HBM can be configured as either cache or as a separate NUMA domain.</a:t>
-            </a:r>
-            <a:endParaRPr lang="en-US" sz="1800" dirty="0"/>
-          </a:p>
-        </p:txBody>
-      </p:sp>
-      <p:pic>
-        <p:nvPicPr>
-          <p:cNvPr id="4" name="Picture 3" descr="intel-knights-landing-overview.jpg"/>
-          <p:cNvPicPr>
-            <a:picLocks noChangeAspect="1"/>
-          </p:cNvPicPr>
-          <p:nvPr/>
-        </p:nvPicPr>
-        <p:blipFill rotWithShape="1">
-          <a:blip r:embed="rId2">
-            <a:extLst>
-              <a:ext uri="{28A0092B-C50C-407E-A947-70E740481C1C}">
-                <a14:useLocalDpi xmlns:a14="http://schemas.microsoft.com/office/drawing/2010/main" val="0"/>
-              </a:ext>
-            </a:extLst>
-          </a:blip>
-          <a:srcRect l="5" t="14572" r="46994" b="2235"/>
-          <a:stretch/>
-        </p:blipFill>
-        <p:spPr>
-          <a:xfrm>
-            <a:off x="4762501" y="4476749"/>
-            <a:ext cx="2483578" cy="2150872"/>
-          </a:xfrm>
-          <a:prstGeom prst="rect">
-            <a:avLst/>
-          </a:prstGeom>
-        </p:spPr>
-      </p:pic>
-      <p:pic>
-        <p:nvPicPr>
-          <p:cNvPr id="5" name="Picture 4" descr="intel-xeon-phi-processor-stacked-no-fabric-960x400_c_large.jpg"/>
-          <p:cNvPicPr>
-            <a:picLocks noChangeAspect="1"/>
-          </p:cNvPicPr>
-          <p:nvPr/>
-        </p:nvPicPr>
-        <p:blipFill rotWithShape="1">
-          <a:blip r:embed="rId3">
-            <a:extLst>
-              <a:ext uri="{28A0092B-C50C-407E-A947-70E740481C1C}">
-                <a14:useLocalDpi xmlns:a14="http://schemas.microsoft.com/office/drawing/2010/main" val="0"/>
-              </a:ext>
-            </a:extLst>
-          </a:blip>
-          <a:srcRect l="22314" r="24803"/>
-          <a:stretch/>
-        </p:blipFill>
-        <p:spPr>
-          <a:xfrm>
-            <a:off x="1432221" y="4455583"/>
-            <a:ext cx="2752495" cy="2171700"/>
-          </a:xfrm>
-          <a:prstGeom prst="rect">
-            <a:avLst/>
-          </a:prstGeom>
-        </p:spPr>
-      </p:pic>
+              <a:t>alse sharing</a:t>
+            </a:r>
+            <a:r>
+              <a:rPr lang="en-US" dirty="0" smtClean="0">
+                <a:solidFill>
+                  <a:srgbClr val="000000"/>
+                </a:solidFill>
+              </a:rPr>
+              <a:t>.</a:t>
+            </a:r>
+          </a:p>
+          <a:p>
+            <a:pPr lvl="1"/>
+            <a:r>
+              <a:rPr lang="en-US" b="1" dirty="0" smtClean="0">
+                <a:solidFill>
+                  <a:schemeClr val="accent1"/>
+                </a:solidFill>
+              </a:rPr>
+              <a:t>NUMA</a:t>
+            </a:r>
+            <a:r>
+              <a:rPr lang="en-US" dirty="0" smtClean="0"/>
+              <a:t>.</a:t>
+            </a:r>
+          </a:p>
+          <a:p>
+            <a:pPr lvl="1"/>
+            <a:r>
+              <a:rPr lang="en-US" b="1" dirty="0" smtClean="0">
+                <a:solidFill>
+                  <a:schemeClr val="accent4"/>
+                </a:solidFill>
+              </a:rPr>
+              <a:t>Local</a:t>
+            </a:r>
+            <a:r>
+              <a:rPr lang="en-US" dirty="0" smtClean="0">
+                <a:solidFill>
+                  <a:schemeClr val="accent4"/>
+                </a:solidFill>
+              </a:rPr>
+              <a:t> </a:t>
+            </a:r>
+            <a:r>
+              <a:rPr lang="en-US" dirty="0" smtClean="0"/>
+              <a:t>vs. </a:t>
+            </a:r>
+            <a:r>
+              <a:rPr lang="en-US" b="1" dirty="0" smtClean="0">
+                <a:solidFill>
+                  <a:srgbClr val="FFC000"/>
+                </a:solidFill>
+              </a:rPr>
+              <a:t>remote</a:t>
+            </a:r>
+            <a:r>
+              <a:rPr lang="en-US" dirty="0" smtClean="0">
+                <a:solidFill>
+                  <a:srgbClr val="FFC000"/>
+                </a:solidFill>
+              </a:rPr>
+              <a:t> </a:t>
+            </a:r>
+            <a:r>
+              <a:rPr lang="en-US" dirty="0" smtClean="0"/>
+              <a:t>memory.</a:t>
+            </a:r>
+            <a:endParaRPr lang="en-US" dirty="0"/>
+          </a:p>
+        </p:txBody>
+      </p:sp>
     </p:spTree>
     <p:extLst>
       <p:ext uri="{BB962C8B-B14F-4D97-AF65-F5344CB8AC3E}">
-        <p14:creationId xmlns:p14="http://schemas.microsoft.com/office/powerpoint/2010/main" val="1467501629"/>
+        <p14:creationId xmlns:p14="http://schemas.microsoft.com/office/powerpoint/2010/main" val="1044641708"/>
       </p:ext>
     </p:extLst>
   </p:cSld>
@@ -19015,6 +18807,328 @@
           <a:p>
             <a:r>
               <a:rPr lang="en-US" dirty="0" smtClean="0"/>
+              <a:t>Quiz:</a:t>
+            </a:r>
+            <a:endParaRPr lang="en-US" dirty="0"/>
+          </a:p>
+        </p:txBody>
+      </p:sp>
+      <p:sp>
+        <p:nvSpPr>
+          <p:cNvPr id="3" name="Content Placeholder 2"/>
+          <p:cNvSpPr>
+            <a:spLocks noGrp="1"/>
+          </p:cNvSpPr>
+          <p:nvPr>
+            <p:ph idx="1"/>
+          </p:nvPr>
+        </p:nvSpPr>
+        <p:spPr/>
+        <p:txBody>
+          <a:bodyPr/>
+          <a:lstStyle/>
+          <a:p>
+            <a:pPr marL="514350" indent="-514350">
+              <a:buFont typeface="+mj-lt"/>
+              <a:buAutoNum type="arabicPeriod"/>
+            </a:pPr>
+            <a:r>
+              <a:rPr lang="en-US" dirty="0" smtClean="0"/>
+              <a:t>T/F: Any algorithm can be written to scale to an arbitrary number of cores.</a:t>
+            </a:r>
+          </a:p>
+          <a:p>
+            <a:pPr marL="514350" indent="-514350">
+              <a:buFont typeface="+mj-lt"/>
+              <a:buAutoNum type="arabicPeriod"/>
+            </a:pPr>
+            <a:endParaRPr lang="en-US" dirty="0"/>
+          </a:p>
+          <a:p>
+            <a:pPr marL="514350" indent="-514350">
+              <a:buFont typeface="+mj-lt"/>
+              <a:buAutoNum type="arabicPeriod"/>
+            </a:pPr>
+            <a:r>
+              <a:rPr lang="en-US" dirty="0" smtClean="0"/>
+              <a:t>T/F: Programming for multiple cores is hard.</a:t>
+            </a:r>
+          </a:p>
+          <a:p>
+            <a:pPr marL="514350" indent="-514350">
+              <a:buFont typeface="+mj-lt"/>
+              <a:buAutoNum type="arabicPeriod"/>
+            </a:pPr>
+            <a:endParaRPr lang="en-US" dirty="0"/>
+          </a:p>
+          <a:p>
+            <a:pPr marL="514350" indent="-514350">
+              <a:buFont typeface="+mj-lt"/>
+              <a:buAutoNum type="arabicPeriod"/>
+            </a:pPr>
+            <a:r>
+              <a:rPr lang="en-US" dirty="0" smtClean="0"/>
+              <a:t>T/F: Programs have no control over where data is allocated when there are multiple sockets.</a:t>
+            </a:r>
+            <a:endParaRPr lang="en-US" dirty="0"/>
+          </a:p>
+        </p:txBody>
+      </p:sp>
+    </p:spTree>
+    <p:extLst>
+      <p:ext uri="{BB962C8B-B14F-4D97-AF65-F5344CB8AC3E}">
+        <p14:creationId xmlns:p14="http://schemas.microsoft.com/office/powerpoint/2010/main" val="2536014384"/>
+      </p:ext>
+    </p:extLst>
+  </p:cSld>
+  <p:clrMapOvr>
+    <a:masterClrMapping/>
+  </p:clrMapOvr>
+</p:sld>
+</file>
+
+<file path=ppt/slides/slide32.xml><?xml version="1.0" encoding="utf-8"?>
+<p:sld xmlns:a="http://schemas.openxmlformats.org/drawingml/2006/main" xmlns:r="http://schemas.openxmlformats.org/officeDocument/2006/relationships" xmlns:p="http://schemas.openxmlformats.org/presentationml/2006/main">
+  <p:cSld>
+    <p:spTree>
+      <p:nvGrpSpPr>
+        <p:cNvPr id="1" name=""/>
+        <p:cNvGrpSpPr/>
+        <p:nvPr/>
+      </p:nvGrpSpPr>
+      <p:grpSpPr>
+        <a:xfrm>
+          <a:off x="0" y="0"/>
+          <a:ext cx="0" cy="0"/>
+          <a:chOff x="0" y="0"/>
+          <a:chExt cx="0" cy="0"/>
+        </a:xfrm>
+      </p:grpSpPr>
+      <p:sp>
+        <p:nvSpPr>
+          <p:cNvPr id="2" name="Title 1"/>
+          <p:cNvSpPr>
+            <a:spLocks noGrp="1"/>
+          </p:cNvSpPr>
+          <p:nvPr>
+            <p:ph type="title"/>
+          </p:nvPr>
+        </p:nvSpPr>
+        <p:spPr/>
+        <p:txBody>
+          <a:bodyPr/>
+          <a:lstStyle/>
+          <a:p>
+            <a:r>
+              <a:rPr lang="en-US" dirty="0" smtClean="0"/>
+              <a:t>Other architectures: Xeon Phi</a:t>
+            </a:r>
+            <a:endParaRPr lang="en-US" dirty="0"/>
+          </a:p>
+        </p:txBody>
+      </p:sp>
+      <p:sp>
+        <p:nvSpPr>
+          <p:cNvPr id="3" name="Content Placeholder 2"/>
+          <p:cNvSpPr>
+            <a:spLocks noGrp="1"/>
+          </p:cNvSpPr>
+          <p:nvPr>
+            <p:ph idx="1"/>
+          </p:nvPr>
+        </p:nvSpPr>
+        <p:spPr>
+          <a:xfrm>
+            <a:off x="628650" y="1529301"/>
+            <a:ext cx="7886700" cy="4351338"/>
+          </a:xfrm>
+        </p:spPr>
+        <p:txBody>
+          <a:bodyPr>
+            <a:normAutofit/>
+          </a:bodyPr>
+          <a:lstStyle/>
+          <a:p>
+            <a:r>
+              <a:rPr lang="en-US" sz="2000" dirty="0" smtClean="0"/>
+              <a:t>Xeon Phi (past: Knight’s Corner, present: Knight’s Landing, future: Knight’s Mill) is a </a:t>
+            </a:r>
+            <a:r>
+              <a:rPr lang="en-US" sz="2000" b="1" dirty="0" smtClean="0">
+                <a:solidFill>
+                  <a:schemeClr val="accent2"/>
+                </a:solidFill>
+              </a:rPr>
+              <a:t>many-core</a:t>
+            </a:r>
+            <a:r>
+              <a:rPr lang="en-US" sz="2000" dirty="0" smtClean="0"/>
+              <a:t> architecture with 64-72 cores per processor.</a:t>
+            </a:r>
+          </a:p>
+          <a:p>
+            <a:r>
+              <a:rPr lang="en-US" sz="2000" dirty="0" smtClean="0"/>
+              <a:t>Knight’s Landing is an x86-64 processor, but:</a:t>
+            </a:r>
+          </a:p>
+          <a:p>
+            <a:pPr lvl="1"/>
+            <a:r>
+              <a:rPr lang="en-US" sz="1800" dirty="0" smtClean="0"/>
+              <a:t>The cores are fairly slow for non-floating point operations.</a:t>
+            </a:r>
+          </a:p>
+          <a:p>
+            <a:pPr lvl="1"/>
+            <a:r>
+              <a:rPr lang="en-US" sz="1800" dirty="0" smtClean="0"/>
+              <a:t>There is no shared L3 cache.</a:t>
+            </a:r>
+          </a:p>
+          <a:p>
+            <a:pPr lvl="1"/>
+            <a:r>
+              <a:rPr lang="en-US" sz="1800" dirty="0" smtClean="0"/>
+              <a:t>There are two types of main memory: </a:t>
+            </a:r>
+            <a:r>
+              <a:rPr lang="en-US" sz="1800" b="1" dirty="0" smtClean="0">
+                <a:solidFill>
+                  <a:schemeClr val="accent6"/>
+                </a:solidFill>
+              </a:rPr>
+              <a:t>high-</a:t>
+            </a:r>
+            <a:r>
+              <a:rPr lang="en-US" sz="1800" b="1" dirty="0" err="1" smtClean="0">
+                <a:solidFill>
+                  <a:schemeClr val="accent6"/>
+                </a:solidFill>
+              </a:rPr>
+              <a:t>bandwith</a:t>
+            </a:r>
+            <a:r>
+              <a:rPr lang="en-US" sz="1800" b="1" dirty="0" smtClean="0">
+                <a:solidFill>
+                  <a:schemeClr val="accent6"/>
+                </a:solidFill>
+              </a:rPr>
+              <a:t> memory</a:t>
+            </a:r>
+            <a:r>
+              <a:rPr lang="en-US" sz="1800" dirty="0" smtClean="0"/>
+              <a:t> (16GB at ~400GB/s) and regular DDR (up to 384 GB at ~80GB/s). The HBM can be configured as either cache or as a separate NUMA domain.</a:t>
+            </a:r>
+            <a:endParaRPr lang="en-US" sz="1800" dirty="0"/>
+          </a:p>
+        </p:txBody>
+      </p:sp>
+      <p:pic>
+        <p:nvPicPr>
+          <p:cNvPr id="4" name="Picture 3" descr="intel-knights-landing-overview.jpg"/>
+          <p:cNvPicPr>
+            <a:picLocks noChangeAspect="1"/>
+          </p:cNvPicPr>
+          <p:nvPr/>
+        </p:nvPicPr>
+        <p:blipFill rotWithShape="1">
+          <a:blip r:embed="rId2">
+            <a:extLst>
+              <a:ext uri="{28A0092B-C50C-407E-A947-70E740481C1C}">
+                <a14:useLocalDpi xmlns:a14="http://schemas.microsoft.com/office/drawing/2010/main" val="0"/>
+              </a:ext>
+            </a:extLst>
+          </a:blip>
+          <a:srcRect l="5" t="14572" r="46994" b="2235"/>
+          <a:stretch/>
+        </p:blipFill>
+        <p:spPr>
+          <a:xfrm>
+            <a:off x="4762501" y="4476749"/>
+            <a:ext cx="2483578" cy="2150872"/>
+          </a:xfrm>
+          <a:prstGeom prst="rect">
+            <a:avLst/>
+          </a:prstGeom>
+        </p:spPr>
+      </p:pic>
+      <p:pic>
+        <p:nvPicPr>
+          <p:cNvPr id="5" name="Picture 4" descr="intel-xeon-phi-processor-stacked-no-fabric-960x400_c_large.jpg"/>
+          <p:cNvPicPr>
+            <a:picLocks noChangeAspect="1"/>
+          </p:cNvPicPr>
+          <p:nvPr/>
+        </p:nvPicPr>
+        <p:blipFill rotWithShape="1">
+          <a:blip r:embed="rId3">
+            <a:extLst>
+              <a:ext uri="{28A0092B-C50C-407E-A947-70E740481C1C}">
+                <a14:useLocalDpi xmlns:a14="http://schemas.microsoft.com/office/drawing/2010/main" val="0"/>
+              </a:ext>
+            </a:extLst>
+          </a:blip>
+          <a:srcRect l="22314" r="24803"/>
+          <a:stretch/>
+        </p:blipFill>
+        <p:spPr>
+          <a:xfrm>
+            <a:off x="1432221" y="4455583"/>
+            <a:ext cx="2752495" cy="2171700"/>
+          </a:xfrm>
+          <a:prstGeom prst="rect">
+            <a:avLst/>
+          </a:prstGeom>
+        </p:spPr>
+      </p:pic>
+    </p:spTree>
+    <p:extLst>
+      <p:ext uri="{BB962C8B-B14F-4D97-AF65-F5344CB8AC3E}">
+        <p14:creationId xmlns:p14="http://schemas.microsoft.com/office/powerpoint/2010/main" val="1467501629"/>
+      </p:ext>
+    </p:extLst>
+  </p:cSld>
+  <p:clrMapOvr>
+    <a:masterClrMapping/>
+  </p:clrMapOvr>
+</p:sld>
+</file>
+
+<file path=ppt/slides/slide33.xml><?xml version="1.0" encoding="utf-8"?>
+<p:sld xmlns:a="http://schemas.openxmlformats.org/drawingml/2006/main" xmlns:r="http://schemas.openxmlformats.org/officeDocument/2006/relationships" xmlns:p="http://schemas.openxmlformats.org/presentationml/2006/main">
+  <p:cSld>
+    <p:spTree>
+      <p:nvGrpSpPr>
+        <p:cNvPr id="1" name=""/>
+        <p:cNvGrpSpPr/>
+        <p:nvPr/>
+      </p:nvGrpSpPr>
+      <p:grpSpPr>
+        <a:xfrm>
+          <a:off x="0" y="0"/>
+          <a:ext cx="0" cy="0"/>
+          <a:chOff x="0" y="0"/>
+          <a:chExt cx="0" cy="0"/>
+        </a:xfrm>
+      </p:grpSpPr>
+      <p:sp>
+        <p:nvSpPr>
+          <p:cNvPr id="2" name="Title 1"/>
+          <p:cNvSpPr>
+            <a:spLocks noGrp="1"/>
+          </p:cNvSpPr>
+          <p:nvPr>
+            <p:ph type="title"/>
+          </p:nvPr>
+        </p:nvSpPr>
+        <p:spPr/>
+        <p:txBody>
+          <a:bodyPr/>
+          <a:lstStyle/>
+          <a:p>
+            <a:r>
+              <a:rPr lang="en-US" dirty="0" smtClean="0"/>
               <a:t>Other architectures: GPU</a:t>
             </a:r>
             <a:endParaRPr lang="en-US" dirty="0"/>
@@ -19573,7 +19687,7 @@
 </p:sld>
 </file>
 
-<file path=ppt/slides/slide32.xml><?xml version="1.0" encoding="utf-8"?>
+<file path=ppt/slides/slide34.xml><?xml version="1.0" encoding="utf-8"?>
 <p:sld xmlns:a="http://schemas.openxmlformats.org/drawingml/2006/main" xmlns:r="http://schemas.openxmlformats.org/officeDocument/2006/relationships" xmlns:p="http://schemas.openxmlformats.org/presentationml/2006/main">
   <p:cSld>
     <p:spTree>
@@ -22416,19 +22530,11 @@
             </a:r>
             <a:r>
               <a:rPr lang="en-US" sz="1800" dirty="0" smtClean="0"/>
-              <a:t>is how long it will take in cycles for the results of the instruction to be </a:t>
-            </a:r>
-            <a:r>
-              <a:rPr lang="en-US" sz="1800" dirty="0" smtClean="0"/>
-              <a:t>ready. 		</a:t>
+              <a:t>is how long it will take in cycles for the results of the instruction to be ready. 		</a:t>
             </a:r>
             <a:r>
               <a:rPr lang="en-US" sz="1800" i="1" dirty="0" smtClean="0"/>
-              <a:t>Lower </a:t>
-            </a:r>
-            <a:r>
-              <a:rPr lang="en-US" sz="1800" i="1" dirty="0" smtClean="0"/>
-              <a:t>is better.</a:t>
+              <a:t>Lower is better.</a:t>
             </a:r>
           </a:p>
           <a:p>
@@ -22493,11 +22599,7 @@
             </a:r>
             <a:r>
               <a:rPr lang="en-US" sz="1800" dirty="0" smtClean="0"/>
-              <a:t>)</a:t>
-            </a:r>
-            <a:r>
-              <a:rPr lang="en-US" sz="1800" dirty="0" smtClean="0"/>
-              <a:t>.		</a:t>
+              <a:t>).		</a:t>
             </a:r>
             <a:r>
               <a:rPr lang="en-US" sz="1800" i="1" dirty="0" smtClean="0"/>
@@ -23454,7 +23556,7 @@
   <a:extraClrSchemeLst/>
   <a:extLst>
     <a:ext uri="{05A4C25C-085E-4340-85A3-A5531E510DB2}">
-      <thm15:themeFamily xmlns:thm15="http://schemas.microsoft.com/office/thememl/2012/main" xmlns="" name="Office Theme" id="{62F939B6-93AF-4DB8-9C6B-D6C7DFDC589F}" vid="{4A3C46E8-61CC-4603-A589-7422A47A8E4A}"/>
+      <thm15:themeFamily xmlns="" xmlns:thm15="http://schemas.microsoft.com/office/thememl/2012/main" name="Office Theme" id="{62F939B6-93AF-4DB8-9C6B-D6C7DFDC589F}" vid="{4A3C46E8-61CC-4603-A589-7422A47A8E4A}"/>
     </a:ext>
   </a:extLst>
 </a:theme>
@@ -23715,7 +23817,7 @@
   <a:extraClrSchemeLst/>
   <a:extLst>
     <a:ext uri="{05A4C25C-085E-4340-85A3-A5531E510DB2}">
-      <thm15:themeFamily xmlns:thm15="http://schemas.microsoft.com/office/thememl/2012/main" xmlns="" name="Office Theme" id="{62F939B6-93AF-4DB8-9C6B-D6C7DFDC589F}" vid="{4A3C46E8-61CC-4603-A589-7422A47A8E4A}"/>
+      <thm15:themeFamily xmlns="" xmlns:thm15="http://schemas.microsoft.com/office/thememl/2012/main" name="Office Theme" id="{62F939B6-93AF-4DB8-9C6B-D6C7DFDC589F}" vid="{4A3C46E8-61CC-4603-A589-7422A47A8E4A}"/>
     </a:ext>
   </a:extLst>
 </a:theme>
